--- a/Capstone Presentation.pptx
+++ b/Capstone Presentation.pptx
@@ -13,11 +13,11 @@
     <p:sldId id="260" r:id="rId4"/>
     <p:sldId id="257" r:id="rId5"/>
     <p:sldId id="268" r:id="rId6"/>
-    <p:sldId id="261" r:id="rId7"/>
-    <p:sldId id="262" r:id="rId8"/>
-    <p:sldId id="276" r:id="rId9"/>
-    <p:sldId id="269" r:id="rId10"/>
-    <p:sldId id="277" r:id="rId11"/>
+    <p:sldId id="277" r:id="rId7"/>
+    <p:sldId id="261" r:id="rId8"/>
+    <p:sldId id="262" r:id="rId9"/>
+    <p:sldId id="276" r:id="rId10"/>
+    <p:sldId id="269" r:id="rId11"/>
     <p:sldId id="263" r:id="rId12"/>
     <p:sldId id="270" r:id="rId13"/>
     <p:sldId id="271" r:id="rId14"/>
@@ -219,7 +219,7 @@
           <a:p>
             <a:fld id="{3ABB8890-A607-8048-B9E9-71E0A23F0C3C}" type="datetimeFigureOut">
               <a:rPr lang="en-US" smtClean="0"/>
-              <a:t>6/9/21</a:t>
+              <a:t>6/10/21</a:t>
             </a:fld>
             <a:endParaRPr lang="en-US"/>
           </a:p>
@@ -554,7 +554,7 @@
           <a:p>
             <a:fld id="{75003BD5-1165-3E4F-90AD-09B51C1A67A3}" type="slidenum">
               <a:rPr lang="en-US" smtClean="0"/>
-              <a:t>7</a:t>
+              <a:t>8</a:t>
             </a:fld>
             <a:endParaRPr lang="en-US"/>
           </a:p>
@@ -644,7 +644,7 @@
           <a:p>
             <a:fld id="{75003BD5-1165-3E4F-90AD-09B51C1A67A3}" type="slidenum">
               <a:rPr lang="en-US" smtClean="0"/>
-              <a:t>8</a:t>
+              <a:t>9</a:t>
             </a:fld>
             <a:endParaRPr lang="en-US"/>
           </a:p>
@@ -731,7 +731,7 @@
           <a:p>
             <a:fld id="{75003BD5-1165-3E4F-90AD-09B51C1A67A3}" type="slidenum">
               <a:rPr lang="en-US" smtClean="0"/>
-              <a:t>9</a:t>
+              <a:t>10</a:t>
             </a:fld>
             <a:endParaRPr lang="en-US"/>
           </a:p>
@@ -1231,7 +1231,7 @@
           <a:p>
             <a:r>
               <a:rPr lang="en-US" dirty="0"/>
-              <a:t>Gender equality under hospital bills, similar BMI level and similar charges makes gender an irrelevant factor</a:t>
+              <a:t>“Gender equality” under hospital bills, similar BMI level and similar charges makes gender an irrelevant factor</a:t>
             </a:r>
           </a:p>
         </p:txBody>
@@ -1419,7 +1419,7 @@
           <a:p>
             <a:fld id="{EA8D2BE6-D81F-EC4B-9ACE-D28A7060749A}" type="datetimeFigureOut">
               <a:rPr lang="en-US" smtClean="0"/>
-              <a:t>6/9/21</a:t>
+              <a:t>6/10/21</a:t>
             </a:fld>
             <a:endParaRPr lang="en-US"/>
           </a:p>
@@ -1617,7 +1617,7 @@
           <a:p>
             <a:fld id="{EA8D2BE6-D81F-EC4B-9ACE-D28A7060749A}" type="datetimeFigureOut">
               <a:rPr lang="en-US" smtClean="0"/>
-              <a:t>6/9/21</a:t>
+              <a:t>6/10/21</a:t>
             </a:fld>
             <a:endParaRPr lang="en-US"/>
           </a:p>
@@ -1825,7 +1825,7 @@
           <a:p>
             <a:fld id="{EA8D2BE6-D81F-EC4B-9ACE-D28A7060749A}" type="datetimeFigureOut">
               <a:rPr lang="en-US" smtClean="0"/>
-              <a:t>6/9/21</a:t>
+              <a:t>6/10/21</a:t>
             </a:fld>
             <a:endParaRPr lang="en-US"/>
           </a:p>
@@ -2023,7 +2023,7 @@
           <a:p>
             <a:fld id="{EA8D2BE6-D81F-EC4B-9ACE-D28A7060749A}" type="datetimeFigureOut">
               <a:rPr lang="en-US" smtClean="0"/>
-              <a:t>6/9/21</a:t>
+              <a:t>6/10/21</a:t>
             </a:fld>
             <a:endParaRPr lang="en-US"/>
           </a:p>
@@ -2298,7 +2298,7 @@
           <a:p>
             <a:fld id="{EA8D2BE6-D81F-EC4B-9ACE-D28A7060749A}" type="datetimeFigureOut">
               <a:rPr lang="en-US" smtClean="0"/>
-              <a:t>6/9/21</a:t>
+              <a:t>6/10/21</a:t>
             </a:fld>
             <a:endParaRPr lang="en-US"/>
           </a:p>
@@ -2563,7 +2563,7 @@
           <a:p>
             <a:fld id="{EA8D2BE6-D81F-EC4B-9ACE-D28A7060749A}" type="datetimeFigureOut">
               <a:rPr lang="en-US" smtClean="0"/>
-              <a:t>6/9/21</a:t>
+              <a:t>6/10/21</a:t>
             </a:fld>
             <a:endParaRPr lang="en-US"/>
           </a:p>
@@ -2975,7 +2975,7 @@
           <a:p>
             <a:fld id="{EA8D2BE6-D81F-EC4B-9ACE-D28A7060749A}" type="datetimeFigureOut">
               <a:rPr lang="en-US" smtClean="0"/>
-              <a:t>6/9/21</a:t>
+              <a:t>6/10/21</a:t>
             </a:fld>
             <a:endParaRPr lang="en-US"/>
           </a:p>
@@ -3116,7 +3116,7 @@
           <a:p>
             <a:fld id="{EA8D2BE6-D81F-EC4B-9ACE-D28A7060749A}" type="datetimeFigureOut">
               <a:rPr lang="en-US" smtClean="0"/>
-              <a:t>6/9/21</a:t>
+              <a:t>6/10/21</a:t>
             </a:fld>
             <a:endParaRPr lang="en-US"/>
           </a:p>
@@ -3229,7 +3229,7 @@
           <a:p>
             <a:fld id="{EA8D2BE6-D81F-EC4B-9ACE-D28A7060749A}" type="datetimeFigureOut">
               <a:rPr lang="en-US" smtClean="0"/>
-              <a:t>6/9/21</a:t>
+              <a:t>6/10/21</a:t>
             </a:fld>
             <a:endParaRPr lang="en-US"/>
           </a:p>
@@ -3540,7 +3540,7 @@
           <a:p>
             <a:fld id="{EA8D2BE6-D81F-EC4B-9ACE-D28A7060749A}" type="datetimeFigureOut">
               <a:rPr lang="en-US" smtClean="0"/>
-              <a:t>6/9/21</a:t>
+              <a:t>6/10/21</a:t>
             </a:fld>
             <a:endParaRPr lang="en-US"/>
           </a:p>
@@ -3828,7 +3828,7 @@
           <a:p>
             <a:fld id="{EA8D2BE6-D81F-EC4B-9ACE-D28A7060749A}" type="datetimeFigureOut">
               <a:rPr lang="en-US" smtClean="0"/>
-              <a:t>6/9/21</a:t>
+              <a:t>6/10/21</a:t>
             </a:fld>
             <a:endParaRPr lang="en-US"/>
           </a:p>
@@ -4069,7 +4069,7 @@
           <a:p>
             <a:fld id="{EA8D2BE6-D81F-EC4B-9ACE-D28A7060749A}" type="datetimeFigureOut">
               <a:rPr lang="en-US" smtClean="0"/>
-              <a:t>6/9/21</a:t>
+              <a:t>6/10/21</a:t>
             </a:fld>
             <a:endParaRPr lang="en-US"/>
           </a:p>
@@ -4637,12 +4637,12 @@
           <a:chExt cx="0" cy="0"/>
         </a:xfrm>
       </p:grpSpPr>
-      <p:sp useBgFill="1">
-        <p:nvSpPr>
-          <p:cNvPr id="12" name="Rectangle 11">
-            <a:extLst>
-              <a:ext uri="{FF2B5EF4-FFF2-40B4-BE49-F238E27FC236}">
-                <a16:creationId xmlns:a16="http://schemas.microsoft.com/office/drawing/2014/main" id="{B5FA7C47-B7C1-4D2E-AB49-ED23BA34BA83}"/>
+      <p:sp>
+        <p:nvSpPr>
+          <p:cNvPr id="10" name="Flowchart: Document 9">
+            <a:extLst>
+              <a:ext uri="{FF2B5EF4-FFF2-40B4-BE49-F238E27FC236}">
+                <a16:creationId xmlns:a16="http://schemas.microsoft.com/office/drawing/2014/main" id="{D12DDE76-C203-4047-9998-63900085B5E8}"/>
               </a:ext>
               <a:ext uri="{C183D7F6-B498-43B3-948B-1728B52AA6E4}">
                 <adec:decorative xmlns:adec="http://schemas.microsoft.com/office/drawing/2017/decorative" val="1"/>
@@ -4662,7 +4662,1461 @@
         </p:nvSpPr>
         <p:spPr>
           <a:xfrm>
-            <a:off x="0" y="0"/>
+            <a:off x="638175" y="0"/>
+            <a:ext cx="3248025" cy="3400426"/>
+          </a:xfrm>
+          <a:prstGeom prst="flowChartDocument">
+            <a:avLst/>
+          </a:prstGeom>
+          <a:solidFill>
+            <a:schemeClr val="accent1"/>
+          </a:solidFill>
+          <a:ln>
+            <a:noFill/>
+          </a:ln>
+        </p:spPr>
+        <p:style>
+          <a:lnRef idx="2">
+            <a:schemeClr val="accent1">
+              <a:shade val="50000"/>
+            </a:schemeClr>
+          </a:lnRef>
+          <a:fillRef idx="1">
+            <a:schemeClr val="accent1"/>
+          </a:fillRef>
+          <a:effectRef idx="0">
+            <a:schemeClr val="accent1"/>
+          </a:effectRef>
+          <a:fontRef idx="minor">
+            <a:schemeClr val="lt1"/>
+          </a:fontRef>
+        </p:style>
+        <p:txBody>
+          <a:bodyPr rtlCol="0" anchor="ctr"/>
+          <a:lstStyle/>
+          <a:p>
+            <a:pPr algn="ctr"/>
+            <a:endParaRPr lang="en-US"/>
+          </a:p>
+        </p:txBody>
+      </p:sp>
+      <p:sp>
+        <p:nvSpPr>
+          <p:cNvPr id="2" name="Title 1">
+            <a:extLst>
+              <a:ext uri="{FF2B5EF4-FFF2-40B4-BE49-F238E27FC236}">
+                <a16:creationId xmlns:a16="http://schemas.microsoft.com/office/drawing/2014/main" id="{DF1B751B-D55C-3344-88C7-FD5747AEF859}"/>
+              </a:ext>
+            </a:extLst>
+          </p:cNvPr>
+          <p:cNvSpPr>
+            <a:spLocks noGrp="1"/>
+          </p:cNvSpPr>
+          <p:nvPr>
+            <p:ph type="title"/>
+          </p:nvPr>
+        </p:nvSpPr>
+        <p:spPr>
+          <a:xfrm>
+            <a:off x="838200" y="171162"/>
+            <a:ext cx="2840182" cy="2371148"/>
+          </a:xfrm>
+        </p:spPr>
+        <p:txBody>
+          <a:bodyPr vert="horz" lIns="91440" tIns="45720" rIns="91440" bIns="45720" rtlCol="0" anchor="ctr">
+            <a:normAutofit/>
+          </a:bodyPr>
+          <a:lstStyle/>
+          <a:p>
+            <a:r>
+              <a:rPr lang="en-US" sz="3200" kern="1200">
+                <a:solidFill>
+                  <a:srgbClr val="FFFFFF"/>
+                </a:solidFill>
+                <a:latin typeface="+mj-lt"/>
+                <a:ea typeface="+mj-ea"/>
+                <a:cs typeface="+mj-cs"/>
+              </a:rPr>
+              <a:t>Smoker vs non-smokers in boxplot</a:t>
+            </a:r>
+          </a:p>
+        </p:txBody>
+      </p:sp>
+      <p:pic>
+        <p:nvPicPr>
+          <p:cNvPr id="5" name="Content Placeholder 4" descr="Chart, box and whisker chart&#10;&#10;Description automatically generated">
+            <a:extLst>
+              <a:ext uri="{FF2B5EF4-FFF2-40B4-BE49-F238E27FC236}">
+                <a16:creationId xmlns:a16="http://schemas.microsoft.com/office/drawing/2014/main" id="{9B141376-63A3-374D-A175-48A45929A76F}"/>
+              </a:ext>
+            </a:extLst>
+          </p:cNvPr>
+          <p:cNvPicPr>
+            <a:picLocks noGrp="1" noChangeAspect="1"/>
+          </p:cNvPicPr>
+          <p:nvPr>
+            <p:ph idx="1"/>
+          </p:nvPr>
+        </p:nvPicPr>
+        <p:blipFill>
+          <a:blip r:embed="rId3"/>
+          <a:stretch>
+            <a:fillRect/>
+          </a:stretch>
+        </p:blipFill>
+        <p:spPr>
+          <a:xfrm>
+            <a:off x="4312840" y="418638"/>
+            <a:ext cx="7240985" cy="6020724"/>
+          </a:xfrm>
+          <a:prstGeom prst="rect">
+            <a:avLst/>
+          </a:prstGeom>
+        </p:spPr>
+      </p:pic>
+    </p:spTree>
+    <p:extLst>
+      <p:ext uri="{BB962C8B-B14F-4D97-AF65-F5344CB8AC3E}">
+        <p14:creationId xmlns:p14="http://schemas.microsoft.com/office/powerpoint/2010/main" val="1875943029"/>
+      </p:ext>
+    </p:extLst>
+  </p:cSld>
+  <p:clrMapOvr>
+    <a:masterClrMapping/>
+  </p:clrMapOvr>
+</p:sld>
+</file>
+
+<file path=ppt/slides/slide11.xml><?xml version="1.0" encoding="utf-8"?>
+<p:sld xmlns:a="http://schemas.openxmlformats.org/drawingml/2006/main" xmlns:r="http://schemas.openxmlformats.org/officeDocument/2006/relationships" xmlns:p="http://schemas.openxmlformats.org/presentationml/2006/main">
+  <p:cSld>
+    <p:bg>
+      <p:bgPr>
+        <a:solidFill>
+          <a:schemeClr val="bg1"/>
+        </a:solidFill>
+        <a:effectLst/>
+      </p:bgPr>
+    </p:bg>
+    <p:spTree>
+      <p:nvGrpSpPr>
+        <p:cNvPr id="1" name=""/>
+        <p:cNvGrpSpPr/>
+        <p:nvPr/>
+      </p:nvGrpSpPr>
+      <p:grpSpPr>
+        <a:xfrm>
+          <a:off x="0" y="0"/>
+          <a:ext cx="0" cy="0"/>
+          <a:chOff x="0" y="0"/>
+          <a:chExt cx="0" cy="0"/>
+        </a:xfrm>
+      </p:grpSpPr>
+      <p:sp>
+        <p:nvSpPr>
+          <p:cNvPr id="10" name="Rectangle 9">
+            <a:extLst>
+              <a:ext uri="{FF2B5EF4-FFF2-40B4-BE49-F238E27FC236}">
+                <a16:creationId xmlns:a16="http://schemas.microsoft.com/office/drawing/2014/main" id="{A4AC5506-6312-4701-8D3C-40187889A947}"/>
+              </a:ext>
+              <a:ext uri="{C183D7F6-B498-43B3-948B-1728B52AA6E4}">
+                <adec:decorative xmlns:adec="http://schemas.microsoft.com/office/drawing/2017/decorative" val="1"/>
+              </a:ext>
+            </a:extLst>
+          </p:cNvPr>
+          <p:cNvSpPr>
+            <a:spLocks noGrp="1" noRot="1" noChangeAspect="1" noMove="1" noResize="1" noEditPoints="1" noAdjustHandles="1" noChangeArrowheads="1" noChangeShapeType="1" noTextEdit="1"/>
+          </p:cNvSpPr>
+          <p:nvPr>
+            <p:extLst>
+              <p:ext uri="{386F3935-93C4-4BCD-93E2-E3B085C9AB24}">
+                <p16:designElem xmlns:p16="http://schemas.microsoft.com/office/powerpoint/2015/main" val="1"/>
+              </p:ext>
+            </p:extLst>
+          </p:nvPr>
+        </p:nvSpPr>
+        <p:spPr>
+          <a:xfrm>
+            <a:off x="0" y="651752"/>
+            <a:ext cx="12192000" cy="736551"/>
+          </a:xfrm>
+          <a:prstGeom prst="rect">
+            <a:avLst/>
+          </a:prstGeom>
+          <a:solidFill>
+            <a:schemeClr val="tx1"/>
+          </a:solidFill>
+          <a:ln>
+            <a:noFill/>
+          </a:ln>
+        </p:spPr>
+        <p:style>
+          <a:lnRef idx="2">
+            <a:schemeClr val="accent1">
+              <a:shade val="50000"/>
+            </a:schemeClr>
+          </a:lnRef>
+          <a:fillRef idx="1">
+            <a:schemeClr val="accent1"/>
+          </a:fillRef>
+          <a:effectRef idx="0">
+            <a:schemeClr val="accent1"/>
+          </a:effectRef>
+          <a:fontRef idx="minor">
+            <a:schemeClr val="lt1"/>
+          </a:fontRef>
+        </p:style>
+        <p:txBody>
+          <a:bodyPr rtlCol="0" anchor="ctr"/>
+          <a:lstStyle/>
+          <a:p>
+            <a:pPr algn="ctr"/>
+            <a:endParaRPr lang="en-US"/>
+          </a:p>
+        </p:txBody>
+      </p:sp>
+      <p:sp>
+        <p:nvSpPr>
+          <p:cNvPr id="2" name="Title 1">
+            <a:extLst>
+              <a:ext uri="{FF2B5EF4-FFF2-40B4-BE49-F238E27FC236}">
+                <a16:creationId xmlns:a16="http://schemas.microsoft.com/office/drawing/2014/main" id="{0B53735C-2D51-314F-9A78-6BEC8B5C0C74}"/>
+              </a:ext>
+            </a:extLst>
+          </p:cNvPr>
+          <p:cNvSpPr>
+            <a:spLocks noGrp="1"/>
+          </p:cNvSpPr>
+          <p:nvPr>
+            <p:ph type="title"/>
+          </p:nvPr>
+        </p:nvSpPr>
+        <p:spPr>
+          <a:xfrm>
+            <a:off x="556532" y="643467"/>
+            <a:ext cx="11210925" cy="744836"/>
+          </a:xfrm>
+        </p:spPr>
+        <p:txBody>
+          <a:bodyPr vert="horz" lIns="91440" tIns="45720" rIns="91440" bIns="45720" rtlCol="0" anchor="ctr">
+            <a:normAutofit/>
+          </a:bodyPr>
+          <a:lstStyle/>
+          <a:p>
+            <a:pPr algn="ctr"/>
+            <a:r>
+              <a:rPr lang="en-US" sz="3200" kern="1200" dirty="0">
+                <a:solidFill>
+                  <a:schemeClr val="bg1"/>
+                </a:solidFill>
+                <a:latin typeface="+mj-lt"/>
+                <a:ea typeface="+mj-ea"/>
+                <a:cs typeface="+mj-cs"/>
+              </a:rPr>
+              <a:t>Charges vs age but the color represents BMI levels</a:t>
+            </a:r>
+          </a:p>
+        </p:txBody>
+      </p:sp>
+      <p:pic>
+        <p:nvPicPr>
+          <p:cNvPr id="5" name="Content Placeholder 4" descr="Chart, scatter chart&#10;&#10;Description automatically generated">
+            <a:extLst>
+              <a:ext uri="{FF2B5EF4-FFF2-40B4-BE49-F238E27FC236}">
+                <a16:creationId xmlns:a16="http://schemas.microsoft.com/office/drawing/2014/main" id="{78F6E88F-FFEF-0B42-9B60-34C7E5C1D9A0}"/>
+              </a:ext>
+            </a:extLst>
+          </p:cNvPr>
+          <p:cNvPicPr>
+            <a:picLocks noGrp="1" noChangeAspect="1"/>
+          </p:cNvPicPr>
+          <p:nvPr>
+            <p:ph idx="1"/>
+          </p:nvPr>
+        </p:nvPicPr>
+        <p:blipFill>
+          <a:blip r:embed="rId3"/>
+          <a:stretch>
+            <a:fillRect/>
+          </a:stretch>
+        </p:blipFill>
+        <p:spPr>
+          <a:xfrm>
+            <a:off x="1911049" y="1675227"/>
+            <a:ext cx="8369901" cy="4394199"/>
+          </a:xfrm>
+          <a:prstGeom prst="rect">
+            <a:avLst/>
+          </a:prstGeom>
+        </p:spPr>
+      </p:pic>
+    </p:spTree>
+    <p:extLst>
+      <p:ext uri="{BB962C8B-B14F-4D97-AF65-F5344CB8AC3E}">
+        <p14:creationId xmlns:p14="http://schemas.microsoft.com/office/powerpoint/2010/main" val="2786018465"/>
+      </p:ext>
+    </p:extLst>
+  </p:cSld>
+  <p:clrMapOvr>
+    <a:masterClrMapping/>
+  </p:clrMapOvr>
+</p:sld>
+</file>
+
+<file path=ppt/slides/slide12.xml><?xml version="1.0" encoding="utf-8"?>
+<p:sld xmlns:a="http://schemas.openxmlformats.org/drawingml/2006/main" xmlns:r="http://schemas.openxmlformats.org/officeDocument/2006/relationships" xmlns:p="http://schemas.openxmlformats.org/presentationml/2006/main">
+  <p:cSld>
+    <p:bg>
+      <p:bgPr>
+        <a:solidFill>
+          <a:schemeClr val="bg1"/>
+        </a:solidFill>
+        <a:effectLst/>
+      </p:bgPr>
+    </p:bg>
+    <p:spTree>
+      <p:nvGrpSpPr>
+        <p:cNvPr id="1" name=""/>
+        <p:cNvGrpSpPr/>
+        <p:nvPr/>
+      </p:nvGrpSpPr>
+      <p:grpSpPr>
+        <a:xfrm>
+          <a:off x="0" y="0"/>
+          <a:ext cx="0" cy="0"/>
+          <a:chOff x="0" y="0"/>
+          <a:chExt cx="0" cy="0"/>
+        </a:xfrm>
+      </p:grpSpPr>
+      <p:sp>
+        <p:nvSpPr>
+          <p:cNvPr id="17" name="Flowchart: Document 16">
+            <a:extLst>
+              <a:ext uri="{FF2B5EF4-FFF2-40B4-BE49-F238E27FC236}">
+                <a16:creationId xmlns:a16="http://schemas.microsoft.com/office/drawing/2014/main" id="{D12DDE76-C203-4047-9998-63900085B5E8}"/>
+              </a:ext>
+              <a:ext uri="{C183D7F6-B498-43B3-948B-1728B52AA6E4}">
+                <adec:decorative xmlns:adec="http://schemas.microsoft.com/office/drawing/2017/decorative" val="1"/>
+              </a:ext>
+            </a:extLst>
+          </p:cNvPr>
+          <p:cNvSpPr>
+            <a:spLocks noGrp="1" noRot="1" noChangeAspect="1" noMove="1" noResize="1" noEditPoints="1" noAdjustHandles="1" noChangeArrowheads="1" noChangeShapeType="1" noTextEdit="1"/>
+          </p:cNvSpPr>
+          <p:nvPr>
+            <p:extLst>
+              <p:ext uri="{386F3935-93C4-4BCD-93E2-E3B085C9AB24}">
+                <p16:designElem xmlns:p16="http://schemas.microsoft.com/office/powerpoint/2015/main" val="1"/>
+              </p:ext>
+            </p:extLst>
+          </p:nvPr>
+        </p:nvSpPr>
+        <p:spPr>
+          <a:xfrm>
+            <a:off x="638175" y="0"/>
+            <a:ext cx="3248025" cy="3400426"/>
+          </a:xfrm>
+          <a:prstGeom prst="flowChartDocument">
+            <a:avLst/>
+          </a:prstGeom>
+          <a:solidFill>
+            <a:schemeClr val="accent1"/>
+          </a:solidFill>
+          <a:ln>
+            <a:noFill/>
+          </a:ln>
+        </p:spPr>
+        <p:style>
+          <a:lnRef idx="2">
+            <a:schemeClr val="accent1">
+              <a:shade val="50000"/>
+            </a:schemeClr>
+          </a:lnRef>
+          <a:fillRef idx="1">
+            <a:schemeClr val="accent1"/>
+          </a:fillRef>
+          <a:effectRef idx="0">
+            <a:schemeClr val="accent1"/>
+          </a:effectRef>
+          <a:fontRef idx="minor">
+            <a:schemeClr val="lt1"/>
+          </a:fontRef>
+        </p:style>
+        <p:txBody>
+          <a:bodyPr rtlCol="0" anchor="ctr"/>
+          <a:lstStyle/>
+          <a:p>
+            <a:pPr algn="ctr"/>
+            <a:endParaRPr lang="en-US"/>
+          </a:p>
+        </p:txBody>
+      </p:sp>
+      <p:sp>
+        <p:nvSpPr>
+          <p:cNvPr id="2" name="Title 1">
+            <a:extLst>
+              <a:ext uri="{FF2B5EF4-FFF2-40B4-BE49-F238E27FC236}">
+                <a16:creationId xmlns:a16="http://schemas.microsoft.com/office/drawing/2014/main" id="{36CA82B0-51DF-0940-ADD8-99AFB797B871}"/>
+              </a:ext>
+            </a:extLst>
+          </p:cNvPr>
+          <p:cNvSpPr>
+            <a:spLocks noGrp="1"/>
+          </p:cNvSpPr>
+          <p:nvPr>
+            <p:ph type="title"/>
+          </p:nvPr>
+        </p:nvSpPr>
+        <p:spPr>
+          <a:xfrm>
+            <a:off x="638175" y="171162"/>
+            <a:ext cx="3248025" cy="2371148"/>
+          </a:xfrm>
+        </p:spPr>
+        <p:txBody>
+          <a:bodyPr vert="horz" lIns="91440" tIns="45720" rIns="91440" bIns="45720" rtlCol="0" anchor="ctr">
+            <a:normAutofit/>
+          </a:bodyPr>
+          <a:lstStyle/>
+          <a:p>
+            <a:r>
+              <a:rPr lang="en-US" sz="3200" kern="1200" dirty="0">
+                <a:solidFill>
+                  <a:srgbClr val="FFFFFF"/>
+                </a:solidFill>
+                <a:latin typeface="+mj-lt"/>
+                <a:ea typeface="+mj-ea"/>
+                <a:cs typeface="+mj-cs"/>
+              </a:rPr>
+              <a:t>Cost per hospital visit by BM</a:t>
+            </a:r>
+            <a:r>
+              <a:rPr lang="en-US" sz="3200" dirty="0">
+                <a:solidFill>
+                  <a:srgbClr val="FFFFFF"/>
+                </a:solidFill>
+              </a:rPr>
+              <a:t>I Classification</a:t>
+            </a:r>
+            <a:endParaRPr lang="en-US" sz="3200" kern="1200" dirty="0">
+              <a:solidFill>
+                <a:srgbClr val="FFFFFF"/>
+              </a:solidFill>
+              <a:latin typeface="+mj-lt"/>
+              <a:ea typeface="+mj-ea"/>
+              <a:cs typeface="+mj-cs"/>
+            </a:endParaRPr>
+          </a:p>
+        </p:txBody>
+      </p:sp>
+      <p:pic>
+        <p:nvPicPr>
+          <p:cNvPr id="5" name="Content Placeholder 4" descr="Chart, box and whisker chart&#10;&#10;Description automatically generated">
+            <a:extLst>
+              <a:ext uri="{FF2B5EF4-FFF2-40B4-BE49-F238E27FC236}">
+                <a16:creationId xmlns:a16="http://schemas.microsoft.com/office/drawing/2014/main" id="{B60FDE6B-ADFD-D642-85A1-92E40E4C2192}"/>
+              </a:ext>
+            </a:extLst>
+          </p:cNvPr>
+          <p:cNvPicPr>
+            <a:picLocks noGrp="1" noChangeAspect="1"/>
+          </p:cNvPicPr>
+          <p:nvPr>
+            <p:ph idx="1"/>
+          </p:nvPr>
+        </p:nvPicPr>
+        <p:blipFill>
+          <a:blip r:embed="rId2"/>
+          <a:stretch>
+            <a:fillRect/>
+          </a:stretch>
+        </p:blipFill>
+        <p:spPr>
+          <a:xfrm>
+            <a:off x="4533347" y="640080"/>
+            <a:ext cx="6696708" cy="5578816"/>
+          </a:xfrm>
+          <a:prstGeom prst="rect">
+            <a:avLst/>
+          </a:prstGeom>
+        </p:spPr>
+      </p:pic>
+    </p:spTree>
+    <p:extLst>
+      <p:ext uri="{BB962C8B-B14F-4D97-AF65-F5344CB8AC3E}">
+        <p14:creationId xmlns:p14="http://schemas.microsoft.com/office/powerpoint/2010/main" val="1230887700"/>
+      </p:ext>
+    </p:extLst>
+  </p:cSld>
+  <p:clrMapOvr>
+    <a:masterClrMapping/>
+  </p:clrMapOvr>
+</p:sld>
+</file>
+
+<file path=ppt/slides/slide13.xml><?xml version="1.0" encoding="utf-8"?>
+<p:sld xmlns:a="http://schemas.openxmlformats.org/drawingml/2006/main" xmlns:r="http://schemas.openxmlformats.org/officeDocument/2006/relationships" xmlns:p="http://schemas.openxmlformats.org/presentationml/2006/main">
+  <p:cSld>
+    <p:bg>
+      <p:bgPr>
+        <a:solidFill>
+          <a:schemeClr val="bg1"/>
+        </a:solidFill>
+        <a:effectLst/>
+      </p:bgPr>
+    </p:bg>
+    <p:spTree>
+      <p:nvGrpSpPr>
+        <p:cNvPr id="1" name=""/>
+        <p:cNvGrpSpPr/>
+        <p:nvPr/>
+      </p:nvGrpSpPr>
+      <p:grpSpPr>
+        <a:xfrm>
+          <a:off x="0" y="0"/>
+          <a:ext cx="0" cy="0"/>
+          <a:chOff x="0" y="0"/>
+          <a:chExt cx="0" cy="0"/>
+        </a:xfrm>
+      </p:grpSpPr>
+      <p:sp>
+        <p:nvSpPr>
+          <p:cNvPr id="10" name="Flowchart: Document 9">
+            <a:extLst>
+              <a:ext uri="{FF2B5EF4-FFF2-40B4-BE49-F238E27FC236}">
+                <a16:creationId xmlns:a16="http://schemas.microsoft.com/office/drawing/2014/main" id="{D12DDE76-C203-4047-9998-63900085B5E8}"/>
+              </a:ext>
+              <a:ext uri="{C183D7F6-B498-43B3-948B-1728B52AA6E4}">
+                <adec:decorative xmlns:adec="http://schemas.microsoft.com/office/drawing/2017/decorative" val="1"/>
+              </a:ext>
+            </a:extLst>
+          </p:cNvPr>
+          <p:cNvSpPr>
+            <a:spLocks noGrp="1" noRot="1" noChangeAspect="1" noMove="1" noResize="1" noEditPoints="1" noAdjustHandles="1" noChangeArrowheads="1" noChangeShapeType="1" noTextEdit="1"/>
+          </p:cNvSpPr>
+          <p:nvPr>
+            <p:extLst>
+              <p:ext uri="{386F3935-93C4-4BCD-93E2-E3B085C9AB24}">
+                <p16:designElem xmlns:p16="http://schemas.microsoft.com/office/powerpoint/2015/main" val="1"/>
+              </p:ext>
+            </p:extLst>
+          </p:nvPr>
+        </p:nvSpPr>
+        <p:spPr>
+          <a:xfrm>
+            <a:off x="638175" y="0"/>
+            <a:ext cx="3248025" cy="3400426"/>
+          </a:xfrm>
+          <a:prstGeom prst="flowChartDocument">
+            <a:avLst/>
+          </a:prstGeom>
+          <a:solidFill>
+            <a:schemeClr val="accent1"/>
+          </a:solidFill>
+          <a:ln>
+            <a:noFill/>
+          </a:ln>
+        </p:spPr>
+        <p:style>
+          <a:lnRef idx="2">
+            <a:schemeClr val="accent1">
+              <a:shade val="50000"/>
+            </a:schemeClr>
+          </a:lnRef>
+          <a:fillRef idx="1">
+            <a:schemeClr val="accent1"/>
+          </a:fillRef>
+          <a:effectRef idx="0">
+            <a:schemeClr val="accent1"/>
+          </a:effectRef>
+          <a:fontRef idx="minor">
+            <a:schemeClr val="lt1"/>
+          </a:fontRef>
+        </p:style>
+        <p:txBody>
+          <a:bodyPr rtlCol="0" anchor="ctr"/>
+          <a:lstStyle/>
+          <a:p>
+            <a:pPr algn="ctr"/>
+            <a:endParaRPr lang="en-US"/>
+          </a:p>
+        </p:txBody>
+      </p:sp>
+      <p:sp>
+        <p:nvSpPr>
+          <p:cNvPr id="2" name="Title 1">
+            <a:extLst>
+              <a:ext uri="{FF2B5EF4-FFF2-40B4-BE49-F238E27FC236}">
+                <a16:creationId xmlns:a16="http://schemas.microsoft.com/office/drawing/2014/main" id="{6FDF1E3C-963A-9A45-A473-F50D538F90BE}"/>
+              </a:ext>
+            </a:extLst>
+          </p:cNvPr>
+          <p:cNvSpPr>
+            <a:spLocks noGrp="1"/>
+          </p:cNvSpPr>
+          <p:nvPr>
+            <p:ph type="title"/>
+          </p:nvPr>
+        </p:nvSpPr>
+        <p:spPr>
+          <a:xfrm>
+            <a:off x="838200" y="171162"/>
+            <a:ext cx="2840182" cy="2371148"/>
+          </a:xfrm>
+        </p:spPr>
+        <p:txBody>
+          <a:bodyPr vert="horz" lIns="91440" tIns="45720" rIns="91440" bIns="45720" rtlCol="0" anchor="ctr">
+            <a:normAutofit/>
+          </a:bodyPr>
+          <a:lstStyle/>
+          <a:p>
+            <a:r>
+              <a:rPr lang="en-US" sz="3200" kern="1200">
+                <a:solidFill>
+                  <a:srgbClr val="FFFFFF"/>
+                </a:solidFill>
+                <a:latin typeface="+mj-lt"/>
+                <a:ea typeface="+mj-ea"/>
+                <a:cs typeface="+mj-cs"/>
+              </a:rPr>
+              <a:t>How much do each locations pay?</a:t>
+            </a:r>
+          </a:p>
+        </p:txBody>
+      </p:sp>
+      <p:pic>
+        <p:nvPicPr>
+          <p:cNvPr id="5" name="Content Placeholder 4" descr="Chart, box and whisker chart&#10;&#10;Description automatically generated">
+            <a:extLst>
+              <a:ext uri="{FF2B5EF4-FFF2-40B4-BE49-F238E27FC236}">
+                <a16:creationId xmlns:a16="http://schemas.microsoft.com/office/drawing/2014/main" id="{E1C8D2AB-B5B8-934A-8CD4-7FDDFB496A43}"/>
+              </a:ext>
+            </a:extLst>
+          </p:cNvPr>
+          <p:cNvPicPr>
+            <a:picLocks noGrp="1" noChangeAspect="1"/>
+          </p:cNvPicPr>
+          <p:nvPr>
+            <p:ph idx="1"/>
+          </p:nvPr>
+        </p:nvPicPr>
+        <p:blipFill>
+          <a:blip r:embed="rId3"/>
+          <a:stretch>
+            <a:fillRect/>
+          </a:stretch>
+        </p:blipFill>
+        <p:spPr>
+          <a:xfrm>
+            <a:off x="4227443" y="376195"/>
+            <a:ext cx="7326382" cy="6091731"/>
+          </a:xfrm>
+          <a:prstGeom prst="rect">
+            <a:avLst/>
+          </a:prstGeom>
+        </p:spPr>
+      </p:pic>
+    </p:spTree>
+    <p:extLst>
+      <p:ext uri="{BB962C8B-B14F-4D97-AF65-F5344CB8AC3E}">
+        <p14:creationId xmlns:p14="http://schemas.microsoft.com/office/powerpoint/2010/main" val="1023414738"/>
+      </p:ext>
+    </p:extLst>
+  </p:cSld>
+  <p:clrMapOvr>
+    <a:masterClrMapping/>
+  </p:clrMapOvr>
+</p:sld>
+</file>
+
+<file path=ppt/slides/slide14.xml><?xml version="1.0" encoding="utf-8"?>
+<p:sld xmlns:a="http://schemas.openxmlformats.org/drawingml/2006/main" xmlns:r="http://schemas.openxmlformats.org/officeDocument/2006/relationships" xmlns:p="http://schemas.openxmlformats.org/presentationml/2006/main">
+  <p:cSld>
+    <p:bg>
+      <p:bgPr>
+        <a:solidFill>
+          <a:schemeClr val="bg1"/>
+        </a:solidFill>
+        <a:effectLst/>
+      </p:bgPr>
+    </p:bg>
+    <p:spTree>
+      <p:nvGrpSpPr>
+        <p:cNvPr id="1" name=""/>
+        <p:cNvGrpSpPr/>
+        <p:nvPr/>
+      </p:nvGrpSpPr>
+      <p:grpSpPr>
+        <a:xfrm>
+          <a:off x="0" y="0"/>
+          <a:ext cx="0" cy="0"/>
+          <a:chOff x="0" y="0"/>
+          <a:chExt cx="0" cy="0"/>
+        </a:xfrm>
+      </p:grpSpPr>
+      <p:sp>
+        <p:nvSpPr>
+          <p:cNvPr id="10" name="Flowchart: Document 9">
+            <a:extLst>
+              <a:ext uri="{FF2B5EF4-FFF2-40B4-BE49-F238E27FC236}">
+                <a16:creationId xmlns:a16="http://schemas.microsoft.com/office/drawing/2014/main" id="{D12DDE76-C203-4047-9998-63900085B5E8}"/>
+              </a:ext>
+              <a:ext uri="{C183D7F6-B498-43B3-948B-1728B52AA6E4}">
+                <adec:decorative xmlns:adec="http://schemas.microsoft.com/office/drawing/2017/decorative" val="1"/>
+              </a:ext>
+            </a:extLst>
+          </p:cNvPr>
+          <p:cNvSpPr>
+            <a:spLocks noGrp="1" noRot="1" noChangeAspect="1" noMove="1" noResize="1" noEditPoints="1" noAdjustHandles="1" noChangeArrowheads="1" noChangeShapeType="1" noTextEdit="1"/>
+          </p:cNvSpPr>
+          <p:nvPr>
+            <p:extLst>
+              <p:ext uri="{386F3935-93C4-4BCD-93E2-E3B085C9AB24}">
+                <p16:designElem xmlns:p16="http://schemas.microsoft.com/office/powerpoint/2015/main" val="1"/>
+              </p:ext>
+            </p:extLst>
+          </p:nvPr>
+        </p:nvSpPr>
+        <p:spPr>
+          <a:xfrm>
+            <a:off x="638175" y="0"/>
+            <a:ext cx="3248025" cy="3400426"/>
+          </a:xfrm>
+          <a:prstGeom prst="flowChartDocument">
+            <a:avLst/>
+          </a:prstGeom>
+          <a:solidFill>
+            <a:schemeClr val="accent1"/>
+          </a:solidFill>
+          <a:ln>
+            <a:noFill/>
+          </a:ln>
+        </p:spPr>
+        <p:style>
+          <a:lnRef idx="2">
+            <a:schemeClr val="accent1">
+              <a:shade val="50000"/>
+            </a:schemeClr>
+          </a:lnRef>
+          <a:fillRef idx="1">
+            <a:schemeClr val="accent1"/>
+          </a:fillRef>
+          <a:effectRef idx="0">
+            <a:schemeClr val="accent1"/>
+          </a:effectRef>
+          <a:fontRef idx="minor">
+            <a:schemeClr val="lt1"/>
+          </a:fontRef>
+        </p:style>
+        <p:txBody>
+          <a:bodyPr rtlCol="0" anchor="ctr"/>
+          <a:lstStyle/>
+          <a:p>
+            <a:pPr algn="ctr"/>
+            <a:endParaRPr lang="en-US"/>
+          </a:p>
+        </p:txBody>
+      </p:sp>
+      <p:sp>
+        <p:nvSpPr>
+          <p:cNvPr id="2" name="Title 1">
+            <a:extLst>
+              <a:ext uri="{FF2B5EF4-FFF2-40B4-BE49-F238E27FC236}">
+                <a16:creationId xmlns:a16="http://schemas.microsoft.com/office/drawing/2014/main" id="{83B7A960-94E2-D94D-BEFD-7499F2A05A02}"/>
+              </a:ext>
+            </a:extLst>
+          </p:cNvPr>
+          <p:cNvSpPr>
+            <a:spLocks noGrp="1"/>
+          </p:cNvSpPr>
+          <p:nvPr>
+            <p:ph type="title"/>
+          </p:nvPr>
+        </p:nvSpPr>
+        <p:spPr>
+          <a:xfrm>
+            <a:off x="838200" y="171162"/>
+            <a:ext cx="2840182" cy="2371148"/>
+          </a:xfrm>
+        </p:spPr>
+        <p:txBody>
+          <a:bodyPr vert="horz" lIns="91440" tIns="45720" rIns="91440" bIns="45720" rtlCol="0" anchor="ctr">
+            <a:normAutofit/>
+          </a:bodyPr>
+          <a:lstStyle/>
+          <a:p>
+            <a:r>
+              <a:rPr lang="en-US" sz="3200" kern="1200">
+                <a:solidFill>
+                  <a:srgbClr val="FFFFFF"/>
+                </a:solidFill>
+                <a:latin typeface="+mj-lt"/>
+                <a:ea typeface="+mj-ea"/>
+                <a:cs typeface="+mj-cs"/>
+              </a:rPr>
+              <a:t>BMI by region</a:t>
+            </a:r>
+          </a:p>
+        </p:txBody>
+      </p:sp>
+      <p:pic>
+        <p:nvPicPr>
+          <p:cNvPr id="5" name="Content Placeholder 4" descr="Chart, box and whisker chart&#10;&#10;Description automatically generated">
+            <a:extLst>
+              <a:ext uri="{FF2B5EF4-FFF2-40B4-BE49-F238E27FC236}">
+                <a16:creationId xmlns:a16="http://schemas.microsoft.com/office/drawing/2014/main" id="{495E5AAC-6AC1-5D43-B511-1D0EA165645D}"/>
+              </a:ext>
+            </a:extLst>
+          </p:cNvPr>
+          <p:cNvPicPr>
+            <a:picLocks noGrp="1" noChangeAspect="1"/>
+          </p:cNvPicPr>
+          <p:nvPr>
+            <p:ph idx="1"/>
+          </p:nvPr>
+        </p:nvPicPr>
+        <p:blipFill>
+          <a:blip r:embed="rId3"/>
+          <a:stretch>
+            <a:fillRect/>
+          </a:stretch>
+        </p:blipFill>
+        <p:spPr>
+          <a:xfrm>
+            <a:off x="4227442" y="452589"/>
+            <a:ext cx="7126357" cy="6109975"/>
+          </a:xfrm>
+          <a:prstGeom prst="rect">
+            <a:avLst/>
+          </a:prstGeom>
+        </p:spPr>
+      </p:pic>
+    </p:spTree>
+    <p:extLst>
+      <p:ext uri="{BB962C8B-B14F-4D97-AF65-F5344CB8AC3E}">
+        <p14:creationId xmlns:p14="http://schemas.microsoft.com/office/powerpoint/2010/main" val="925095417"/>
+      </p:ext>
+    </p:extLst>
+  </p:cSld>
+  <p:clrMapOvr>
+    <a:masterClrMapping/>
+  </p:clrMapOvr>
+</p:sld>
+</file>
+
+<file path=ppt/slides/slide15.xml><?xml version="1.0" encoding="utf-8"?>
+<p:sld xmlns:a="http://schemas.openxmlformats.org/drawingml/2006/main" xmlns:r="http://schemas.openxmlformats.org/officeDocument/2006/relationships" xmlns:p="http://schemas.openxmlformats.org/presentationml/2006/main">
+  <p:cSld>
+    <p:bg>
+      <p:bgPr>
+        <a:solidFill>
+          <a:schemeClr val="bg1"/>
+        </a:solidFill>
+        <a:effectLst/>
+      </p:bgPr>
+    </p:bg>
+    <p:spTree>
+      <p:nvGrpSpPr>
+        <p:cNvPr id="1" name=""/>
+        <p:cNvGrpSpPr/>
+        <p:nvPr/>
+      </p:nvGrpSpPr>
+      <p:grpSpPr>
+        <a:xfrm>
+          <a:off x="0" y="0"/>
+          <a:ext cx="0" cy="0"/>
+          <a:chOff x="0" y="0"/>
+          <a:chExt cx="0" cy="0"/>
+        </a:xfrm>
+      </p:grpSpPr>
+      <p:sp>
+        <p:nvSpPr>
+          <p:cNvPr id="10" name="Down Arrow 7">
+            <a:extLst>
+              <a:ext uri="{FF2B5EF4-FFF2-40B4-BE49-F238E27FC236}">
+                <a16:creationId xmlns:a16="http://schemas.microsoft.com/office/drawing/2014/main" id="{D4771268-CB57-404A-9271-370EB28F6090}"/>
+              </a:ext>
+              <a:ext uri="{C183D7F6-B498-43B3-948B-1728B52AA6E4}">
+                <adec:decorative xmlns:adec="http://schemas.microsoft.com/office/drawing/2017/decorative" val="1"/>
+              </a:ext>
+            </a:extLst>
+          </p:cNvPr>
+          <p:cNvSpPr>
+            <a:spLocks noGrp="1" noRot="1" noChangeAspect="1" noMove="1" noResize="1" noEditPoints="1" noAdjustHandles="1" noChangeArrowheads="1" noChangeShapeType="1" noTextEdit="1"/>
+          </p:cNvSpPr>
+          <p:nvPr>
+            <p:extLst>
+              <p:ext uri="{386F3935-93C4-4BCD-93E2-E3B085C9AB24}">
+                <p16:designElem xmlns:p16="http://schemas.microsoft.com/office/powerpoint/2015/main" val="1"/>
+              </p:ext>
+            </p:extLst>
+          </p:nvPr>
+        </p:nvSpPr>
+        <p:spPr>
+          <a:xfrm rot="16200000">
+            <a:off x="800100" y="1491343"/>
+            <a:ext cx="3333749" cy="3499103"/>
+          </a:xfrm>
+          <a:prstGeom prst="downArrow">
+            <a:avLst>
+              <a:gd name="adj1" fmla="val 100000"/>
+              <a:gd name="adj2" fmla="val 15788"/>
+            </a:avLst>
+          </a:prstGeom>
+          <a:solidFill>
+            <a:srgbClr val="404040"/>
+          </a:solidFill>
+          <a:ln w="53975">
+            <a:noFill/>
+          </a:ln>
+        </p:spPr>
+        <p:style>
+          <a:lnRef idx="2">
+            <a:schemeClr val="accent1">
+              <a:shade val="50000"/>
+            </a:schemeClr>
+          </a:lnRef>
+          <a:fillRef idx="1">
+            <a:schemeClr val="accent1"/>
+          </a:fillRef>
+          <a:effectRef idx="0">
+            <a:schemeClr val="accent1"/>
+          </a:effectRef>
+          <a:fontRef idx="minor">
+            <a:schemeClr val="lt1"/>
+          </a:fontRef>
+        </p:style>
+        <p:txBody>
+          <a:bodyPr rtlCol="0" anchor="ctr"/>
+          <a:lstStyle/>
+          <a:p>
+            <a:pPr algn="ctr"/>
+            <a:endParaRPr lang="en-US"/>
+          </a:p>
+        </p:txBody>
+      </p:sp>
+      <p:sp>
+        <p:nvSpPr>
+          <p:cNvPr id="2" name="Title 1">
+            <a:extLst>
+              <a:ext uri="{FF2B5EF4-FFF2-40B4-BE49-F238E27FC236}">
+                <a16:creationId xmlns:a16="http://schemas.microsoft.com/office/drawing/2014/main" id="{3710A875-78AE-3343-A0FE-C109AE9A9DE2}"/>
+              </a:ext>
+            </a:extLst>
+          </p:cNvPr>
+          <p:cNvSpPr>
+            <a:spLocks noGrp="1"/>
+          </p:cNvSpPr>
+          <p:nvPr>
+            <p:ph type="title"/>
+          </p:nvPr>
+        </p:nvSpPr>
+        <p:spPr>
+          <a:xfrm>
+            <a:off x="1028700" y="1967266"/>
+            <a:ext cx="2628900" cy="2547257"/>
+          </a:xfrm>
+          <a:noFill/>
+        </p:spPr>
+        <p:txBody>
+          <a:bodyPr vert="horz" lIns="91440" tIns="45720" rIns="91440" bIns="45720" rtlCol="0" anchor="ctr">
+            <a:normAutofit/>
+          </a:bodyPr>
+          <a:lstStyle/>
+          <a:p>
+            <a:pPr algn="ctr"/>
+            <a:r>
+              <a:rPr lang="en-US" sz="3300" kern="1200" dirty="0">
+                <a:solidFill>
+                  <a:srgbClr val="FFFFFF"/>
+                </a:solidFill>
+                <a:latin typeface="+mj-lt"/>
+                <a:ea typeface="+mj-ea"/>
+                <a:cs typeface="+mj-cs"/>
+              </a:rPr>
+              <a:t>Does having kids effect the medical bill?</a:t>
+            </a:r>
+          </a:p>
+        </p:txBody>
+      </p:sp>
+      <p:pic>
+        <p:nvPicPr>
+          <p:cNvPr id="5" name="Content Placeholder 4" descr="Chart, box and whisker chart&#10;&#10;Description automatically generated">
+            <a:extLst>
+              <a:ext uri="{FF2B5EF4-FFF2-40B4-BE49-F238E27FC236}">
+                <a16:creationId xmlns:a16="http://schemas.microsoft.com/office/drawing/2014/main" id="{0C1428CF-AD50-2C40-B107-9D44E151C5EB}"/>
+              </a:ext>
+            </a:extLst>
+          </p:cNvPr>
+          <p:cNvPicPr>
+            <a:picLocks noGrp="1" noChangeAspect="1"/>
+          </p:cNvPicPr>
+          <p:nvPr>
+            <p:ph idx="1"/>
+          </p:nvPr>
+        </p:nvPicPr>
+        <p:blipFill>
+          <a:blip r:embed="rId3"/>
+          <a:stretch>
+            <a:fillRect/>
+          </a:stretch>
+        </p:blipFill>
+        <p:spPr>
+          <a:xfrm>
+            <a:off x="4818970" y="643466"/>
+            <a:ext cx="6697392" cy="5568739"/>
+          </a:xfrm>
+          <a:prstGeom prst="rect">
+            <a:avLst/>
+          </a:prstGeom>
+        </p:spPr>
+      </p:pic>
+    </p:spTree>
+    <p:extLst>
+      <p:ext uri="{BB962C8B-B14F-4D97-AF65-F5344CB8AC3E}">
+        <p14:creationId xmlns:p14="http://schemas.microsoft.com/office/powerpoint/2010/main" val="438159043"/>
+      </p:ext>
+    </p:extLst>
+  </p:cSld>
+  <p:clrMapOvr>
+    <a:masterClrMapping/>
+  </p:clrMapOvr>
+</p:sld>
+</file>
+
+<file path=ppt/slides/slide16.xml><?xml version="1.0" encoding="utf-8"?>
+<p:sld xmlns:a="http://schemas.openxmlformats.org/drawingml/2006/main" xmlns:r="http://schemas.openxmlformats.org/officeDocument/2006/relationships" xmlns:p="http://schemas.openxmlformats.org/presentationml/2006/main">
+  <p:cSld>
+    <p:bg>
+      <p:bgPr>
+        <a:solidFill>
+          <a:schemeClr val="bg1"/>
+        </a:solidFill>
+        <a:effectLst/>
+      </p:bgPr>
+    </p:bg>
+    <p:spTree>
+      <p:nvGrpSpPr>
+        <p:cNvPr id="1" name=""/>
+        <p:cNvGrpSpPr/>
+        <p:nvPr/>
+      </p:nvGrpSpPr>
+      <p:grpSpPr>
+        <a:xfrm>
+          <a:off x="0" y="0"/>
+          <a:ext cx="0" cy="0"/>
+          <a:chOff x="0" y="0"/>
+          <a:chExt cx="0" cy="0"/>
+        </a:xfrm>
+      </p:grpSpPr>
+      <p:sp>
+        <p:nvSpPr>
+          <p:cNvPr id="10" name="Down Arrow 7">
+            <a:extLst>
+              <a:ext uri="{FF2B5EF4-FFF2-40B4-BE49-F238E27FC236}">
+                <a16:creationId xmlns:a16="http://schemas.microsoft.com/office/drawing/2014/main" id="{D4771268-CB57-404A-9271-370EB28F6090}"/>
+              </a:ext>
+              <a:ext uri="{C183D7F6-B498-43B3-948B-1728B52AA6E4}">
+                <adec:decorative xmlns:adec="http://schemas.microsoft.com/office/drawing/2017/decorative" val="1"/>
+              </a:ext>
+            </a:extLst>
+          </p:cNvPr>
+          <p:cNvSpPr>
+            <a:spLocks noGrp="1" noRot="1" noChangeAspect="1" noMove="1" noResize="1" noEditPoints="1" noAdjustHandles="1" noChangeArrowheads="1" noChangeShapeType="1" noTextEdit="1"/>
+          </p:cNvSpPr>
+          <p:nvPr>
+            <p:extLst>
+              <p:ext uri="{386F3935-93C4-4BCD-93E2-E3B085C9AB24}">
+                <p16:designElem xmlns:p16="http://schemas.microsoft.com/office/powerpoint/2015/main" val="1"/>
+              </p:ext>
+            </p:extLst>
+          </p:nvPr>
+        </p:nvSpPr>
+        <p:spPr>
+          <a:xfrm rot="16200000">
+            <a:off x="800100" y="1491343"/>
+            <a:ext cx="3333749" cy="3499103"/>
+          </a:xfrm>
+          <a:prstGeom prst="downArrow">
+            <a:avLst>
+              <a:gd name="adj1" fmla="val 100000"/>
+              <a:gd name="adj2" fmla="val 15788"/>
+            </a:avLst>
+          </a:prstGeom>
+          <a:solidFill>
+            <a:srgbClr val="404040"/>
+          </a:solidFill>
+          <a:ln w="53975">
+            <a:noFill/>
+          </a:ln>
+        </p:spPr>
+        <p:style>
+          <a:lnRef idx="2">
+            <a:schemeClr val="accent1">
+              <a:shade val="50000"/>
+            </a:schemeClr>
+          </a:lnRef>
+          <a:fillRef idx="1">
+            <a:schemeClr val="accent1"/>
+          </a:fillRef>
+          <a:effectRef idx="0">
+            <a:schemeClr val="accent1"/>
+          </a:effectRef>
+          <a:fontRef idx="minor">
+            <a:schemeClr val="lt1"/>
+          </a:fontRef>
+        </p:style>
+        <p:txBody>
+          <a:bodyPr rtlCol="0" anchor="ctr"/>
+          <a:lstStyle/>
+          <a:p>
+            <a:pPr algn="ctr"/>
+            <a:endParaRPr lang="en-US"/>
+          </a:p>
+        </p:txBody>
+      </p:sp>
+      <p:sp>
+        <p:nvSpPr>
+          <p:cNvPr id="2" name="Title 1">
+            <a:extLst>
+              <a:ext uri="{FF2B5EF4-FFF2-40B4-BE49-F238E27FC236}">
+                <a16:creationId xmlns:a16="http://schemas.microsoft.com/office/drawing/2014/main" id="{7632CF4A-C7B8-F642-8F55-6BFA23B08308}"/>
+              </a:ext>
+            </a:extLst>
+          </p:cNvPr>
+          <p:cNvSpPr>
+            <a:spLocks noGrp="1"/>
+          </p:cNvSpPr>
+          <p:nvPr>
+            <p:ph type="title"/>
+          </p:nvPr>
+        </p:nvSpPr>
+        <p:spPr>
+          <a:xfrm>
+            <a:off x="1028700" y="1967266"/>
+            <a:ext cx="2628900" cy="2547257"/>
+          </a:xfrm>
+          <a:noFill/>
+        </p:spPr>
+        <p:txBody>
+          <a:bodyPr vert="horz" lIns="91440" tIns="45720" rIns="91440" bIns="45720" rtlCol="0" anchor="ctr">
+            <a:normAutofit/>
+          </a:bodyPr>
+          <a:lstStyle/>
+          <a:p>
+            <a:pPr algn="ctr"/>
+            <a:r>
+              <a:rPr lang="en-US" sz="3600" kern="1200" dirty="0">
+                <a:solidFill>
+                  <a:srgbClr val="FFFFFF"/>
+                </a:solidFill>
+                <a:latin typeface="+mj-lt"/>
+                <a:ea typeface="+mj-ea"/>
+                <a:cs typeface="+mj-cs"/>
+              </a:rPr>
+              <a:t>How many children do the patients have</a:t>
+            </a:r>
+          </a:p>
+        </p:txBody>
+      </p:sp>
+      <p:pic>
+        <p:nvPicPr>
+          <p:cNvPr id="5" name="Content Placeholder 4" descr="Chart, bar chart&#10;&#10;Description automatically generated">
+            <a:extLst>
+              <a:ext uri="{FF2B5EF4-FFF2-40B4-BE49-F238E27FC236}">
+                <a16:creationId xmlns:a16="http://schemas.microsoft.com/office/drawing/2014/main" id="{E53C1254-1C7E-6241-8233-7451E61D9E7C}"/>
+              </a:ext>
+            </a:extLst>
+          </p:cNvPr>
+          <p:cNvPicPr>
+            <a:picLocks noGrp="1" noChangeAspect="1"/>
+          </p:cNvPicPr>
+          <p:nvPr>
+            <p:ph idx="1"/>
+          </p:nvPr>
+        </p:nvPicPr>
+        <p:blipFill>
+          <a:blip r:embed="rId2"/>
+          <a:stretch>
+            <a:fillRect/>
+          </a:stretch>
+        </p:blipFill>
+        <p:spPr>
+          <a:xfrm>
+            <a:off x="4354093" y="689538"/>
+            <a:ext cx="7409638" cy="5056354"/>
+          </a:xfrm>
+          <a:prstGeom prst="rect">
+            <a:avLst/>
+          </a:prstGeom>
+        </p:spPr>
+      </p:pic>
+    </p:spTree>
+    <p:extLst>
+      <p:ext uri="{BB962C8B-B14F-4D97-AF65-F5344CB8AC3E}">
+        <p14:creationId xmlns:p14="http://schemas.microsoft.com/office/powerpoint/2010/main" val="282961509"/>
+      </p:ext>
+    </p:extLst>
+  </p:cSld>
+  <p:clrMapOvr>
+    <a:masterClrMapping/>
+  </p:clrMapOvr>
+</p:sld>
+</file>
+
+<file path=ppt/slides/slide17.xml><?xml version="1.0" encoding="utf-8"?>
+<p:sld xmlns:a="http://schemas.openxmlformats.org/drawingml/2006/main" xmlns:r="http://schemas.openxmlformats.org/officeDocument/2006/relationships" xmlns:p="http://schemas.openxmlformats.org/presentationml/2006/main">
+  <p:cSld>
+    <p:bg>
+      <p:bgPr>
+        <a:solidFill>
+          <a:schemeClr val="bg1"/>
+        </a:solidFill>
+        <a:effectLst/>
+      </p:bgPr>
+    </p:bg>
+    <p:spTree>
+      <p:nvGrpSpPr>
+        <p:cNvPr id="1" name=""/>
+        <p:cNvGrpSpPr/>
+        <p:nvPr/>
+      </p:nvGrpSpPr>
+      <p:grpSpPr>
+        <a:xfrm>
+          <a:off x="0" y="0"/>
+          <a:ext cx="0" cy="0"/>
+          <a:chOff x="0" y="0"/>
+          <a:chExt cx="0" cy="0"/>
+        </a:xfrm>
+      </p:grpSpPr>
+      <p:sp>
+        <p:nvSpPr>
+          <p:cNvPr id="12" name="Down Arrow 7">
+            <a:extLst>
+              <a:ext uri="{FF2B5EF4-FFF2-40B4-BE49-F238E27FC236}">
+                <a16:creationId xmlns:a16="http://schemas.microsoft.com/office/drawing/2014/main" id="{73DE2CFE-42F2-48F0-8706-5264E012B10C}"/>
+              </a:ext>
+              <a:ext uri="{C183D7F6-B498-43B3-948B-1728B52AA6E4}">
+                <adec:decorative xmlns:adec="http://schemas.microsoft.com/office/drawing/2017/decorative" val="1"/>
+              </a:ext>
+            </a:extLst>
+          </p:cNvPr>
+          <p:cNvSpPr>
+            <a:spLocks noGrp="1" noRot="1" noChangeAspect="1" noMove="1" noResize="1" noEditPoints="1" noAdjustHandles="1" noChangeArrowheads="1" noChangeShapeType="1" noTextEdit="1"/>
+          </p:cNvSpPr>
+          <p:nvPr>
+            <p:extLst>
+              <p:ext uri="{386F3935-93C4-4BCD-93E2-E3B085C9AB24}">
+                <p16:designElem xmlns:p16="http://schemas.microsoft.com/office/powerpoint/2015/main" val="1"/>
+              </p:ext>
+            </p:extLst>
+          </p:nvPr>
+        </p:nvSpPr>
+        <p:spPr>
+          <a:xfrm rot="16200000">
+            <a:off x="1288521" y="381403"/>
+            <a:ext cx="2200313" cy="3342508"/>
+          </a:xfrm>
+          <a:prstGeom prst="downArrow">
+            <a:avLst>
+              <a:gd name="adj1" fmla="val 100000"/>
+              <a:gd name="adj2" fmla="val 15788"/>
+            </a:avLst>
+          </a:prstGeom>
+          <a:solidFill>
+            <a:srgbClr val="404040"/>
+          </a:solidFill>
+          <a:ln w="53975">
+            <a:noFill/>
+          </a:ln>
+        </p:spPr>
+        <p:style>
+          <a:lnRef idx="2">
+            <a:schemeClr val="accent1">
+              <a:shade val="50000"/>
+            </a:schemeClr>
+          </a:lnRef>
+          <a:fillRef idx="1">
+            <a:schemeClr val="accent1"/>
+          </a:fillRef>
+          <a:effectRef idx="0">
+            <a:schemeClr val="accent1"/>
+          </a:effectRef>
+          <a:fontRef idx="minor">
+            <a:schemeClr val="lt1"/>
+          </a:fontRef>
+        </p:style>
+        <p:txBody>
+          <a:bodyPr rtlCol="0" anchor="ctr"/>
+          <a:lstStyle/>
+          <a:p>
+            <a:pPr marL="0" marR="0" lvl="0" indent="0" algn="ctr" defTabSz="914400" rtl="0" eaLnBrk="1" fontAlgn="auto" latinLnBrk="0" hangingPunct="1">
+              <a:lnSpc>
+                <a:spcPct val="100000"/>
+              </a:lnSpc>
+              <a:spcBef>
+                <a:spcPts val="0"/>
+              </a:spcBef>
+              <a:spcAft>
+                <a:spcPts val="0"/>
+              </a:spcAft>
+              <a:buClrTx/>
+              <a:buSzTx/>
+              <a:buFontTx/>
+              <a:buNone/>
+              <a:tabLst/>
+              <a:defRPr/>
+            </a:pPr>
+            <a:endParaRPr kumimoji="0" lang="en-US" sz="1800" b="0" i="0" u="none" strike="noStrike" kern="1200" cap="none" spc="0" normalizeH="0" baseline="0" noProof="0">
+              <a:ln>
+                <a:noFill/>
+              </a:ln>
+              <a:solidFill>
+                <a:prstClr val="white"/>
+              </a:solidFill>
+              <a:effectLst/>
+              <a:uLnTx/>
+              <a:uFillTx/>
+              <a:latin typeface="Calibri" panose="020F0502020204030204"/>
+              <a:ea typeface="+mn-ea"/>
+              <a:cs typeface="+mn-cs"/>
+            </a:endParaRPr>
+          </a:p>
+        </p:txBody>
+      </p:sp>
+      <p:sp>
+        <p:nvSpPr>
+          <p:cNvPr id="2" name="Title 1">
+            <a:extLst>
+              <a:ext uri="{FF2B5EF4-FFF2-40B4-BE49-F238E27FC236}">
+                <a16:creationId xmlns:a16="http://schemas.microsoft.com/office/drawing/2014/main" id="{DCEB3B55-0415-C94E-AD75-CC4AD41EC167}"/>
+              </a:ext>
+            </a:extLst>
+          </p:cNvPr>
+          <p:cNvSpPr>
+            <a:spLocks noGrp="1"/>
+          </p:cNvSpPr>
+          <p:nvPr>
+            <p:ph type="title"/>
+          </p:nvPr>
+        </p:nvSpPr>
+        <p:spPr>
+          <a:xfrm>
+            <a:off x="966952" y="1204108"/>
+            <a:ext cx="2669406" cy="1781175"/>
+          </a:xfrm>
+        </p:spPr>
+        <p:txBody>
+          <a:bodyPr>
+            <a:normAutofit fontScale="90000"/>
+          </a:bodyPr>
+          <a:lstStyle/>
+          <a:p>
+            <a:r>
+              <a:rPr lang="en-US" sz="3200" dirty="0">
+                <a:solidFill>
+                  <a:srgbClr val="FFFFFF"/>
+                </a:solidFill>
+              </a:rPr>
+              <a:t>Patients’ BMI vs how many children they have</a:t>
+            </a:r>
+          </a:p>
+        </p:txBody>
+      </p:sp>
+      <p:pic>
+        <p:nvPicPr>
+          <p:cNvPr id="5" name="Content Placeholder 4" descr="Chart, box and whisker chart&#10;&#10;Description automatically generated">
+            <a:extLst>
+              <a:ext uri="{FF2B5EF4-FFF2-40B4-BE49-F238E27FC236}">
+                <a16:creationId xmlns:a16="http://schemas.microsoft.com/office/drawing/2014/main" id="{ED03FB7C-66F1-A74D-8D93-87A44818D0C0}"/>
+              </a:ext>
+            </a:extLst>
+          </p:cNvPr>
+          <p:cNvPicPr>
+            <a:picLocks noChangeAspect="1"/>
+          </p:cNvPicPr>
+          <p:nvPr/>
+        </p:nvPicPr>
+        <p:blipFill>
+          <a:blip r:embed="rId3"/>
+          <a:stretch>
+            <a:fillRect/>
+          </a:stretch>
+        </p:blipFill>
+        <p:spPr>
+          <a:xfrm>
+            <a:off x="5297255" y="952500"/>
+            <a:ext cx="5633416" cy="4829963"/>
+          </a:xfrm>
+          <a:prstGeom prst="rect">
+            <a:avLst/>
+          </a:prstGeom>
+        </p:spPr>
+      </p:pic>
+    </p:spTree>
+    <p:extLst>
+      <p:ext uri="{BB962C8B-B14F-4D97-AF65-F5344CB8AC3E}">
+        <p14:creationId xmlns:p14="http://schemas.microsoft.com/office/powerpoint/2010/main" val="891636556"/>
+      </p:ext>
+    </p:extLst>
+  </p:cSld>
+  <p:clrMapOvr>
+    <a:masterClrMapping/>
+  </p:clrMapOvr>
+</p:sld>
+</file>
+
+<file path=ppt/slides/slide18.xml><?xml version="1.0" encoding="utf-8"?>
+<p:sld xmlns:a="http://schemas.openxmlformats.org/drawingml/2006/main" xmlns:r="http://schemas.openxmlformats.org/officeDocument/2006/relationships" xmlns:p="http://schemas.openxmlformats.org/presentationml/2006/main">
+  <p:cSld>
+    <p:bg>
+      <p:bgPr>
+        <a:solidFill>
+          <a:schemeClr val="bg1"/>
+        </a:solidFill>
+        <a:effectLst/>
+      </p:bgPr>
+    </p:bg>
+    <p:spTree>
+      <p:nvGrpSpPr>
+        <p:cNvPr id="1" name=""/>
+        <p:cNvGrpSpPr/>
+        <p:nvPr/>
+      </p:nvGrpSpPr>
+      <p:grpSpPr>
+        <a:xfrm>
+          <a:off x="0" y="0"/>
+          <a:ext cx="0" cy="0"/>
+          <a:chOff x="0" y="0"/>
+          <a:chExt cx="0" cy="0"/>
+        </a:xfrm>
+      </p:grpSpPr>
+      <p:sp useBgFill="1">
+        <p:nvSpPr>
+          <p:cNvPr id="14" name="Rectangle 13">
+            <a:extLst>
+              <a:ext uri="{FF2B5EF4-FFF2-40B4-BE49-F238E27FC236}">
+                <a16:creationId xmlns:a16="http://schemas.microsoft.com/office/drawing/2014/main" id="{8761DDFE-071F-4200-B0AA-394476C2D2D6}"/>
+              </a:ext>
+              <a:ext uri="{C183D7F6-B498-43B3-948B-1728B52AA6E4}">
+                <adec:decorative xmlns:adec="http://schemas.microsoft.com/office/drawing/2017/decorative" val="1"/>
+              </a:ext>
+            </a:extLst>
+          </p:cNvPr>
+          <p:cNvSpPr>
+            <a:spLocks noGrp="1" noRot="1" noChangeAspect="1" noMove="1" noResize="1" noEditPoints="1" noAdjustHandles="1" noChangeArrowheads="1" noChangeShapeType="1" noTextEdit="1"/>
+          </p:cNvSpPr>
+          <p:nvPr>
+            <p:extLst>
+              <p:ext uri="{386F3935-93C4-4BCD-93E2-E3B085C9AB24}">
+                <p16:designElem xmlns:p16="http://schemas.microsoft.com/office/powerpoint/2015/main" val="1"/>
+              </p:ext>
+            </p:extLst>
+          </p:nvPr>
+        </p:nvSpPr>
+        <p:spPr>
+          <a:xfrm>
+            <a:off x="-1" y="0"/>
             <a:ext cx="12188952" cy="6858000"/>
           </a:xfrm>
           <a:prstGeom prst="rect">
@@ -4699,7 +6153,201 @@
       </p:sp>
       <p:sp>
         <p:nvSpPr>
-          <p:cNvPr id="14" name="Freeform 6">
+          <p:cNvPr id="2" name="Title 1">
+            <a:extLst>
+              <a:ext uri="{FF2B5EF4-FFF2-40B4-BE49-F238E27FC236}">
+                <a16:creationId xmlns:a16="http://schemas.microsoft.com/office/drawing/2014/main" id="{0BE3F101-9706-6E48-A183-B77E42F8D07E}"/>
+              </a:ext>
+            </a:extLst>
+          </p:cNvPr>
+          <p:cNvSpPr>
+            <a:spLocks noGrp="1"/>
+          </p:cNvSpPr>
+          <p:nvPr>
+            <p:ph type="title"/>
+          </p:nvPr>
+        </p:nvSpPr>
+        <p:spPr>
+          <a:xfrm>
+            <a:off x="838198" y="547815"/>
+            <a:ext cx="10474236" cy="941351"/>
+          </a:xfrm>
+        </p:spPr>
+        <p:txBody>
+          <a:bodyPr>
+            <a:normAutofit/>
+          </a:bodyPr>
+          <a:lstStyle/>
+          <a:p>
+            <a:pPr algn="ctr"/>
+            <a:r>
+              <a:rPr lang="en-US" sz="4000" dirty="0"/>
+              <a:t>Gender vs BMI and the medical bill</a:t>
+            </a:r>
+          </a:p>
+        </p:txBody>
+      </p:sp>
+      <p:pic>
+        <p:nvPicPr>
+          <p:cNvPr id="5" name="Content Placeholder 4" descr="Chart, box and whisker chart&#10;&#10;Description automatically generated">
+            <a:extLst>
+              <a:ext uri="{FF2B5EF4-FFF2-40B4-BE49-F238E27FC236}">
+                <a16:creationId xmlns:a16="http://schemas.microsoft.com/office/drawing/2014/main" id="{5E073548-2427-FD4C-AB67-8F6F7396CB10}"/>
+              </a:ext>
+            </a:extLst>
+          </p:cNvPr>
+          <p:cNvPicPr>
+            <a:picLocks noChangeAspect="1"/>
+          </p:cNvPicPr>
+          <p:nvPr/>
+        </p:nvPicPr>
+        <p:blipFill>
+          <a:blip r:embed="rId3"/>
+          <a:stretch>
+            <a:fillRect/>
+          </a:stretch>
+        </p:blipFill>
+        <p:spPr>
+          <a:xfrm>
+            <a:off x="6553070" y="1757657"/>
+            <a:ext cx="5255753" cy="4375414"/>
+          </a:xfrm>
+          <a:prstGeom prst="rect">
+            <a:avLst/>
+          </a:prstGeom>
+        </p:spPr>
+      </p:pic>
+      <p:pic>
+        <p:nvPicPr>
+          <p:cNvPr id="12" name="Picture 11" descr="Chart, box and whisker chart&#10;&#10;Description automatically generated">
+            <a:extLst>
+              <a:ext uri="{FF2B5EF4-FFF2-40B4-BE49-F238E27FC236}">
+                <a16:creationId xmlns:a16="http://schemas.microsoft.com/office/drawing/2014/main" id="{4FB8F116-1C73-3144-AD1A-3224FD38D518}"/>
+              </a:ext>
+            </a:extLst>
+          </p:cNvPr>
+          <p:cNvPicPr>
+            <a:picLocks noChangeAspect="1"/>
+          </p:cNvPicPr>
+          <p:nvPr/>
+        </p:nvPicPr>
+        <p:blipFill>
+          <a:blip r:embed="rId4"/>
+          <a:stretch>
+            <a:fillRect/>
+          </a:stretch>
+        </p:blipFill>
+        <p:spPr>
+          <a:xfrm>
+            <a:off x="418143" y="1807520"/>
+            <a:ext cx="5255753" cy="4207903"/>
+          </a:xfrm>
+          <a:prstGeom prst="rect">
+            <a:avLst/>
+          </a:prstGeom>
+        </p:spPr>
+      </p:pic>
+    </p:spTree>
+    <p:extLst>
+      <p:ext uri="{BB962C8B-B14F-4D97-AF65-F5344CB8AC3E}">
+        <p14:creationId xmlns:p14="http://schemas.microsoft.com/office/powerpoint/2010/main" val="2183249124"/>
+      </p:ext>
+    </p:extLst>
+  </p:cSld>
+  <p:clrMapOvr>
+    <a:masterClrMapping/>
+  </p:clrMapOvr>
+</p:sld>
+</file>
+
+<file path=ppt/slides/slide19.xml><?xml version="1.0" encoding="utf-8"?>
+<p:sld xmlns:a="http://schemas.openxmlformats.org/drawingml/2006/main" xmlns:r="http://schemas.openxmlformats.org/officeDocument/2006/relationships" xmlns:p="http://schemas.openxmlformats.org/presentationml/2006/main">
+  <p:cSld>
+    <p:bg>
+      <p:bgPr>
+        <a:solidFill>
+          <a:schemeClr val="bg1"/>
+        </a:solidFill>
+        <a:effectLst/>
+      </p:bgPr>
+    </p:bg>
+    <p:spTree>
+      <p:nvGrpSpPr>
+        <p:cNvPr id="1" name=""/>
+        <p:cNvGrpSpPr/>
+        <p:nvPr/>
+      </p:nvGrpSpPr>
+      <p:grpSpPr>
+        <a:xfrm>
+          <a:off x="0" y="0"/>
+          <a:ext cx="0" cy="0"/>
+          <a:chOff x="0" y="0"/>
+          <a:chExt cx="0" cy="0"/>
+        </a:xfrm>
+      </p:grpSpPr>
+      <p:sp useBgFill="1">
+        <p:nvSpPr>
+          <p:cNvPr id="10" name="Rectangle 9">
+            <a:extLst>
+              <a:ext uri="{FF2B5EF4-FFF2-40B4-BE49-F238E27FC236}">
+                <a16:creationId xmlns:a16="http://schemas.microsoft.com/office/drawing/2014/main" id="{B5FA7C47-B7C1-4D2E-AB49-ED23BA34BA83}"/>
+              </a:ext>
+              <a:ext uri="{C183D7F6-B498-43B3-948B-1728B52AA6E4}">
+                <adec:decorative xmlns:adec="http://schemas.microsoft.com/office/drawing/2017/decorative" val="1"/>
+              </a:ext>
+            </a:extLst>
+          </p:cNvPr>
+          <p:cNvSpPr>
+            <a:spLocks noGrp="1" noRot="1" noChangeAspect="1" noMove="1" noResize="1" noEditPoints="1" noAdjustHandles="1" noChangeArrowheads="1" noChangeShapeType="1" noTextEdit="1"/>
+          </p:cNvSpPr>
+          <p:nvPr>
+            <p:extLst>
+              <p:ext uri="{386F3935-93C4-4BCD-93E2-E3B085C9AB24}">
+                <p16:designElem xmlns:p16="http://schemas.microsoft.com/office/powerpoint/2015/main" val="1"/>
+              </p:ext>
+            </p:extLst>
+          </p:nvPr>
+        </p:nvSpPr>
+        <p:spPr>
+          <a:xfrm>
+            <a:off x="0" y="0"/>
+            <a:ext cx="12188952" cy="6858000"/>
+          </a:xfrm>
+          <a:prstGeom prst="rect">
+            <a:avLst/>
+          </a:prstGeom>
+          <a:ln>
+            <a:noFill/>
+          </a:ln>
+        </p:spPr>
+        <p:style>
+          <a:lnRef idx="2">
+            <a:schemeClr val="accent1">
+              <a:shade val="50000"/>
+            </a:schemeClr>
+          </a:lnRef>
+          <a:fillRef idx="1">
+            <a:schemeClr val="accent1"/>
+          </a:fillRef>
+          <a:effectRef idx="0">
+            <a:schemeClr val="accent1"/>
+          </a:effectRef>
+          <a:fontRef idx="minor">
+            <a:schemeClr val="lt1"/>
+          </a:fontRef>
+        </p:style>
+        <p:txBody>
+          <a:bodyPr rtlCol="0" anchor="ctr"/>
+          <a:lstStyle/>
+          <a:p>
+            <a:pPr algn="ctr"/>
+            <a:endParaRPr lang="en-US"/>
+          </a:p>
+        </p:txBody>
+      </p:sp>
+      <p:sp>
+        <p:nvSpPr>
+          <p:cNvPr id="12" name="Freeform 6">
             <a:extLst>
               <a:ext uri="{FF2B5EF4-FFF2-40B4-BE49-F238E27FC236}">
                 <a16:creationId xmlns:a16="http://schemas.microsoft.com/office/drawing/2014/main" id="{596EE156-ABF1-4329-A6BA-03B4254E0877}"/>
@@ -4802,7 +6450,7 @@
       </p:sp>
       <p:sp>
         <p:nvSpPr>
-          <p:cNvPr id="16" name="Rectangle 8">
+          <p:cNvPr id="14" name="Rectangle 8">
             <a:extLst>
               <a:ext uri="{FF2B5EF4-FFF2-40B4-BE49-F238E27FC236}">
                 <a16:creationId xmlns:a16="http://schemas.microsoft.com/office/drawing/2014/main" id="{19B9933F-AAB3-444A-8BB5-9CA194A8BC63}"/>
@@ -4852,7 +6500,7 @@
       </p:sp>
       <p:sp>
         <p:nvSpPr>
-          <p:cNvPr id="18" name="Freeform 7">
+          <p:cNvPr id="16" name="Freeform 7">
             <a:extLst>
               <a:ext uri="{FF2B5EF4-FFF2-40B4-BE49-F238E27FC236}">
                 <a16:creationId xmlns:a16="http://schemas.microsoft.com/office/drawing/2014/main" id="{7D20183A-0B1D-4A1F-89B1-ADBEDBC6E54E}"/>
@@ -4955,2001 +6603,6 @@
       </p:sp>
       <p:sp>
         <p:nvSpPr>
-          <p:cNvPr id="20" name="Rectangle 8">
-            <a:extLst>
-              <a:ext uri="{FF2B5EF4-FFF2-40B4-BE49-F238E27FC236}">
-                <a16:creationId xmlns:a16="http://schemas.microsoft.com/office/drawing/2014/main" id="{131031D3-26CD-4214-A9A4-5857EFA15A0C}"/>
-              </a:ext>
-              <a:ext uri="{C183D7F6-B498-43B3-948B-1728B52AA6E4}">
-                <adec:decorative xmlns:adec="http://schemas.microsoft.com/office/drawing/2017/decorative" val="1"/>
-              </a:ext>
-            </a:extLst>
-          </p:cNvPr>
-          <p:cNvSpPr>
-            <a:spLocks noGrp="1" noRot="1" noChangeAspect="1" noMove="1" noResize="1" noEditPoints="1" noAdjustHandles="1" noChangeArrowheads="1" noChangeShapeType="1" noTextEdit="1"/>
-          </p:cNvSpPr>
-          <p:nvPr>
-            <p:extLst>
-              <p:ext uri="{386F3935-93C4-4BCD-93E2-E3B085C9AB24}">
-                <p16:designElem xmlns:p16="http://schemas.microsoft.com/office/powerpoint/2015/main" val="1"/>
-              </p:ext>
-            </p:extLst>
-          </p:nvPr>
-        </p:nvSpPr>
-        <p:spPr bwMode="auto">
-          <a:xfrm>
-            <a:off x="795529" y="644382"/>
-            <a:ext cx="3856024" cy="5251646"/>
-          </a:xfrm>
-          <a:prstGeom prst="rect">
-            <a:avLst/>
-          </a:prstGeom>
-          <a:solidFill>
-            <a:schemeClr val="accent1"/>
-          </a:solidFill>
-          <a:ln>
-            <a:noFill/>
-          </a:ln>
-        </p:spPr>
-        <p:txBody>
-          <a:bodyPr vert="horz" wrap="square" lIns="91440" tIns="45720" rIns="91440" bIns="45720" numCol="1" anchor="t" anchorCtr="0" compatLnSpc="1">
-            <a:prstTxWarp prst="textNoShape">
-              <a:avLst/>
-            </a:prstTxWarp>
-          </a:bodyPr>
-          <a:lstStyle/>
-          <a:p>
-            <a:endParaRPr lang="en-US"/>
-          </a:p>
-        </p:txBody>
-      </p:sp>
-      <p:sp>
-        <p:nvSpPr>
-          <p:cNvPr id="2" name="Title 1">
-            <a:extLst>
-              <a:ext uri="{FF2B5EF4-FFF2-40B4-BE49-F238E27FC236}">
-                <a16:creationId xmlns:a16="http://schemas.microsoft.com/office/drawing/2014/main" id="{4C825FFB-0210-E148-8A57-7389A7244439}"/>
-              </a:ext>
-            </a:extLst>
-          </p:cNvPr>
-          <p:cNvSpPr>
-            <a:spLocks noGrp="1"/>
-          </p:cNvSpPr>
-          <p:nvPr>
-            <p:ph type="title"/>
-          </p:nvPr>
-        </p:nvSpPr>
-        <p:spPr>
-          <a:xfrm>
-            <a:off x="1146879" y="998002"/>
-            <a:ext cx="3182940" cy="1471959"/>
-          </a:xfrm>
-        </p:spPr>
-        <p:txBody>
-          <a:bodyPr>
-            <a:normAutofit/>
-          </a:bodyPr>
-          <a:lstStyle/>
-          <a:p>
-            <a:r>
-              <a:rPr lang="en-US" sz="3600" dirty="0">
-                <a:solidFill>
-                  <a:srgbClr val="FFFFFF"/>
-                </a:solidFill>
-              </a:rPr>
-              <a:t>Patients’ BMI classes</a:t>
-            </a:r>
-          </a:p>
-        </p:txBody>
-      </p:sp>
-      <p:sp>
-        <p:nvSpPr>
-          <p:cNvPr id="9" name="Content Placeholder 8">
-            <a:extLst>
-              <a:ext uri="{FF2B5EF4-FFF2-40B4-BE49-F238E27FC236}">
-                <a16:creationId xmlns:a16="http://schemas.microsoft.com/office/drawing/2014/main" id="{15D87725-3542-453E-B6DC-5FFDC46C23AA}"/>
-              </a:ext>
-            </a:extLst>
-          </p:cNvPr>
-          <p:cNvSpPr>
-            <a:spLocks noGrp="1"/>
-          </p:cNvSpPr>
-          <p:nvPr>
-            <p:ph idx="1"/>
-          </p:nvPr>
-        </p:nvSpPr>
-        <p:spPr>
-          <a:xfrm>
-            <a:off x="1139635" y="2546161"/>
-            <a:ext cx="3200451" cy="2985929"/>
-          </a:xfrm>
-        </p:spPr>
-        <p:txBody>
-          <a:bodyPr anchor="t">
-            <a:normAutofit/>
-          </a:bodyPr>
-          <a:lstStyle/>
-          <a:p>
-            <a:r>
-              <a:rPr lang="en-US" sz="2400" dirty="0">
-                <a:solidFill>
-                  <a:srgbClr val="FEFFFF"/>
-                </a:solidFill>
-              </a:rPr>
-              <a:t>More than half of the patients are obese</a:t>
-            </a:r>
-          </a:p>
-          <a:p>
-            <a:pPr marL="0" indent="0">
-              <a:buNone/>
-            </a:pPr>
-            <a:endParaRPr lang="en-US" sz="2400" dirty="0">
-              <a:solidFill>
-                <a:srgbClr val="FEFFFF"/>
-              </a:solidFill>
-            </a:endParaRPr>
-          </a:p>
-        </p:txBody>
-      </p:sp>
-      <p:pic>
-        <p:nvPicPr>
-          <p:cNvPr id="5" name="Content Placeholder 4" descr="Text, letter&#10;&#10;Description automatically generated">
-            <a:extLst>
-              <a:ext uri="{FF2B5EF4-FFF2-40B4-BE49-F238E27FC236}">
-                <a16:creationId xmlns:a16="http://schemas.microsoft.com/office/drawing/2014/main" id="{7B43A4F5-0C3A-7F44-BE7A-BD97E34CCE66}"/>
-              </a:ext>
-            </a:extLst>
-          </p:cNvPr>
-          <p:cNvPicPr>
-            <a:picLocks noChangeAspect="1"/>
-          </p:cNvPicPr>
-          <p:nvPr/>
-        </p:nvPicPr>
-        <p:blipFill>
-          <a:blip r:embed="rId2"/>
-          <a:stretch>
-            <a:fillRect/>
-          </a:stretch>
-        </p:blipFill>
-        <p:spPr>
-          <a:xfrm>
-            <a:off x="4745027" y="1052056"/>
-            <a:ext cx="7443925" cy="4480034"/>
-          </a:xfrm>
-          <a:prstGeom prst="rect">
-            <a:avLst/>
-          </a:prstGeom>
-        </p:spPr>
-      </p:pic>
-    </p:spTree>
-    <p:extLst>
-      <p:ext uri="{BB962C8B-B14F-4D97-AF65-F5344CB8AC3E}">
-        <p14:creationId xmlns:p14="http://schemas.microsoft.com/office/powerpoint/2010/main" val="2523004680"/>
-      </p:ext>
-    </p:extLst>
-  </p:cSld>
-  <p:clrMapOvr>
-    <a:masterClrMapping/>
-  </p:clrMapOvr>
-</p:sld>
-</file>
-
-<file path=ppt/slides/slide11.xml><?xml version="1.0" encoding="utf-8"?>
-<p:sld xmlns:a="http://schemas.openxmlformats.org/drawingml/2006/main" xmlns:r="http://schemas.openxmlformats.org/officeDocument/2006/relationships" xmlns:p="http://schemas.openxmlformats.org/presentationml/2006/main">
-  <p:cSld>
-    <p:bg>
-      <p:bgPr>
-        <a:solidFill>
-          <a:schemeClr val="bg1"/>
-        </a:solidFill>
-        <a:effectLst/>
-      </p:bgPr>
-    </p:bg>
-    <p:spTree>
-      <p:nvGrpSpPr>
-        <p:cNvPr id="1" name=""/>
-        <p:cNvGrpSpPr/>
-        <p:nvPr/>
-      </p:nvGrpSpPr>
-      <p:grpSpPr>
-        <a:xfrm>
-          <a:off x="0" y="0"/>
-          <a:ext cx="0" cy="0"/>
-          <a:chOff x="0" y="0"/>
-          <a:chExt cx="0" cy="0"/>
-        </a:xfrm>
-      </p:grpSpPr>
-      <p:sp>
-        <p:nvSpPr>
-          <p:cNvPr id="10" name="Rectangle 9">
-            <a:extLst>
-              <a:ext uri="{FF2B5EF4-FFF2-40B4-BE49-F238E27FC236}">
-                <a16:creationId xmlns:a16="http://schemas.microsoft.com/office/drawing/2014/main" id="{A4AC5506-6312-4701-8D3C-40187889A947}"/>
-              </a:ext>
-              <a:ext uri="{C183D7F6-B498-43B3-948B-1728B52AA6E4}">
-                <adec:decorative xmlns:adec="http://schemas.microsoft.com/office/drawing/2017/decorative" val="1"/>
-              </a:ext>
-            </a:extLst>
-          </p:cNvPr>
-          <p:cNvSpPr>
-            <a:spLocks noGrp="1" noRot="1" noChangeAspect="1" noMove="1" noResize="1" noEditPoints="1" noAdjustHandles="1" noChangeArrowheads="1" noChangeShapeType="1" noTextEdit="1"/>
-          </p:cNvSpPr>
-          <p:nvPr>
-            <p:extLst>
-              <p:ext uri="{386F3935-93C4-4BCD-93E2-E3B085C9AB24}">
-                <p16:designElem xmlns:p16="http://schemas.microsoft.com/office/powerpoint/2015/main" val="1"/>
-              </p:ext>
-            </p:extLst>
-          </p:nvPr>
-        </p:nvSpPr>
-        <p:spPr>
-          <a:xfrm>
-            <a:off x="0" y="651752"/>
-            <a:ext cx="12192000" cy="736551"/>
-          </a:xfrm>
-          <a:prstGeom prst="rect">
-            <a:avLst/>
-          </a:prstGeom>
-          <a:solidFill>
-            <a:schemeClr val="tx1"/>
-          </a:solidFill>
-          <a:ln>
-            <a:noFill/>
-          </a:ln>
-        </p:spPr>
-        <p:style>
-          <a:lnRef idx="2">
-            <a:schemeClr val="accent1">
-              <a:shade val="50000"/>
-            </a:schemeClr>
-          </a:lnRef>
-          <a:fillRef idx="1">
-            <a:schemeClr val="accent1"/>
-          </a:fillRef>
-          <a:effectRef idx="0">
-            <a:schemeClr val="accent1"/>
-          </a:effectRef>
-          <a:fontRef idx="minor">
-            <a:schemeClr val="lt1"/>
-          </a:fontRef>
-        </p:style>
-        <p:txBody>
-          <a:bodyPr rtlCol="0" anchor="ctr"/>
-          <a:lstStyle/>
-          <a:p>
-            <a:pPr algn="ctr"/>
-            <a:endParaRPr lang="en-US"/>
-          </a:p>
-        </p:txBody>
-      </p:sp>
-      <p:sp>
-        <p:nvSpPr>
-          <p:cNvPr id="2" name="Title 1">
-            <a:extLst>
-              <a:ext uri="{FF2B5EF4-FFF2-40B4-BE49-F238E27FC236}">
-                <a16:creationId xmlns:a16="http://schemas.microsoft.com/office/drawing/2014/main" id="{0B53735C-2D51-314F-9A78-6BEC8B5C0C74}"/>
-              </a:ext>
-            </a:extLst>
-          </p:cNvPr>
-          <p:cNvSpPr>
-            <a:spLocks noGrp="1"/>
-          </p:cNvSpPr>
-          <p:nvPr>
-            <p:ph type="title"/>
-          </p:nvPr>
-        </p:nvSpPr>
-        <p:spPr>
-          <a:xfrm>
-            <a:off x="556532" y="643467"/>
-            <a:ext cx="11210925" cy="744836"/>
-          </a:xfrm>
-        </p:spPr>
-        <p:txBody>
-          <a:bodyPr vert="horz" lIns="91440" tIns="45720" rIns="91440" bIns="45720" rtlCol="0" anchor="ctr">
-            <a:normAutofit/>
-          </a:bodyPr>
-          <a:lstStyle/>
-          <a:p>
-            <a:pPr algn="ctr"/>
-            <a:r>
-              <a:rPr lang="en-US" sz="3200" kern="1200" dirty="0">
-                <a:solidFill>
-                  <a:schemeClr val="bg1"/>
-                </a:solidFill>
-                <a:latin typeface="+mj-lt"/>
-                <a:ea typeface="+mj-ea"/>
-                <a:cs typeface="+mj-cs"/>
-              </a:rPr>
-              <a:t>Charges vs age but the color represents BMI levels</a:t>
-            </a:r>
-          </a:p>
-        </p:txBody>
-      </p:sp>
-      <p:pic>
-        <p:nvPicPr>
-          <p:cNvPr id="5" name="Content Placeholder 4" descr="Chart, scatter chart&#10;&#10;Description automatically generated">
-            <a:extLst>
-              <a:ext uri="{FF2B5EF4-FFF2-40B4-BE49-F238E27FC236}">
-                <a16:creationId xmlns:a16="http://schemas.microsoft.com/office/drawing/2014/main" id="{78F6E88F-FFEF-0B42-9B60-34C7E5C1D9A0}"/>
-              </a:ext>
-            </a:extLst>
-          </p:cNvPr>
-          <p:cNvPicPr>
-            <a:picLocks noGrp="1" noChangeAspect="1"/>
-          </p:cNvPicPr>
-          <p:nvPr>
-            <p:ph idx="1"/>
-          </p:nvPr>
-        </p:nvPicPr>
-        <p:blipFill>
-          <a:blip r:embed="rId3"/>
-          <a:stretch>
-            <a:fillRect/>
-          </a:stretch>
-        </p:blipFill>
-        <p:spPr>
-          <a:xfrm>
-            <a:off x="1911049" y="1675227"/>
-            <a:ext cx="8369901" cy="4394199"/>
-          </a:xfrm>
-          <a:prstGeom prst="rect">
-            <a:avLst/>
-          </a:prstGeom>
-        </p:spPr>
-      </p:pic>
-    </p:spTree>
-    <p:extLst>
-      <p:ext uri="{BB962C8B-B14F-4D97-AF65-F5344CB8AC3E}">
-        <p14:creationId xmlns:p14="http://schemas.microsoft.com/office/powerpoint/2010/main" val="2786018465"/>
-      </p:ext>
-    </p:extLst>
-  </p:cSld>
-  <p:clrMapOvr>
-    <a:masterClrMapping/>
-  </p:clrMapOvr>
-</p:sld>
-</file>
-
-<file path=ppt/slides/slide12.xml><?xml version="1.0" encoding="utf-8"?>
-<p:sld xmlns:a="http://schemas.openxmlformats.org/drawingml/2006/main" xmlns:r="http://schemas.openxmlformats.org/officeDocument/2006/relationships" xmlns:p="http://schemas.openxmlformats.org/presentationml/2006/main">
-  <p:cSld>
-    <p:bg>
-      <p:bgPr>
-        <a:solidFill>
-          <a:schemeClr val="bg1"/>
-        </a:solidFill>
-        <a:effectLst/>
-      </p:bgPr>
-    </p:bg>
-    <p:spTree>
-      <p:nvGrpSpPr>
-        <p:cNvPr id="1" name=""/>
-        <p:cNvGrpSpPr/>
-        <p:nvPr/>
-      </p:nvGrpSpPr>
-      <p:grpSpPr>
-        <a:xfrm>
-          <a:off x="0" y="0"/>
-          <a:ext cx="0" cy="0"/>
-          <a:chOff x="0" y="0"/>
-          <a:chExt cx="0" cy="0"/>
-        </a:xfrm>
-      </p:grpSpPr>
-      <p:sp>
-        <p:nvSpPr>
-          <p:cNvPr id="17" name="Flowchart: Document 16">
-            <a:extLst>
-              <a:ext uri="{FF2B5EF4-FFF2-40B4-BE49-F238E27FC236}">
-                <a16:creationId xmlns:a16="http://schemas.microsoft.com/office/drawing/2014/main" id="{D12DDE76-C203-4047-9998-63900085B5E8}"/>
-              </a:ext>
-              <a:ext uri="{C183D7F6-B498-43B3-948B-1728B52AA6E4}">
-                <adec:decorative xmlns:adec="http://schemas.microsoft.com/office/drawing/2017/decorative" val="1"/>
-              </a:ext>
-            </a:extLst>
-          </p:cNvPr>
-          <p:cNvSpPr>
-            <a:spLocks noGrp="1" noRot="1" noChangeAspect="1" noMove="1" noResize="1" noEditPoints="1" noAdjustHandles="1" noChangeArrowheads="1" noChangeShapeType="1" noTextEdit="1"/>
-          </p:cNvSpPr>
-          <p:nvPr>
-            <p:extLst>
-              <p:ext uri="{386F3935-93C4-4BCD-93E2-E3B085C9AB24}">
-                <p16:designElem xmlns:p16="http://schemas.microsoft.com/office/powerpoint/2015/main" val="1"/>
-              </p:ext>
-            </p:extLst>
-          </p:nvPr>
-        </p:nvSpPr>
-        <p:spPr>
-          <a:xfrm>
-            <a:off x="638175" y="0"/>
-            <a:ext cx="3248025" cy="3400426"/>
-          </a:xfrm>
-          <a:prstGeom prst="flowChartDocument">
-            <a:avLst/>
-          </a:prstGeom>
-          <a:solidFill>
-            <a:schemeClr val="accent1"/>
-          </a:solidFill>
-          <a:ln>
-            <a:noFill/>
-          </a:ln>
-        </p:spPr>
-        <p:style>
-          <a:lnRef idx="2">
-            <a:schemeClr val="accent1">
-              <a:shade val="50000"/>
-            </a:schemeClr>
-          </a:lnRef>
-          <a:fillRef idx="1">
-            <a:schemeClr val="accent1"/>
-          </a:fillRef>
-          <a:effectRef idx="0">
-            <a:schemeClr val="accent1"/>
-          </a:effectRef>
-          <a:fontRef idx="minor">
-            <a:schemeClr val="lt1"/>
-          </a:fontRef>
-        </p:style>
-        <p:txBody>
-          <a:bodyPr rtlCol="0" anchor="ctr"/>
-          <a:lstStyle/>
-          <a:p>
-            <a:pPr algn="ctr"/>
-            <a:endParaRPr lang="en-US"/>
-          </a:p>
-        </p:txBody>
-      </p:sp>
-      <p:sp>
-        <p:nvSpPr>
-          <p:cNvPr id="2" name="Title 1">
-            <a:extLst>
-              <a:ext uri="{FF2B5EF4-FFF2-40B4-BE49-F238E27FC236}">
-                <a16:creationId xmlns:a16="http://schemas.microsoft.com/office/drawing/2014/main" id="{36CA82B0-51DF-0940-ADD8-99AFB797B871}"/>
-              </a:ext>
-            </a:extLst>
-          </p:cNvPr>
-          <p:cNvSpPr>
-            <a:spLocks noGrp="1"/>
-          </p:cNvSpPr>
-          <p:nvPr>
-            <p:ph type="title"/>
-          </p:nvPr>
-        </p:nvSpPr>
-        <p:spPr>
-          <a:xfrm>
-            <a:off x="638175" y="171162"/>
-            <a:ext cx="3248025" cy="2371148"/>
-          </a:xfrm>
-        </p:spPr>
-        <p:txBody>
-          <a:bodyPr vert="horz" lIns="91440" tIns="45720" rIns="91440" bIns="45720" rtlCol="0" anchor="ctr">
-            <a:normAutofit/>
-          </a:bodyPr>
-          <a:lstStyle/>
-          <a:p>
-            <a:r>
-              <a:rPr lang="en-US" sz="3200" kern="1200" dirty="0">
-                <a:solidFill>
-                  <a:srgbClr val="FFFFFF"/>
-                </a:solidFill>
-                <a:latin typeface="+mj-lt"/>
-                <a:ea typeface="+mj-ea"/>
-                <a:cs typeface="+mj-cs"/>
-              </a:rPr>
-              <a:t>Cost per hospital visit by BM</a:t>
-            </a:r>
-            <a:r>
-              <a:rPr lang="en-US" sz="3200" dirty="0">
-                <a:solidFill>
-                  <a:srgbClr val="FFFFFF"/>
-                </a:solidFill>
-              </a:rPr>
-              <a:t>I Classification</a:t>
-            </a:r>
-            <a:endParaRPr lang="en-US" sz="3200" kern="1200" dirty="0">
-              <a:solidFill>
-                <a:srgbClr val="FFFFFF"/>
-              </a:solidFill>
-              <a:latin typeface="+mj-lt"/>
-              <a:ea typeface="+mj-ea"/>
-              <a:cs typeface="+mj-cs"/>
-            </a:endParaRPr>
-          </a:p>
-        </p:txBody>
-      </p:sp>
-      <p:pic>
-        <p:nvPicPr>
-          <p:cNvPr id="5" name="Content Placeholder 4" descr="Chart, box and whisker chart&#10;&#10;Description automatically generated">
-            <a:extLst>
-              <a:ext uri="{FF2B5EF4-FFF2-40B4-BE49-F238E27FC236}">
-                <a16:creationId xmlns:a16="http://schemas.microsoft.com/office/drawing/2014/main" id="{B60FDE6B-ADFD-D642-85A1-92E40E4C2192}"/>
-              </a:ext>
-            </a:extLst>
-          </p:cNvPr>
-          <p:cNvPicPr>
-            <a:picLocks noGrp="1" noChangeAspect="1"/>
-          </p:cNvPicPr>
-          <p:nvPr>
-            <p:ph idx="1"/>
-          </p:nvPr>
-        </p:nvPicPr>
-        <p:blipFill>
-          <a:blip r:embed="rId2"/>
-          <a:stretch>
-            <a:fillRect/>
-          </a:stretch>
-        </p:blipFill>
-        <p:spPr>
-          <a:xfrm>
-            <a:off x="4533347" y="640080"/>
-            <a:ext cx="6696708" cy="5578816"/>
-          </a:xfrm>
-          <a:prstGeom prst="rect">
-            <a:avLst/>
-          </a:prstGeom>
-        </p:spPr>
-      </p:pic>
-    </p:spTree>
-    <p:extLst>
-      <p:ext uri="{BB962C8B-B14F-4D97-AF65-F5344CB8AC3E}">
-        <p14:creationId xmlns:p14="http://schemas.microsoft.com/office/powerpoint/2010/main" val="1230887700"/>
-      </p:ext>
-    </p:extLst>
-  </p:cSld>
-  <p:clrMapOvr>
-    <a:masterClrMapping/>
-  </p:clrMapOvr>
-</p:sld>
-</file>
-
-<file path=ppt/slides/slide13.xml><?xml version="1.0" encoding="utf-8"?>
-<p:sld xmlns:a="http://schemas.openxmlformats.org/drawingml/2006/main" xmlns:r="http://schemas.openxmlformats.org/officeDocument/2006/relationships" xmlns:p="http://schemas.openxmlformats.org/presentationml/2006/main">
-  <p:cSld>
-    <p:bg>
-      <p:bgPr>
-        <a:solidFill>
-          <a:schemeClr val="bg1"/>
-        </a:solidFill>
-        <a:effectLst/>
-      </p:bgPr>
-    </p:bg>
-    <p:spTree>
-      <p:nvGrpSpPr>
-        <p:cNvPr id="1" name=""/>
-        <p:cNvGrpSpPr/>
-        <p:nvPr/>
-      </p:nvGrpSpPr>
-      <p:grpSpPr>
-        <a:xfrm>
-          <a:off x="0" y="0"/>
-          <a:ext cx="0" cy="0"/>
-          <a:chOff x="0" y="0"/>
-          <a:chExt cx="0" cy="0"/>
-        </a:xfrm>
-      </p:grpSpPr>
-      <p:sp>
-        <p:nvSpPr>
-          <p:cNvPr id="10" name="Flowchart: Document 9">
-            <a:extLst>
-              <a:ext uri="{FF2B5EF4-FFF2-40B4-BE49-F238E27FC236}">
-                <a16:creationId xmlns:a16="http://schemas.microsoft.com/office/drawing/2014/main" id="{D12DDE76-C203-4047-9998-63900085B5E8}"/>
-              </a:ext>
-              <a:ext uri="{C183D7F6-B498-43B3-948B-1728B52AA6E4}">
-                <adec:decorative xmlns:adec="http://schemas.microsoft.com/office/drawing/2017/decorative" val="1"/>
-              </a:ext>
-            </a:extLst>
-          </p:cNvPr>
-          <p:cNvSpPr>
-            <a:spLocks noGrp="1" noRot="1" noChangeAspect="1" noMove="1" noResize="1" noEditPoints="1" noAdjustHandles="1" noChangeArrowheads="1" noChangeShapeType="1" noTextEdit="1"/>
-          </p:cNvSpPr>
-          <p:nvPr>
-            <p:extLst>
-              <p:ext uri="{386F3935-93C4-4BCD-93E2-E3B085C9AB24}">
-                <p16:designElem xmlns:p16="http://schemas.microsoft.com/office/powerpoint/2015/main" val="1"/>
-              </p:ext>
-            </p:extLst>
-          </p:nvPr>
-        </p:nvSpPr>
-        <p:spPr>
-          <a:xfrm>
-            <a:off x="638175" y="0"/>
-            <a:ext cx="3248025" cy="3400426"/>
-          </a:xfrm>
-          <a:prstGeom prst="flowChartDocument">
-            <a:avLst/>
-          </a:prstGeom>
-          <a:solidFill>
-            <a:schemeClr val="accent1"/>
-          </a:solidFill>
-          <a:ln>
-            <a:noFill/>
-          </a:ln>
-        </p:spPr>
-        <p:style>
-          <a:lnRef idx="2">
-            <a:schemeClr val="accent1">
-              <a:shade val="50000"/>
-            </a:schemeClr>
-          </a:lnRef>
-          <a:fillRef idx="1">
-            <a:schemeClr val="accent1"/>
-          </a:fillRef>
-          <a:effectRef idx="0">
-            <a:schemeClr val="accent1"/>
-          </a:effectRef>
-          <a:fontRef idx="minor">
-            <a:schemeClr val="lt1"/>
-          </a:fontRef>
-        </p:style>
-        <p:txBody>
-          <a:bodyPr rtlCol="0" anchor="ctr"/>
-          <a:lstStyle/>
-          <a:p>
-            <a:pPr algn="ctr"/>
-            <a:endParaRPr lang="en-US"/>
-          </a:p>
-        </p:txBody>
-      </p:sp>
-      <p:sp>
-        <p:nvSpPr>
-          <p:cNvPr id="2" name="Title 1">
-            <a:extLst>
-              <a:ext uri="{FF2B5EF4-FFF2-40B4-BE49-F238E27FC236}">
-                <a16:creationId xmlns:a16="http://schemas.microsoft.com/office/drawing/2014/main" id="{6FDF1E3C-963A-9A45-A473-F50D538F90BE}"/>
-              </a:ext>
-            </a:extLst>
-          </p:cNvPr>
-          <p:cNvSpPr>
-            <a:spLocks noGrp="1"/>
-          </p:cNvSpPr>
-          <p:nvPr>
-            <p:ph type="title"/>
-          </p:nvPr>
-        </p:nvSpPr>
-        <p:spPr>
-          <a:xfrm>
-            <a:off x="838200" y="171162"/>
-            <a:ext cx="2840182" cy="2371148"/>
-          </a:xfrm>
-        </p:spPr>
-        <p:txBody>
-          <a:bodyPr vert="horz" lIns="91440" tIns="45720" rIns="91440" bIns="45720" rtlCol="0" anchor="ctr">
-            <a:normAutofit/>
-          </a:bodyPr>
-          <a:lstStyle/>
-          <a:p>
-            <a:r>
-              <a:rPr lang="en-US" sz="3200" kern="1200">
-                <a:solidFill>
-                  <a:srgbClr val="FFFFFF"/>
-                </a:solidFill>
-                <a:latin typeface="+mj-lt"/>
-                <a:ea typeface="+mj-ea"/>
-                <a:cs typeface="+mj-cs"/>
-              </a:rPr>
-              <a:t>How much do each locations pay?</a:t>
-            </a:r>
-          </a:p>
-        </p:txBody>
-      </p:sp>
-      <p:pic>
-        <p:nvPicPr>
-          <p:cNvPr id="5" name="Content Placeholder 4" descr="Chart, box and whisker chart&#10;&#10;Description automatically generated">
-            <a:extLst>
-              <a:ext uri="{FF2B5EF4-FFF2-40B4-BE49-F238E27FC236}">
-                <a16:creationId xmlns:a16="http://schemas.microsoft.com/office/drawing/2014/main" id="{E1C8D2AB-B5B8-934A-8CD4-7FDDFB496A43}"/>
-              </a:ext>
-            </a:extLst>
-          </p:cNvPr>
-          <p:cNvPicPr>
-            <a:picLocks noGrp="1" noChangeAspect="1"/>
-          </p:cNvPicPr>
-          <p:nvPr>
-            <p:ph idx="1"/>
-          </p:nvPr>
-        </p:nvPicPr>
-        <p:blipFill>
-          <a:blip r:embed="rId3"/>
-          <a:stretch>
-            <a:fillRect/>
-          </a:stretch>
-        </p:blipFill>
-        <p:spPr>
-          <a:xfrm>
-            <a:off x="4227443" y="376195"/>
-            <a:ext cx="7326382" cy="6091731"/>
-          </a:xfrm>
-          <a:prstGeom prst="rect">
-            <a:avLst/>
-          </a:prstGeom>
-        </p:spPr>
-      </p:pic>
-    </p:spTree>
-    <p:extLst>
-      <p:ext uri="{BB962C8B-B14F-4D97-AF65-F5344CB8AC3E}">
-        <p14:creationId xmlns:p14="http://schemas.microsoft.com/office/powerpoint/2010/main" val="1023414738"/>
-      </p:ext>
-    </p:extLst>
-  </p:cSld>
-  <p:clrMapOvr>
-    <a:masterClrMapping/>
-  </p:clrMapOvr>
-</p:sld>
-</file>
-
-<file path=ppt/slides/slide14.xml><?xml version="1.0" encoding="utf-8"?>
-<p:sld xmlns:a="http://schemas.openxmlformats.org/drawingml/2006/main" xmlns:r="http://schemas.openxmlformats.org/officeDocument/2006/relationships" xmlns:p="http://schemas.openxmlformats.org/presentationml/2006/main">
-  <p:cSld>
-    <p:bg>
-      <p:bgPr>
-        <a:solidFill>
-          <a:schemeClr val="bg1"/>
-        </a:solidFill>
-        <a:effectLst/>
-      </p:bgPr>
-    </p:bg>
-    <p:spTree>
-      <p:nvGrpSpPr>
-        <p:cNvPr id="1" name=""/>
-        <p:cNvGrpSpPr/>
-        <p:nvPr/>
-      </p:nvGrpSpPr>
-      <p:grpSpPr>
-        <a:xfrm>
-          <a:off x="0" y="0"/>
-          <a:ext cx="0" cy="0"/>
-          <a:chOff x="0" y="0"/>
-          <a:chExt cx="0" cy="0"/>
-        </a:xfrm>
-      </p:grpSpPr>
-      <p:sp>
-        <p:nvSpPr>
-          <p:cNvPr id="10" name="Flowchart: Document 9">
-            <a:extLst>
-              <a:ext uri="{FF2B5EF4-FFF2-40B4-BE49-F238E27FC236}">
-                <a16:creationId xmlns:a16="http://schemas.microsoft.com/office/drawing/2014/main" id="{D12DDE76-C203-4047-9998-63900085B5E8}"/>
-              </a:ext>
-              <a:ext uri="{C183D7F6-B498-43B3-948B-1728B52AA6E4}">
-                <adec:decorative xmlns:adec="http://schemas.microsoft.com/office/drawing/2017/decorative" val="1"/>
-              </a:ext>
-            </a:extLst>
-          </p:cNvPr>
-          <p:cNvSpPr>
-            <a:spLocks noGrp="1" noRot="1" noChangeAspect="1" noMove="1" noResize="1" noEditPoints="1" noAdjustHandles="1" noChangeArrowheads="1" noChangeShapeType="1" noTextEdit="1"/>
-          </p:cNvSpPr>
-          <p:nvPr>
-            <p:extLst>
-              <p:ext uri="{386F3935-93C4-4BCD-93E2-E3B085C9AB24}">
-                <p16:designElem xmlns:p16="http://schemas.microsoft.com/office/powerpoint/2015/main" val="1"/>
-              </p:ext>
-            </p:extLst>
-          </p:nvPr>
-        </p:nvSpPr>
-        <p:spPr>
-          <a:xfrm>
-            <a:off x="638175" y="0"/>
-            <a:ext cx="3248025" cy="3400426"/>
-          </a:xfrm>
-          <a:prstGeom prst="flowChartDocument">
-            <a:avLst/>
-          </a:prstGeom>
-          <a:solidFill>
-            <a:schemeClr val="accent1"/>
-          </a:solidFill>
-          <a:ln>
-            <a:noFill/>
-          </a:ln>
-        </p:spPr>
-        <p:style>
-          <a:lnRef idx="2">
-            <a:schemeClr val="accent1">
-              <a:shade val="50000"/>
-            </a:schemeClr>
-          </a:lnRef>
-          <a:fillRef idx="1">
-            <a:schemeClr val="accent1"/>
-          </a:fillRef>
-          <a:effectRef idx="0">
-            <a:schemeClr val="accent1"/>
-          </a:effectRef>
-          <a:fontRef idx="minor">
-            <a:schemeClr val="lt1"/>
-          </a:fontRef>
-        </p:style>
-        <p:txBody>
-          <a:bodyPr rtlCol="0" anchor="ctr"/>
-          <a:lstStyle/>
-          <a:p>
-            <a:pPr algn="ctr"/>
-            <a:endParaRPr lang="en-US"/>
-          </a:p>
-        </p:txBody>
-      </p:sp>
-      <p:sp>
-        <p:nvSpPr>
-          <p:cNvPr id="2" name="Title 1">
-            <a:extLst>
-              <a:ext uri="{FF2B5EF4-FFF2-40B4-BE49-F238E27FC236}">
-                <a16:creationId xmlns:a16="http://schemas.microsoft.com/office/drawing/2014/main" id="{83B7A960-94E2-D94D-BEFD-7499F2A05A02}"/>
-              </a:ext>
-            </a:extLst>
-          </p:cNvPr>
-          <p:cNvSpPr>
-            <a:spLocks noGrp="1"/>
-          </p:cNvSpPr>
-          <p:nvPr>
-            <p:ph type="title"/>
-          </p:nvPr>
-        </p:nvSpPr>
-        <p:spPr>
-          <a:xfrm>
-            <a:off x="838200" y="171162"/>
-            <a:ext cx="2840182" cy="2371148"/>
-          </a:xfrm>
-        </p:spPr>
-        <p:txBody>
-          <a:bodyPr vert="horz" lIns="91440" tIns="45720" rIns="91440" bIns="45720" rtlCol="0" anchor="ctr">
-            <a:normAutofit/>
-          </a:bodyPr>
-          <a:lstStyle/>
-          <a:p>
-            <a:r>
-              <a:rPr lang="en-US" sz="3200" kern="1200">
-                <a:solidFill>
-                  <a:srgbClr val="FFFFFF"/>
-                </a:solidFill>
-                <a:latin typeface="+mj-lt"/>
-                <a:ea typeface="+mj-ea"/>
-                <a:cs typeface="+mj-cs"/>
-              </a:rPr>
-              <a:t>BMI by region</a:t>
-            </a:r>
-          </a:p>
-        </p:txBody>
-      </p:sp>
-      <p:pic>
-        <p:nvPicPr>
-          <p:cNvPr id="5" name="Content Placeholder 4" descr="Chart, box and whisker chart&#10;&#10;Description automatically generated">
-            <a:extLst>
-              <a:ext uri="{FF2B5EF4-FFF2-40B4-BE49-F238E27FC236}">
-                <a16:creationId xmlns:a16="http://schemas.microsoft.com/office/drawing/2014/main" id="{495E5AAC-6AC1-5D43-B511-1D0EA165645D}"/>
-              </a:ext>
-            </a:extLst>
-          </p:cNvPr>
-          <p:cNvPicPr>
-            <a:picLocks noGrp="1" noChangeAspect="1"/>
-          </p:cNvPicPr>
-          <p:nvPr>
-            <p:ph idx="1"/>
-          </p:nvPr>
-        </p:nvPicPr>
-        <p:blipFill>
-          <a:blip r:embed="rId3"/>
-          <a:stretch>
-            <a:fillRect/>
-          </a:stretch>
-        </p:blipFill>
-        <p:spPr>
-          <a:xfrm>
-            <a:off x="4227442" y="452589"/>
-            <a:ext cx="7126357" cy="6109975"/>
-          </a:xfrm>
-          <a:prstGeom prst="rect">
-            <a:avLst/>
-          </a:prstGeom>
-        </p:spPr>
-      </p:pic>
-    </p:spTree>
-    <p:extLst>
-      <p:ext uri="{BB962C8B-B14F-4D97-AF65-F5344CB8AC3E}">
-        <p14:creationId xmlns:p14="http://schemas.microsoft.com/office/powerpoint/2010/main" val="925095417"/>
-      </p:ext>
-    </p:extLst>
-  </p:cSld>
-  <p:clrMapOvr>
-    <a:masterClrMapping/>
-  </p:clrMapOvr>
-</p:sld>
-</file>
-
-<file path=ppt/slides/slide15.xml><?xml version="1.0" encoding="utf-8"?>
-<p:sld xmlns:a="http://schemas.openxmlformats.org/drawingml/2006/main" xmlns:r="http://schemas.openxmlformats.org/officeDocument/2006/relationships" xmlns:p="http://schemas.openxmlformats.org/presentationml/2006/main">
-  <p:cSld>
-    <p:bg>
-      <p:bgPr>
-        <a:solidFill>
-          <a:schemeClr val="bg1"/>
-        </a:solidFill>
-        <a:effectLst/>
-      </p:bgPr>
-    </p:bg>
-    <p:spTree>
-      <p:nvGrpSpPr>
-        <p:cNvPr id="1" name=""/>
-        <p:cNvGrpSpPr/>
-        <p:nvPr/>
-      </p:nvGrpSpPr>
-      <p:grpSpPr>
-        <a:xfrm>
-          <a:off x="0" y="0"/>
-          <a:ext cx="0" cy="0"/>
-          <a:chOff x="0" y="0"/>
-          <a:chExt cx="0" cy="0"/>
-        </a:xfrm>
-      </p:grpSpPr>
-      <p:sp>
-        <p:nvSpPr>
-          <p:cNvPr id="10" name="Down Arrow 7">
-            <a:extLst>
-              <a:ext uri="{FF2B5EF4-FFF2-40B4-BE49-F238E27FC236}">
-                <a16:creationId xmlns:a16="http://schemas.microsoft.com/office/drawing/2014/main" id="{D4771268-CB57-404A-9271-370EB28F6090}"/>
-              </a:ext>
-              <a:ext uri="{C183D7F6-B498-43B3-948B-1728B52AA6E4}">
-                <adec:decorative xmlns:adec="http://schemas.microsoft.com/office/drawing/2017/decorative" val="1"/>
-              </a:ext>
-            </a:extLst>
-          </p:cNvPr>
-          <p:cNvSpPr>
-            <a:spLocks noGrp="1" noRot="1" noChangeAspect="1" noMove="1" noResize="1" noEditPoints="1" noAdjustHandles="1" noChangeArrowheads="1" noChangeShapeType="1" noTextEdit="1"/>
-          </p:cNvSpPr>
-          <p:nvPr>
-            <p:extLst>
-              <p:ext uri="{386F3935-93C4-4BCD-93E2-E3B085C9AB24}">
-                <p16:designElem xmlns:p16="http://schemas.microsoft.com/office/powerpoint/2015/main" val="1"/>
-              </p:ext>
-            </p:extLst>
-          </p:nvPr>
-        </p:nvSpPr>
-        <p:spPr>
-          <a:xfrm rot="16200000">
-            <a:off x="800100" y="1491343"/>
-            <a:ext cx="3333749" cy="3499103"/>
-          </a:xfrm>
-          <a:prstGeom prst="downArrow">
-            <a:avLst>
-              <a:gd name="adj1" fmla="val 100000"/>
-              <a:gd name="adj2" fmla="val 15788"/>
-            </a:avLst>
-          </a:prstGeom>
-          <a:solidFill>
-            <a:srgbClr val="404040"/>
-          </a:solidFill>
-          <a:ln w="53975">
-            <a:noFill/>
-          </a:ln>
-        </p:spPr>
-        <p:style>
-          <a:lnRef idx="2">
-            <a:schemeClr val="accent1">
-              <a:shade val="50000"/>
-            </a:schemeClr>
-          </a:lnRef>
-          <a:fillRef idx="1">
-            <a:schemeClr val="accent1"/>
-          </a:fillRef>
-          <a:effectRef idx="0">
-            <a:schemeClr val="accent1"/>
-          </a:effectRef>
-          <a:fontRef idx="minor">
-            <a:schemeClr val="lt1"/>
-          </a:fontRef>
-        </p:style>
-        <p:txBody>
-          <a:bodyPr rtlCol="0" anchor="ctr"/>
-          <a:lstStyle/>
-          <a:p>
-            <a:pPr algn="ctr"/>
-            <a:endParaRPr lang="en-US"/>
-          </a:p>
-        </p:txBody>
-      </p:sp>
-      <p:sp>
-        <p:nvSpPr>
-          <p:cNvPr id="2" name="Title 1">
-            <a:extLst>
-              <a:ext uri="{FF2B5EF4-FFF2-40B4-BE49-F238E27FC236}">
-                <a16:creationId xmlns:a16="http://schemas.microsoft.com/office/drawing/2014/main" id="{3710A875-78AE-3343-A0FE-C109AE9A9DE2}"/>
-              </a:ext>
-            </a:extLst>
-          </p:cNvPr>
-          <p:cNvSpPr>
-            <a:spLocks noGrp="1"/>
-          </p:cNvSpPr>
-          <p:nvPr>
-            <p:ph type="title"/>
-          </p:nvPr>
-        </p:nvSpPr>
-        <p:spPr>
-          <a:xfrm>
-            <a:off x="1028700" y="1967266"/>
-            <a:ext cx="2628900" cy="2547257"/>
-          </a:xfrm>
-          <a:noFill/>
-        </p:spPr>
-        <p:txBody>
-          <a:bodyPr vert="horz" lIns="91440" tIns="45720" rIns="91440" bIns="45720" rtlCol="0" anchor="ctr">
-            <a:normAutofit/>
-          </a:bodyPr>
-          <a:lstStyle/>
-          <a:p>
-            <a:pPr algn="ctr"/>
-            <a:r>
-              <a:rPr lang="en-US" sz="3300" kern="1200" dirty="0">
-                <a:solidFill>
-                  <a:srgbClr val="FFFFFF"/>
-                </a:solidFill>
-                <a:latin typeface="+mj-lt"/>
-                <a:ea typeface="+mj-ea"/>
-                <a:cs typeface="+mj-cs"/>
-              </a:rPr>
-              <a:t>Does having kids effect the medical bill?</a:t>
-            </a:r>
-          </a:p>
-        </p:txBody>
-      </p:sp>
-      <p:pic>
-        <p:nvPicPr>
-          <p:cNvPr id="5" name="Content Placeholder 4" descr="Chart, box and whisker chart&#10;&#10;Description automatically generated">
-            <a:extLst>
-              <a:ext uri="{FF2B5EF4-FFF2-40B4-BE49-F238E27FC236}">
-                <a16:creationId xmlns:a16="http://schemas.microsoft.com/office/drawing/2014/main" id="{0C1428CF-AD50-2C40-B107-9D44E151C5EB}"/>
-              </a:ext>
-            </a:extLst>
-          </p:cNvPr>
-          <p:cNvPicPr>
-            <a:picLocks noGrp="1" noChangeAspect="1"/>
-          </p:cNvPicPr>
-          <p:nvPr>
-            <p:ph idx="1"/>
-          </p:nvPr>
-        </p:nvPicPr>
-        <p:blipFill>
-          <a:blip r:embed="rId3"/>
-          <a:stretch>
-            <a:fillRect/>
-          </a:stretch>
-        </p:blipFill>
-        <p:spPr>
-          <a:xfrm>
-            <a:off x="4818970" y="643466"/>
-            <a:ext cx="6697392" cy="5568739"/>
-          </a:xfrm>
-          <a:prstGeom prst="rect">
-            <a:avLst/>
-          </a:prstGeom>
-        </p:spPr>
-      </p:pic>
-    </p:spTree>
-    <p:extLst>
-      <p:ext uri="{BB962C8B-B14F-4D97-AF65-F5344CB8AC3E}">
-        <p14:creationId xmlns:p14="http://schemas.microsoft.com/office/powerpoint/2010/main" val="438159043"/>
-      </p:ext>
-    </p:extLst>
-  </p:cSld>
-  <p:clrMapOvr>
-    <a:masterClrMapping/>
-  </p:clrMapOvr>
-</p:sld>
-</file>
-
-<file path=ppt/slides/slide16.xml><?xml version="1.0" encoding="utf-8"?>
-<p:sld xmlns:a="http://schemas.openxmlformats.org/drawingml/2006/main" xmlns:r="http://schemas.openxmlformats.org/officeDocument/2006/relationships" xmlns:p="http://schemas.openxmlformats.org/presentationml/2006/main">
-  <p:cSld>
-    <p:bg>
-      <p:bgPr>
-        <a:solidFill>
-          <a:schemeClr val="bg1"/>
-        </a:solidFill>
-        <a:effectLst/>
-      </p:bgPr>
-    </p:bg>
-    <p:spTree>
-      <p:nvGrpSpPr>
-        <p:cNvPr id="1" name=""/>
-        <p:cNvGrpSpPr/>
-        <p:nvPr/>
-      </p:nvGrpSpPr>
-      <p:grpSpPr>
-        <a:xfrm>
-          <a:off x="0" y="0"/>
-          <a:ext cx="0" cy="0"/>
-          <a:chOff x="0" y="0"/>
-          <a:chExt cx="0" cy="0"/>
-        </a:xfrm>
-      </p:grpSpPr>
-      <p:sp>
-        <p:nvSpPr>
-          <p:cNvPr id="10" name="Down Arrow 7">
-            <a:extLst>
-              <a:ext uri="{FF2B5EF4-FFF2-40B4-BE49-F238E27FC236}">
-                <a16:creationId xmlns:a16="http://schemas.microsoft.com/office/drawing/2014/main" id="{D4771268-CB57-404A-9271-370EB28F6090}"/>
-              </a:ext>
-              <a:ext uri="{C183D7F6-B498-43B3-948B-1728B52AA6E4}">
-                <adec:decorative xmlns:adec="http://schemas.microsoft.com/office/drawing/2017/decorative" val="1"/>
-              </a:ext>
-            </a:extLst>
-          </p:cNvPr>
-          <p:cNvSpPr>
-            <a:spLocks noGrp="1" noRot="1" noChangeAspect="1" noMove="1" noResize="1" noEditPoints="1" noAdjustHandles="1" noChangeArrowheads="1" noChangeShapeType="1" noTextEdit="1"/>
-          </p:cNvSpPr>
-          <p:nvPr>
-            <p:extLst>
-              <p:ext uri="{386F3935-93C4-4BCD-93E2-E3B085C9AB24}">
-                <p16:designElem xmlns:p16="http://schemas.microsoft.com/office/powerpoint/2015/main" val="1"/>
-              </p:ext>
-            </p:extLst>
-          </p:nvPr>
-        </p:nvSpPr>
-        <p:spPr>
-          <a:xfrm rot="16200000">
-            <a:off x="800100" y="1491343"/>
-            <a:ext cx="3333749" cy="3499103"/>
-          </a:xfrm>
-          <a:prstGeom prst="downArrow">
-            <a:avLst>
-              <a:gd name="adj1" fmla="val 100000"/>
-              <a:gd name="adj2" fmla="val 15788"/>
-            </a:avLst>
-          </a:prstGeom>
-          <a:solidFill>
-            <a:srgbClr val="404040"/>
-          </a:solidFill>
-          <a:ln w="53975">
-            <a:noFill/>
-          </a:ln>
-        </p:spPr>
-        <p:style>
-          <a:lnRef idx="2">
-            <a:schemeClr val="accent1">
-              <a:shade val="50000"/>
-            </a:schemeClr>
-          </a:lnRef>
-          <a:fillRef idx="1">
-            <a:schemeClr val="accent1"/>
-          </a:fillRef>
-          <a:effectRef idx="0">
-            <a:schemeClr val="accent1"/>
-          </a:effectRef>
-          <a:fontRef idx="minor">
-            <a:schemeClr val="lt1"/>
-          </a:fontRef>
-        </p:style>
-        <p:txBody>
-          <a:bodyPr rtlCol="0" anchor="ctr"/>
-          <a:lstStyle/>
-          <a:p>
-            <a:pPr algn="ctr"/>
-            <a:endParaRPr lang="en-US"/>
-          </a:p>
-        </p:txBody>
-      </p:sp>
-      <p:sp>
-        <p:nvSpPr>
-          <p:cNvPr id="2" name="Title 1">
-            <a:extLst>
-              <a:ext uri="{FF2B5EF4-FFF2-40B4-BE49-F238E27FC236}">
-                <a16:creationId xmlns:a16="http://schemas.microsoft.com/office/drawing/2014/main" id="{7632CF4A-C7B8-F642-8F55-6BFA23B08308}"/>
-              </a:ext>
-            </a:extLst>
-          </p:cNvPr>
-          <p:cNvSpPr>
-            <a:spLocks noGrp="1"/>
-          </p:cNvSpPr>
-          <p:nvPr>
-            <p:ph type="title"/>
-          </p:nvPr>
-        </p:nvSpPr>
-        <p:spPr>
-          <a:xfrm>
-            <a:off x="1028700" y="1967266"/>
-            <a:ext cx="2628900" cy="2547257"/>
-          </a:xfrm>
-          <a:noFill/>
-        </p:spPr>
-        <p:txBody>
-          <a:bodyPr vert="horz" lIns="91440" tIns="45720" rIns="91440" bIns="45720" rtlCol="0" anchor="ctr">
-            <a:normAutofit/>
-          </a:bodyPr>
-          <a:lstStyle/>
-          <a:p>
-            <a:pPr algn="ctr"/>
-            <a:r>
-              <a:rPr lang="en-US" sz="3600" kern="1200" dirty="0">
-                <a:solidFill>
-                  <a:srgbClr val="FFFFFF"/>
-                </a:solidFill>
-                <a:latin typeface="+mj-lt"/>
-                <a:ea typeface="+mj-ea"/>
-                <a:cs typeface="+mj-cs"/>
-              </a:rPr>
-              <a:t>How many children do the patients have</a:t>
-            </a:r>
-          </a:p>
-        </p:txBody>
-      </p:sp>
-      <p:pic>
-        <p:nvPicPr>
-          <p:cNvPr id="5" name="Content Placeholder 4" descr="Chart, bar chart&#10;&#10;Description automatically generated">
-            <a:extLst>
-              <a:ext uri="{FF2B5EF4-FFF2-40B4-BE49-F238E27FC236}">
-                <a16:creationId xmlns:a16="http://schemas.microsoft.com/office/drawing/2014/main" id="{E53C1254-1C7E-6241-8233-7451E61D9E7C}"/>
-              </a:ext>
-            </a:extLst>
-          </p:cNvPr>
-          <p:cNvPicPr>
-            <a:picLocks noGrp="1" noChangeAspect="1"/>
-          </p:cNvPicPr>
-          <p:nvPr>
-            <p:ph idx="1"/>
-          </p:nvPr>
-        </p:nvPicPr>
-        <p:blipFill>
-          <a:blip r:embed="rId2"/>
-          <a:stretch>
-            <a:fillRect/>
-          </a:stretch>
-        </p:blipFill>
-        <p:spPr>
-          <a:xfrm>
-            <a:off x="4354093" y="689538"/>
-            <a:ext cx="7409638" cy="5056354"/>
-          </a:xfrm>
-          <a:prstGeom prst="rect">
-            <a:avLst/>
-          </a:prstGeom>
-        </p:spPr>
-      </p:pic>
-    </p:spTree>
-    <p:extLst>
-      <p:ext uri="{BB962C8B-B14F-4D97-AF65-F5344CB8AC3E}">
-        <p14:creationId xmlns:p14="http://schemas.microsoft.com/office/powerpoint/2010/main" val="282961509"/>
-      </p:ext>
-    </p:extLst>
-  </p:cSld>
-  <p:clrMapOvr>
-    <a:masterClrMapping/>
-  </p:clrMapOvr>
-</p:sld>
-</file>
-
-<file path=ppt/slides/slide17.xml><?xml version="1.0" encoding="utf-8"?>
-<p:sld xmlns:a="http://schemas.openxmlformats.org/drawingml/2006/main" xmlns:r="http://schemas.openxmlformats.org/officeDocument/2006/relationships" xmlns:p="http://schemas.openxmlformats.org/presentationml/2006/main">
-  <p:cSld>
-    <p:bg>
-      <p:bgPr>
-        <a:solidFill>
-          <a:schemeClr val="bg1"/>
-        </a:solidFill>
-        <a:effectLst/>
-      </p:bgPr>
-    </p:bg>
-    <p:spTree>
-      <p:nvGrpSpPr>
-        <p:cNvPr id="1" name=""/>
-        <p:cNvGrpSpPr/>
-        <p:nvPr/>
-      </p:nvGrpSpPr>
-      <p:grpSpPr>
-        <a:xfrm>
-          <a:off x="0" y="0"/>
-          <a:ext cx="0" cy="0"/>
-          <a:chOff x="0" y="0"/>
-          <a:chExt cx="0" cy="0"/>
-        </a:xfrm>
-      </p:grpSpPr>
-      <p:sp>
-        <p:nvSpPr>
-          <p:cNvPr id="12" name="Down Arrow 7">
-            <a:extLst>
-              <a:ext uri="{FF2B5EF4-FFF2-40B4-BE49-F238E27FC236}">
-                <a16:creationId xmlns:a16="http://schemas.microsoft.com/office/drawing/2014/main" id="{73DE2CFE-42F2-48F0-8706-5264E012B10C}"/>
-              </a:ext>
-              <a:ext uri="{C183D7F6-B498-43B3-948B-1728B52AA6E4}">
-                <adec:decorative xmlns:adec="http://schemas.microsoft.com/office/drawing/2017/decorative" val="1"/>
-              </a:ext>
-            </a:extLst>
-          </p:cNvPr>
-          <p:cNvSpPr>
-            <a:spLocks noGrp="1" noRot="1" noChangeAspect="1" noMove="1" noResize="1" noEditPoints="1" noAdjustHandles="1" noChangeArrowheads="1" noChangeShapeType="1" noTextEdit="1"/>
-          </p:cNvSpPr>
-          <p:nvPr>
-            <p:extLst>
-              <p:ext uri="{386F3935-93C4-4BCD-93E2-E3B085C9AB24}">
-                <p16:designElem xmlns:p16="http://schemas.microsoft.com/office/powerpoint/2015/main" val="1"/>
-              </p:ext>
-            </p:extLst>
-          </p:nvPr>
-        </p:nvSpPr>
-        <p:spPr>
-          <a:xfrm rot="16200000">
-            <a:off x="1288521" y="381403"/>
-            <a:ext cx="2200313" cy="3342508"/>
-          </a:xfrm>
-          <a:prstGeom prst="downArrow">
-            <a:avLst>
-              <a:gd name="adj1" fmla="val 100000"/>
-              <a:gd name="adj2" fmla="val 15788"/>
-            </a:avLst>
-          </a:prstGeom>
-          <a:solidFill>
-            <a:srgbClr val="404040"/>
-          </a:solidFill>
-          <a:ln w="53975">
-            <a:noFill/>
-          </a:ln>
-        </p:spPr>
-        <p:style>
-          <a:lnRef idx="2">
-            <a:schemeClr val="accent1">
-              <a:shade val="50000"/>
-            </a:schemeClr>
-          </a:lnRef>
-          <a:fillRef idx="1">
-            <a:schemeClr val="accent1"/>
-          </a:fillRef>
-          <a:effectRef idx="0">
-            <a:schemeClr val="accent1"/>
-          </a:effectRef>
-          <a:fontRef idx="minor">
-            <a:schemeClr val="lt1"/>
-          </a:fontRef>
-        </p:style>
-        <p:txBody>
-          <a:bodyPr rtlCol="0" anchor="ctr"/>
-          <a:lstStyle/>
-          <a:p>
-            <a:pPr marL="0" marR="0" lvl="0" indent="0" algn="ctr" defTabSz="914400" rtl="0" eaLnBrk="1" fontAlgn="auto" latinLnBrk="0" hangingPunct="1">
-              <a:lnSpc>
-                <a:spcPct val="100000"/>
-              </a:lnSpc>
-              <a:spcBef>
-                <a:spcPts val="0"/>
-              </a:spcBef>
-              <a:spcAft>
-                <a:spcPts val="0"/>
-              </a:spcAft>
-              <a:buClrTx/>
-              <a:buSzTx/>
-              <a:buFontTx/>
-              <a:buNone/>
-              <a:tabLst/>
-              <a:defRPr/>
-            </a:pPr>
-            <a:endParaRPr kumimoji="0" lang="en-US" sz="1800" b="0" i="0" u="none" strike="noStrike" kern="1200" cap="none" spc="0" normalizeH="0" baseline="0" noProof="0">
-              <a:ln>
-                <a:noFill/>
-              </a:ln>
-              <a:solidFill>
-                <a:prstClr val="white"/>
-              </a:solidFill>
-              <a:effectLst/>
-              <a:uLnTx/>
-              <a:uFillTx/>
-              <a:latin typeface="Calibri" panose="020F0502020204030204"/>
-              <a:ea typeface="+mn-ea"/>
-              <a:cs typeface="+mn-cs"/>
-            </a:endParaRPr>
-          </a:p>
-        </p:txBody>
-      </p:sp>
-      <p:sp>
-        <p:nvSpPr>
-          <p:cNvPr id="2" name="Title 1">
-            <a:extLst>
-              <a:ext uri="{FF2B5EF4-FFF2-40B4-BE49-F238E27FC236}">
-                <a16:creationId xmlns:a16="http://schemas.microsoft.com/office/drawing/2014/main" id="{DCEB3B55-0415-C94E-AD75-CC4AD41EC167}"/>
-              </a:ext>
-            </a:extLst>
-          </p:cNvPr>
-          <p:cNvSpPr>
-            <a:spLocks noGrp="1"/>
-          </p:cNvSpPr>
-          <p:nvPr>
-            <p:ph type="title"/>
-          </p:nvPr>
-        </p:nvSpPr>
-        <p:spPr>
-          <a:xfrm>
-            <a:off x="966952" y="1204108"/>
-            <a:ext cx="2669406" cy="1781175"/>
-          </a:xfrm>
-        </p:spPr>
-        <p:txBody>
-          <a:bodyPr>
-            <a:normAutofit fontScale="90000"/>
-          </a:bodyPr>
-          <a:lstStyle/>
-          <a:p>
-            <a:r>
-              <a:rPr lang="en-US" sz="3200" dirty="0">
-                <a:solidFill>
-                  <a:srgbClr val="FFFFFF"/>
-                </a:solidFill>
-              </a:rPr>
-              <a:t>Patients’ BMI vs how many children they have</a:t>
-            </a:r>
-          </a:p>
-        </p:txBody>
-      </p:sp>
-      <p:pic>
-        <p:nvPicPr>
-          <p:cNvPr id="5" name="Content Placeholder 4" descr="Chart, box and whisker chart&#10;&#10;Description automatically generated">
-            <a:extLst>
-              <a:ext uri="{FF2B5EF4-FFF2-40B4-BE49-F238E27FC236}">
-                <a16:creationId xmlns:a16="http://schemas.microsoft.com/office/drawing/2014/main" id="{ED03FB7C-66F1-A74D-8D93-87A44818D0C0}"/>
-              </a:ext>
-            </a:extLst>
-          </p:cNvPr>
-          <p:cNvPicPr>
-            <a:picLocks noChangeAspect="1"/>
-          </p:cNvPicPr>
-          <p:nvPr/>
-        </p:nvPicPr>
-        <p:blipFill>
-          <a:blip r:embed="rId3"/>
-          <a:stretch>
-            <a:fillRect/>
-          </a:stretch>
-        </p:blipFill>
-        <p:spPr>
-          <a:xfrm>
-            <a:off x="5297255" y="952500"/>
-            <a:ext cx="5633416" cy="4829963"/>
-          </a:xfrm>
-          <a:prstGeom prst="rect">
-            <a:avLst/>
-          </a:prstGeom>
-        </p:spPr>
-      </p:pic>
-    </p:spTree>
-    <p:extLst>
-      <p:ext uri="{BB962C8B-B14F-4D97-AF65-F5344CB8AC3E}">
-        <p14:creationId xmlns:p14="http://schemas.microsoft.com/office/powerpoint/2010/main" val="891636556"/>
-      </p:ext>
-    </p:extLst>
-  </p:cSld>
-  <p:clrMapOvr>
-    <a:masterClrMapping/>
-  </p:clrMapOvr>
-</p:sld>
-</file>
-
-<file path=ppt/slides/slide18.xml><?xml version="1.0" encoding="utf-8"?>
-<p:sld xmlns:a="http://schemas.openxmlformats.org/drawingml/2006/main" xmlns:r="http://schemas.openxmlformats.org/officeDocument/2006/relationships" xmlns:p="http://schemas.openxmlformats.org/presentationml/2006/main">
-  <p:cSld>
-    <p:bg>
-      <p:bgPr>
-        <a:solidFill>
-          <a:schemeClr val="bg1"/>
-        </a:solidFill>
-        <a:effectLst/>
-      </p:bgPr>
-    </p:bg>
-    <p:spTree>
-      <p:nvGrpSpPr>
-        <p:cNvPr id="1" name=""/>
-        <p:cNvGrpSpPr/>
-        <p:nvPr/>
-      </p:nvGrpSpPr>
-      <p:grpSpPr>
-        <a:xfrm>
-          <a:off x="0" y="0"/>
-          <a:ext cx="0" cy="0"/>
-          <a:chOff x="0" y="0"/>
-          <a:chExt cx="0" cy="0"/>
-        </a:xfrm>
-      </p:grpSpPr>
-      <p:sp useBgFill="1">
-        <p:nvSpPr>
-          <p:cNvPr id="14" name="Rectangle 13">
-            <a:extLst>
-              <a:ext uri="{FF2B5EF4-FFF2-40B4-BE49-F238E27FC236}">
-                <a16:creationId xmlns:a16="http://schemas.microsoft.com/office/drawing/2014/main" id="{8761DDFE-071F-4200-B0AA-394476C2D2D6}"/>
-              </a:ext>
-              <a:ext uri="{C183D7F6-B498-43B3-948B-1728B52AA6E4}">
-                <adec:decorative xmlns:adec="http://schemas.microsoft.com/office/drawing/2017/decorative" val="1"/>
-              </a:ext>
-            </a:extLst>
-          </p:cNvPr>
-          <p:cNvSpPr>
-            <a:spLocks noGrp="1" noRot="1" noChangeAspect="1" noMove="1" noResize="1" noEditPoints="1" noAdjustHandles="1" noChangeArrowheads="1" noChangeShapeType="1" noTextEdit="1"/>
-          </p:cNvSpPr>
-          <p:nvPr>
-            <p:extLst>
-              <p:ext uri="{386F3935-93C4-4BCD-93E2-E3B085C9AB24}">
-                <p16:designElem xmlns:p16="http://schemas.microsoft.com/office/powerpoint/2015/main" val="1"/>
-              </p:ext>
-            </p:extLst>
-          </p:nvPr>
-        </p:nvSpPr>
-        <p:spPr>
-          <a:xfrm>
-            <a:off x="-1" y="0"/>
-            <a:ext cx="12188952" cy="6858000"/>
-          </a:xfrm>
-          <a:prstGeom prst="rect">
-            <a:avLst/>
-          </a:prstGeom>
-          <a:ln>
-            <a:noFill/>
-          </a:ln>
-        </p:spPr>
-        <p:style>
-          <a:lnRef idx="2">
-            <a:schemeClr val="accent1">
-              <a:shade val="50000"/>
-            </a:schemeClr>
-          </a:lnRef>
-          <a:fillRef idx="1">
-            <a:schemeClr val="accent1"/>
-          </a:fillRef>
-          <a:effectRef idx="0">
-            <a:schemeClr val="accent1"/>
-          </a:effectRef>
-          <a:fontRef idx="minor">
-            <a:schemeClr val="lt1"/>
-          </a:fontRef>
-        </p:style>
-        <p:txBody>
-          <a:bodyPr rtlCol="0" anchor="ctr"/>
-          <a:lstStyle/>
-          <a:p>
-            <a:pPr algn="ctr"/>
-            <a:endParaRPr lang="en-US"/>
-          </a:p>
-        </p:txBody>
-      </p:sp>
-      <p:sp>
-        <p:nvSpPr>
-          <p:cNvPr id="2" name="Title 1">
-            <a:extLst>
-              <a:ext uri="{FF2B5EF4-FFF2-40B4-BE49-F238E27FC236}">
-                <a16:creationId xmlns:a16="http://schemas.microsoft.com/office/drawing/2014/main" id="{0BE3F101-9706-6E48-A183-B77E42F8D07E}"/>
-              </a:ext>
-            </a:extLst>
-          </p:cNvPr>
-          <p:cNvSpPr>
-            <a:spLocks noGrp="1"/>
-          </p:cNvSpPr>
-          <p:nvPr>
-            <p:ph type="title"/>
-          </p:nvPr>
-        </p:nvSpPr>
-        <p:spPr>
-          <a:xfrm>
-            <a:off x="838198" y="547815"/>
-            <a:ext cx="10474236" cy="941351"/>
-          </a:xfrm>
-        </p:spPr>
-        <p:txBody>
-          <a:bodyPr>
-            <a:normAutofit/>
-          </a:bodyPr>
-          <a:lstStyle/>
-          <a:p>
-            <a:pPr algn="ctr"/>
-            <a:r>
-              <a:rPr lang="en-US" sz="4000" dirty="0"/>
-              <a:t>Gender vs BMI and the medical bill</a:t>
-            </a:r>
-          </a:p>
-        </p:txBody>
-      </p:sp>
-      <p:pic>
-        <p:nvPicPr>
-          <p:cNvPr id="5" name="Content Placeholder 4" descr="Chart, box and whisker chart&#10;&#10;Description automatically generated">
-            <a:extLst>
-              <a:ext uri="{FF2B5EF4-FFF2-40B4-BE49-F238E27FC236}">
-                <a16:creationId xmlns:a16="http://schemas.microsoft.com/office/drawing/2014/main" id="{5E073548-2427-FD4C-AB67-8F6F7396CB10}"/>
-              </a:ext>
-            </a:extLst>
-          </p:cNvPr>
-          <p:cNvPicPr>
-            <a:picLocks noChangeAspect="1"/>
-          </p:cNvPicPr>
-          <p:nvPr/>
-        </p:nvPicPr>
-        <p:blipFill>
-          <a:blip r:embed="rId3"/>
-          <a:stretch>
-            <a:fillRect/>
-          </a:stretch>
-        </p:blipFill>
-        <p:spPr>
-          <a:xfrm>
-            <a:off x="6553070" y="1757657"/>
-            <a:ext cx="5255753" cy="4375414"/>
-          </a:xfrm>
-          <a:prstGeom prst="rect">
-            <a:avLst/>
-          </a:prstGeom>
-        </p:spPr>
-      </p:pic>
-      <p:pic>
-        <p:nvPicPr>
-          <p:cNvPr id="12" name="Picture 11" descr="Chart, box and whisker chart&#10;&#10;Description automatically generated">
-            <a:extLst>
-              <a:ext uri="{FF2B5EF4-FFF2-40B4-BE49-F238E27FC236}">
-                <a16:creationId xmlns:a16="http://schemas.microsoft.com/office/drawing/2014/main" id="{4FB8F116-1C73-3144-AD1A-3224FD38D518}"/>
-              </a:ext>
-            </a:extLst>
-          </p:cNvPr>
-          <p:cNvPicPr>
-            <a:picLocks noChangeAspect="1"/>
-          </p:cNvPicPr>
-          <p:nvPr/>
-        </p:nvPicPr>
-        <p:blipFill>
-          <a:blip r:embed="rId4"/>
-          <a:stretch>
-            <a:fillRect/>
-          </a:stretch>
-        </p:blipFill>
-        <p:spPr>
-          <a:xfrm>
-            <a:off x="418143" y="1807520"/>
-            <a:ext cx="5255753" cy="4207903"/>
-          </a:xfrm>
-          <a:prstGeom prst="rect">
-            <a:avLst/>
-          </a:prstGeom>
-        </p:spPr>
-      </p:pic>
-    </p:spTree>
-    <p:extLst>
-      <p:ext uri="{BB962C8B-B14F-4D97-AF65-F5344CB8AC3E}">
-        <p14:creationId xmlns:p14="http://schemas.microsoft.com/office/powerpoint/2010/main" val="2183249124"/>
-      </p:ext>
-    </p:extLst>
-  </p:cSld>
-  <p:clrMapOvr>
-    <a:masterClrMapping/>
-  </p:clrMapOvr>
-</p:sld>
-</file>
-
-<file path=ppt/slides/slide19.xml><?xml version="1.0" encoding="utf-8"?>
-<p:sld xmlns:a="http://schemas.openxmlformats.org/drawingml/2006/main" xmlns:r="http://schemas.openxmlformats.org/officeDocument/2006/relationships" xmlns:p="http://schemas.openxmlformats.org/presentationml/2006/main">
-  <p:cSld>
-    <p:bg>
-      <p:bgPr>
-        <a:solidFill>
-          <a:schemeClr val="bg1"/>
-        </a:solidFill>
-        <a:effectLst/>
-      </p:bgPr>
-    </p:bg>
-    <p:spTree>
-      <p:nvGrpSpPr>
-        <p:cNvPr id="1" name=""/>
-        <p:cNvGrpSpPr/>
-        <p:nvPr/>
-      </p:nvGrpSpPr>
-      <p:grpSpPr>
-        <a:xfrm>
-          <a:off x="0" y="0"/>
-          <a:ext cx="0" cy="0"/>
-          <a:chOff x="0" y="0"/>
-          <a:chExt cx="0" cy="0"/>
-        </a:xfrm>
-      </p:grpSpPr>
-      <p:sp useBgFill="1">
-        <p:nvSpPr>
-          <p:cNvPr id="10" name="Rectangle 9">
-            <a:extLst>
-              <a:ext uri="{FF2B5EF4-FFF2-40B4-BE49-F238E27FC236}">
-                <a16:creationId xmlns:a16="http://schemas.microsoft.com/office/drawing/2014/main" id="{B5FA7C47-B7C1-4D2E-AB49-ED23BA34BA83}"/>
-              </a:ext>
-              <a:ext uri="{C183D7F6-B498-43B3-948B-1728B52AA6E4}">
-                <adec:decorative xmlns:adec="http://schemas.microsoft.com/office/drawing/2017/decorative" val="1"/>
-              </a:ext>
-            </a:extLst>
-          </p:cNvPr>
-          <p:cNvSpPr>
-            <a:spLocks noGrp="1" noRot="1" noChangeAspect="1" noMove="1" noResize="1" noEditPoints="1" noAdjustHandles="1" noChangeArrowheads="1" noChangeShapeType="1" noTextEdit="1"/>
-          </p:cNvSpPr>
-          <p:nvPr>
-            <p:extLst>
-              <p:ext uri="{386F3935-93C4-4BCD-93E2-E3B085C9AB24}">
-                <p16:designElem xmlns:p16="http://schemas.microsoft.com/office/powerpoint/2015/main" val="1"/>
-              </p:ext>
-            </p:extLst>
-          </p:nvPr>
-        </p:nvSpPr>
-        <p:spPr>
-          <a:xfrm>
-            <a:off x="0" y="0"/>
-            <a:ext cx="12188952" cy="6858000"/>
-          </a:xfrm>
-          <a:prstGeom prst="rect">
-            <a:avLst/>
-          </a:prstGeom>
-          <a:ln>
-            <a:noFill/>
-          </a:ln>
-        </p:spPr>
-        <p:style>
-          <a:lnRef idx="2">
-            <a:schemeClr val="accent1">
-              <a:shade val="50000"/>
-            </a:schemeClr>
-          </a:lnRef>
-          <a:fillRef idx="1">
-            <a:schemeClr val="accent1"/>
-          </a:fillRef>
-          <a:effectRef idx="0">
-            <a:schemeClr val="accent1"/>
-          </a:effectRef>
-          <a:fontRef idx="minor">
-            <a:schemeClr val="lt1"/>
-          </a:fontRef>
-        </p:style>
-        <p:txBody>
-          <a:bodyPr rtlCol="0" anchor="ctr"/>
-          <a:lstStyle/>
-          <a:p>
-            <a:pPr algn="ctr"/>
-            <a:endParaRPr lang="en-US"/>
-          </a:p>
-        </p:txBody>
-      </p:sp>
-      <p:sp>
-        <p:nvSpPr>
-          <p:cNvPr id="12" name="Freeform 6">
-            <a:extLst>
-              <a:ext uri="{FF2B5EF4-FFF2-40B4-BE49-F238E27FC236}">
-                <a16:creationId xmlns:a16="http://schemas.microsoft.com/office/drawing/2014/main" id="{596EE156-ABF1-4329-A6BA-03B4254E0877}"/>
-              </a:ext>
-              <a:ext uri="{C183D7F6-B498-43B3-948B-1728B52AA6E4}">
-                <adec:decorative xmlns:adec="http://schemas.microsoft.com/office/drawing/2017/decorative" val="1"/>
-              </a:ext>
-            </a:extLst>
-          </p:cNvPr>
-          <p:cNvSpPr>
-            <a:spLocks noGrp="1" noRot="1" noChangeAspect="1" noMove="1" noResize="1" noEditPoints="1" noAdjustHandles="1" noChangeArrowheads="1" noChangeShapeType="1" noTextEdit="1"/>
-          </p:cNvSpPr>
-          <p:nvPr>
-            <p:extLst>
-              <p:ext uri="{386F3935-93C4-4BCD-93E2-E3B085C9AB24}">
-                <p16:designElem xmlns:p16="http://schemas.microsoft.com/office/powerpoint/2015/main" val="1"/>
-              </p:ext>
-            </p:extLst>
-          </p:nvPr>
-        </p:nvSpPr>
-        <p:spPr bwMode="auto">
-          <a:xfrm flipH="1">
-            <a:off x="521144" y="911116"/>
-            <a:ext cx="687754" cy="5710965"/>
-          </a:xfrm>
-          <a:custGeom>
-            <a:avLst/>
-            <a:gdLst>
-              <a:gd name="T0" fmla="*/ 414 w 414"/>
-              <a:gd name="T1" fmla="*/ 2447 h 2447"/>
-              <a:gd name="T2" fmla="*/ 0 w 414"/>
-              <a:gd name="T3" fmla="*/ 2247 h 2447"/>
-              <a:gd name="T4" fmla="*/ 0 w 414"/>
-              <a:gd name="T5" fmla="*/ 0 h 2447"/>
-              <a:gd name="T6" fmla="*/ 414 w 414"/>
-              <a:gd name="T7" fmla="*/ 200 h 2447"/>
-              <a:gd name="T8" fmla="*/ 414 w 414"/>
-              <a:gd name="T9" fmla="*/ 2447 h 2447"/>
-            </a:gdLst>
-            <a:ahLst/>
-            <a:cxnLst>
-              <a:cxn ang="0">
-                <a:pos x="T0" y="T1"/>
-              </a:cxn>
-              <a:cxn ang="0">
-                <a:pos x="T2" y="T3"/>
-              </a:cxn>
-              <a:cxn ang="0">
-                <a:pos x="T4" y="T5"/>
-              </a:cxn>
-              <a:cxn ang="0">
-                <a:pos x="T6" y="T7"/>
-              </a:cxn>
-              <a:cxn ang="0">
-                <a:pos x="T8" y="T9"/>
-              </a:cxn>
-            </a:cxnLst>
-            <a:rect l="0" t="0" r="r" b="b"/>
-            <a:pathLst>
-              <a:path w="414" h="2447">
-                <a:moveTo>
-                  <a:pt x="414" y="2447"/>
-                </a:moveTo>
-                <a:lnTo>
-                  <a:pt x="0" y="2247"/>
-                </a:lnTo>
-                <a:lnTo>
-                  <a:pt x="0" y="0"/>
-                </a:lnTo>
-                <a:lnTo>
-                  <a:pt x="414" y="200"/>
-                </a:lnTo>
-                <a:lnTo>
-                  <a:pt x="414" y="2447"/>
-                </a:lnTo>
-                <a:close/>
-              </a:path>
-            </a:pathLst>
-          </a:custGeom>
-          <a:solidFill>
-            <a:schemeClr val="accent1">
-              <a:lumMod val="75000"/>
-            </a:schemeClr>
-          </a:solidFill>
-          <a:ln>
-            <a:noFill/>
-          </a:ln>
-        </p:spPr>
-        <p:txBody>
-          <a:bodyPr vert="horz" wrap="square" lIns="91440" tIns="45720" rIns="91440" bIns="45720" numCol="1" anchor="t" anchorCtr="0" compatLnSpc="1">
-            <a:prstTxWarp prst="textNoShape">
-              <a:avLst/>
-            </a:prstTxWarp>
-          </a:bodyPr>
-          <a:lstStyle/>
-          <a:p>
-            <a:endParaRPr lang="en-US"/>
-          </a:p>
-        </p:txBody>
-      </p:sp>
-      <p:sp>
-        <p:nvSpPr>
-          <p:cNvPr id="14" name="Rectangle 8">
-            <a:extLst>
-              <a:ext uri="{FF2B5EF4-FFF2-40B4-BE49-F238E27FC236}">
-                <a16:creationId xmlns:a16="http://schemas.microsoft.com/office/drawing/2014/main" id="{19B9933F-AAB3-444A-8BB5-9CA194A8BC63}"/>
-              </a:ext>
-              <a:ext uri="{C183D7F6-B498-43B3-948B-1728B52AA6E4}">
-                <adec:decorative xmlns:adec="http://schemas.microsoft.com/office/drawing/2017/decorative" val="1"/>
-              </a:ext>
-            </a:extLst>
-          </p:cNvPr>
-          <p:cNvSpPr>
-            <a:spLocks noGrp="1" noRot="1" noChangeAspect="1" noMove="1" noResize="1" noEditPoints="1" noAdjustHandles="1" noChangeArrowheads="1" noChangeShapeType="1" noTextEdit="1"/>
-          </p:cNvSpPr>
-          <p:nvPr>
-            <p:extLst>
-              <p:ext uri="{386F3935-93C4-4BCD-93E2-E3B085C9AB24}">
-                <p16:designElem xmlns:p16="http://schemas.microsoft.com/office/powerpoint/2015/main" val="1"/>
-              </p:ext>
-            </p:extLst>
-          </p:nvPr>
-        </p:nvSpPr>
-        <p:spPr bwMode="auto">
-          <a:xfrm flipH="1">
-            <a:off x="0" y="1370435"/>
-            <a:ext cx="527226" cy="5251646"/>
-          </a:xfrm>
-          <a:prstGeom prst="rect">
-            <a:avLst/>
-          </a:prstGeom>
-          <a:solidFill>
-            <a:schemeClr val="accent1"/>
-          </a:solidFill>
-          <a:ln>
-            <a:noFill/>
-          </a:ln>
-        </p:spPr>
-        <p:txBody>
-          <a:bodyPr vert="horz" wrap="square" lIns="91440" tIns="45720" rIns="91440" bIns="45720" numCol="1" anchor="t" anchorCtr="0" compatLnSpc="1">
-            <a:prstTxWarp prst="textNoShape">
-              <a:avLst/>
-            </a:prstTxWarp>
-          </a:bodyPr>
-          <a:lstStyle/>
-          <a:p>
-            <a:endParaRPr lang="en-US"/>
-          </a:p>
-        </p:txBody>
-      </p:sp>
-      <p:sp>
-        <p:nvSpPr>
-          <p:cNvPr id="16" name="Freeform 7">
-            <a:extLst>
-              <a:ext uri="{FF2B5EF4-FFF2-40B4-BE49-F238E27FC236}">
-                <a16:creationId xmlns:a16="http://schemas.microsoft.com/office/drawing/2014/main" id="{7D20183A-0B1D-4A1F-89B1-ADBEDBC6E54E}"/>
-              </a:ext>
-              <a:ext uri="{C183D7F6-B498-43B3-948B-1728B52AA6E4}">
-                <adec:decorative xmlns:adec="http://schemas.microsoft.com/office/drawing/2017/decorative" val="1"/>
-              </a:ext>
-            </a:extLst>
-          </p:cNvPr>
-          <p:cNvSpPr>
-            <a:spLocks noGrp="1" noRot="1" noChangeAspect="1" noMove="1" noResize="1" noEditPoints="1" noAdjustHandles="1" noChangeArrowheads="1" noChangeShapeType="1" noTextEdit="1"/>
-          </p:cNvSpPr>
-          <p:nvPr>
-            <p:extLst>
-              <p:ext uri="{386F3935-93C4-4BCD-93E2-E3B085C9AB24}">
-                <p16:designElem xmlns:p16="http://schemas.microsoft.com/office/powerpoint/2015/main" val="1"/>
-              </p:ext>
-            </p:extLst>
-          </p:nvPr>
-        </p:nvSpPr>
-        <p:spPr bwMode="auto">
-          <a:xfrm flipH="1">
-            <a:off x="800164" y="643467"/>
-            <a:ext cx="409371" cy="5521414"/>
-          </a:xfrm>
-          <a:custGeom>
-            <a:avLst/>
-            <a:gdLst>
-              <a:gd name="T0" fmla="*/ 209 w 209"/>
-              <a:gd name="T1" fmla="*/ 2246 h 2358"/>
-              <a:gd name="T2" fmla="*/ 0 w 209"/>
-              <a:gd name="T3" fmla="*/ 2358 h 2358"/>
-              <a:gd name="T4" fmla="*/ 0 w 209"/>
-              <a:gd name="T5" fmla="*/ 111 h 2358"/>
-              <a:gd name="T6" fmla="*/ 209 w 209"/>
-              <a:gd name="T7" fmla="*/ 0 h 2358"/>
-              <a:gd name="T8" fmla="*/ 209 w 209"/>
-              <a:gd name="T9" fmla="*/ 2246 h 2358"/>
-            </a:gdLst>
-            <a:ahLst/>
-            <a:cxnLst>
-              <a:cxn ang="0">
-                <a:pos x="T0" y="T1"/>
-              </a:cxn>
-              <a:cxn ang="0">
-                <a:pos x="T2" y="T3"/>
-              </a:cxn>
-              <a:cxn ang="0">
-                <a:pos x="T4" y="T5"/>
-              </a:cxn>
-              <a:cxn ang="0">
-                <a:pos x="T6" y="T7"/>
-              </a:cxn>
-              <a:cxn ang="0">
-                <a:pos x="T8" y="T9"/>
-              </a:cxn>
-            </a:cxnLst>
-            <a:rect l="0" t="0" r="r" b="b"/>
-            <a:pathLst>
-              <a:path w="209" h="2358">
-                <a:moveTo>
-                  <a:pt x="209" y="2246"/>
-                </a:moveTo>
-                <a:lnTo>
-                  <a:pt x="0" y="2358"/>
-                </a:lnTo>
-                <a:lnTo>
-                  <a:pt x="0" y="111"/>
-                </a:lnTo>
-                <a:lnTo>
-                  <a:pt x="209" y="0"/>
-                </a:lnTo>
-                <a:lnTo>
-                  <a:pt x="209" y="2246"/>
-                </a:lnTo>
-                <a:close/>
-              </a:path>
-            </a:pathLst>
-          </a:custGeom>
-          <a:solidFill>
-            <a:schemeClr val="accent1">
-              <a:lumMod val="50000"/>
-            </a:schemeClr>
-          </a:solidFill>
-          <a:ln>
-            <a:noFill/>
-          </a:ln>
-        </p:spPr>
-        <p:txBody>
-          <a:bodyPr vert="horz" wrap="square" lIns="91440" tIns="45720" rIns="91440" bIns="45720" numCol="1" anchor="t" anchorCtr="0" compatLnSpc="1">
-            <a:prstTxWarp prst="textNoShape">
-              <a:avLst/>
-            </a:prstTxWarp>
-          </a:bodyPr>
-          <a:lstStyle/>
-          <a:p>
-            <a:endParaRPr lang="en-US"/>
-          </a:p>
-        </p:txBody>
-      </p:sp>
-      <p:sp>
-        <p:nvSpPr>
           <p:cNvPr id="18" name="Rectangle 8">
             <a:extLst>
               <a:ext uri="{FF2B5EF4-FFF2-40B4-BE49-F238E27FC236}">
@@ -7253,7 +6906,7 @@
           <a:p>
             <a:r>
               <a:rPr lang="en-US" dirty="0"/>
-              <a:t>I was a “victim of visiting a doctor’s office without insurance” 18 years ago for a generic cold, it was $50</a:t>
+              <a:t>I was a “victim of visiting a doctor’s office without insurance” 18 years ago for a generic cold</a:t>
             </a:r>
           </a:p>
           <a:p>
@@ -8453,7 +8106,7 @@
             <a:pPr lvl="1"/>
             <a:r>
               <a:rPr lang="en-US" dirty="0"/>
-              <a:t>Need factors like medical history, alcohol drinking habit, cholesterol and blood sugar level, blood pressure…</a:t>
+              <a:t>It would be better if included factors like medical history like cholesterol and blood sugar level, blood pressure, any chronic illnesses…</a:t>
             </a:r>
           </a:p>
           <a:p>
@@ -8569,17 +8222,21 @@
             </a:r>
           </a:p>
           <a:p>
+            <a:pPr lvl="1"/>
             <a:r>
               <a:rPr lang="en-US" dirty="0"/>
-              <a:t>The data is at least 6 years old, the number may not reflect the current reality due to inflation, or the cost </a:t>
+              <a:t>Quality of service might not be </a:t>
             </a:r>
             <a:r>
               <a:rPr lang="en-US"/>
-              <a:t>might change </a:t>
-            </a:r>
+              <a:t>the same </a:t>
+            </a:r>
+            <a:endParaRPr lang="en-US" dirty="0"/>
+          </a:p>
+          <a:p>
             <a:r>
               <a:rPr lang="en-US" dirty="0"/>
-              <a:t>due to more efficient technology </a:t>
+              <a:t>The data is at least 6 years old, the number may not reflect the current reality due to inflation, or the cost might change due to more efficient technology </a:t>
             </a:r>
           </a:p>
         </p:txBody>
@@ -9972,7 +9629,7 @@
       </p:grpSpPr>
       <p:sp useBgFill="1">
         <p:nvSpPr>
-          <p:cNvPr id="10" name="Rectangle 9">
+          <p:cNvPr id="12" name="Rectangle 11">
             <a:extLst>
               <a:ext uri="{FF2B5EF4-FFF2-40B4-BE49-F238E27FC236}">
                 <a16:creationId xmlns:a16="http://schemas.microsoft.com/office/drawing/2014/main" id="{B5FA7C47-B7C1-4D2E-AB49-ED23BA34BA83}"/>
@@ -10032,7 +9689,7 @@
       </p:sp>
       <p:sp>
         <p:nvSpPr>
-          <p:cNvPr id="12" name="Freeform 6">
+          <p:cNvPr id="14" name="Freeform 6">
             <a:extLst>
               <a:ext uri="{FF2B5EF4-FFF2-40B4-BE49-F238E27FC236}">
                 <a16:creationId xmlns:a16="http://schemas.microsoft.com/office/drawing/2014/main" id="{596EE156-ABF1-4329-A6BA-03B4254E0877}"/>
@@ -10135,7 +9792,7 @@
       </p:sp>
       <p:sp>
         <p:nvSpPr>
-          <p:cNvPr id="14" name="Rectangle 8">
+          <p:cNvPr id="16" name="Rectangle 8">
             <a:extLst>
               <a:ext uri="{FF2B5EF4-FFF2-40B4-BE49-F238E27FC236}">
                 <a16:creationId xmlns:a16="http://schemas.microsoft.com/office/drawing/2014/main" id="{19B9933F-AAB3-444A-8BB5-9CA194A8BC63}"/>
@@ -10185,7 +9842,7 @@
       </p:sp>
       <p:sp>
         <p:nvSpPr>
-          <p:cNvPr id="16" name="Freeform 7">
+          <p:cNvPr id="18" name="Freeform 7">
             <a:extLst>
               <a:ext uri="{FF2B5EF4-FFF2-40B4-BE49-F238E27FC236}">
                 <a16:creationId xmlns:a16="http://schemas.microsoft.com/office/drawing/2014/main" id="{7D20183A-0B1D-4A1F-89B1-ADBEDBC6E54E}"/>
@@ -10288,7 +9945,7 @@
       </p:sp>
       <p:sp>
         <p:nvSpPr>
-          <p:cNvPr id="18" name="Rectangle 8">
+          <p:cNvPr id="20" name="Rectangle 8">
             <a:extLst>
               <a:ext uri="{FF2B5EF4-FFF2-40B4-BE49-F238E27FC236}">
                 <a16:creationId xmlns:a16="http://schemas.microsoft.com/office/drawing/2014/main" id="{131031D3-26CD-4214-A9A4-5857EFA15A0C}"/>
@@ -10341,7 +9998,7 @@
           <p:cNvPr id="2" name="Title 1">
             <a:extLst>
               <a:ext uri="{FF2B5EF4-FFF2-40B4-BE49-F238E27FC236}">
-                <a16:creationId xmlns:a16="http://schemas.microsoft.com/office/drawing/2014/main" id="{7A1CA12C-33D1-9D44-8083-9313F91AD3CE}"/>
+                <a16:creationId xmlns:a16="http://schemas.microsoft.com/office/drawing/2014/main" id="{4C825FFB-0210-E148-8A57-7389A7244439}"/>
               </a:ext>
             </a:extLst>
           </p:cNvPr>
@@ -10370,17 +10027,17 @@
                   <a:srgbClr val="FFFFFF"/>
                 </a:solidFill>
               </a:rPr>
-              <a:t>Exploratory Data Analysis</a:t>
-            </a:r>
-          </a:p>
-        </p:txBody>
-      </p:sp>
-      <p:sp>
-        <p:nvSpPr>
-          <p:cNvPr id="3" name="Content Placeholder 2">
-            <a:extLst>
-              <a:ext uri="{FF2B5EF4-FFF2-40B4-BE49-F238E27FC236}">
-                <a16:creationId xmlns:a16="http://schemas.microsoft.com/office/drawing/2014/main" id="{D9B260BE-F483-6640-91BF-982650EEC8D7}"/>
+              <a:t>Patients’ BMI classes</a:t>
+            </a:r>
+          </a:p>
+        </p:txBody>
+      </p:sp>
+      <p:sp>
+        <p:nvSpPr>
+          <p:cNvPr id="9" name="Content Placeholder 8">
+            <a:extLst>
+              <a:ext uri="{FF2B5EF4-FFF2-40B4-BE49-F238E27FC236}">
+                <a16:creationId xmlns:a16="http://schemas.microsoft.com/office/drawing/2014/main" id="{15D87725-3542-453E-B6DC-5FFDC46C23AA}"/>
               </a:ext>
             </a:extLst>
           </p:cNvPr>
@@ -10393,8 +10050,8 @@
         </p:nvSpPr>
         <p:spPr>
           <a:xfrm>
-            <a:off x="1139635" y="2469961"/>
-            <a:ext cx="3200451" cy="3062129"/>
+            <a:off x="1139635" y="2546161"/>
+            <a:ext cx="3200451" cy="2985929"/>
           </a:xfrm>
         </p:spPr>
         <p:txBody>
@@ -10403,71 +10060,33 @@
           </a:bodyPr>
           <a:lstStyle/>
           <a:p>
-            <a:pPr marL="0" indent="0">
-              <a:buNone/>
-            </a:pPr>
-            <a:r>
-              <a:rPr lang="en-US" sz="2200" dirty="0">
+            <a:r>
+              <a:rPr lang="en-US" sz="2400" dirty="0">
                 <a:solidFill>
                   <a:srgbClr val="FEFFFF"/>
                 </a:solidFill>
               </a:rPr>
-              <a:t>Among the 1338 patients</a:t>
-            </a:r>
-          </a:p>
-          <a:p>
-            <a:r>
-              <a:rPr lang="en-US" sz="2200" dirty="0">
-                <a:solidFill>
-                  <a:srgbClr val="FEFFFF"/>
-                </a:solidFill>
-              </a:rPr>
-              <a:t>676 male, 662 female</a:t>
-            </a:r>
-          </a:p>
-          <a:p>
-            <a:r>
-              <a:rPr lang="en-US" sz="2200" dirty="0">
-                <a:solidFill>
-                  <a:srgbClr val="FEFFFF"/>
-                </a:solidFill>
-              </a:rPr>
-              <a:t>364 of them are from SE, 325 from NW, 325 from SW, 324 from NE</a:t>
-            </a:r>
-          </a:p>
-          <a:p>
-            <a:r>
-              <a:rPr lang="en-US" sz="2200" dirty="0">
-                <a:solidFill>
-                  <a:srgbClr val="FEFFFF"/>
-                </a:solidFill>
-              </a:rPr>
-              <a:t>Highest correlation to the charges is smoking status, age and BMI</a:t>
-            </a:r>
-          </a:p>
-          <a:p>
-            <a:endParaRPr lang="en-US" sz="2200" dirty="0">
+              <a:t>More than half of the patients are obese</a:t>
+            </a:r>
+          </a:p>
+          <a:p>
+            <a:pPr marL="0" indent="0">
+              <a:buNone/>
+            </a:pPr>
+            <a:endParaRPr lang="en-US" sz="2400" dirty="0">
               <a:solidFill>
                 <a:srgbClr val="FEFFFF"/>
               </a:solidFill>
             </a:endParaRPr>
           </a:p>
-          <a:p>
-            <a:pPr lvl="1"/>
-            <a:endParaRPr lang="en-US" sz="2200" dirty="0">
-              <a:solidFill>
-                <a:srgbClr val="FEFFFF"/>
-              </a:solidFill>
-            </a:endParaRPr>
-          </a:p>
         </p:txBody>
       </p:sp>
       <p:pic>
         <p:nvPicPr>
-          <p:cNvPr id="5" name="Picture 4" descr="A picture containing text&#10;&#10;Description automatically generated">
-            <a:extLst>
-              <a:ext uri="{FF2B5EF4-FFF2-40B4-BE49-F238E27FC236}">
-                <a16:creationId xmlns:a16="http://schemas.microsoft.com/office/drawing/2014/main" id="{B8C4FF98-171A-8042-ABC4-B2171113DECF}"/>
+          <p:cNvPr id="5" name="Content Placeholder 4" descr="Text, letter&#10;&#10;Description automatically generated">
+            <a:extLst>
+              <a:ext uri="{FF2B5EF4-FFF2-40B4-BE49-F238E27FC236}">
+                <a16:creationId xmlns:a16="http://schemas.microsoft.com/office/drawing/2014/main" id="{7B43A4F5-0C3A-7F44-BE7A-BD97E34CCE66}"/>
               </a:ext>
             </a:extLst>
           </p:cNvPr>
@@ -10484,8 +10103,8 @@
         </p:blipFill>
         <p:spPr>
           <a:xfrm>
-            <a:off x="4998268" y="1025711"/>
-            <a:ext cx="6539075" cy="4487158"/>
+            <a:off x="4745027" y="1052056"/>
+            <a:ext cx="7443925" cy="4480034"/>
           </a:xfrm>
           <a:prstGeom prst="rect">
             <a:avLst/>
@@ -10495,7 +10114,7 @@
     </p:spTree>
     <p:extLst>
       <p:ext uri="{BB962C8B-B14F-4D97-AF65-F5344CB8AC3E}">
-        <p14:creationId xmlns:p14="http://schemas.microsoft.com/office/powerpoint/2010/main" val="3197947439"/>
+        <p14:creationId xmlns:p14="http://schemas.microsoft.com/office/powerpoint/2010/main" val="2523004680"/>
       </p:ext>
     </p:extLst>
   </p:cSld>
@@ -10506,222 +10125,6 @@
 </file>
 
 <file path=ppt/slides/slide7.xml><?xml version="1.0" encoding="utf-8"?>
-<p:sld xmlns:a="http://schemas.openxmlformats.org/drawingml/2006/main" xmlns:r="http://schemas.openxmlformats.org/officeDocument/2006/relationships" xmlns:p="http://schemas.openxmlformats.org/presentationml/2006/main">
-  <p:cSld>
-    <p:bg>
-      <p:bgPr>
-        <a:solidFill>
-          <a:schemeClr val="bg1"/>
-        </a:solidFill>
-        <a:effectLst/>
-      </p:bgPr>
-    </p:bg>
-    <p:spTree>
-      <p:nvGrpSpPr>
-        <p:cNvPr id="1" name=""/>
-        <p:cNvGrpSpPr/>
-        <p:nvPr/>
-      </p:nvGrpSpPr>
-      <p:grpSpPr>
-        <a:xfrm>
-          <a:off x="0" y="0"/>
-          <a:ext cx="0" cy="0"/>
-          <a:chOff x="0" y="0"/>
-          <a:chExt cx="0" cy="0"/>
-        </a:xfrm>
-      </p:grpSpPr>
-      <p:sp>
-        <p:nvSpPr>
-          <p:cNvPr id="10" name="Rectangle 9">
-            <a:extLst>
-              <a:ext uri="{FF2B5EF4-FFF2-40B4-BE49-F238E27FC236}">
-                <a16:creationId xmlns:a16="http://schemas.microsoft.com/office/drawing/2014/main" id="{A4AC5506-6312-4701-8D3C-40187889A947}"/>
-              </a:ext>
-              <a:ext uri="{C183D7F6-B498-43B3-948B-1728B52AA6E4}">
-                <adec:decorative xmlns:adec="http://schemas.microsoft.com/office/drawing/2017/decorative" val="1"/>
-              </a:ext>
-            </a:extLst>
-          </p:cNvPr>
-          <p:cNvSpPr>
-            <a:spLocks noGrp="1" noRot="1" noChangeAspect="1" noMove="1" noResize="1" noEditPoints="1" noAdjustHandles="1" noChangeArrowheads="1" noChangeShapeType="1" noTextEdit="1"/>
-          </p:cNvSpPr>
-          <p:nvPr>
-            <p:extLst>
-              <p:ext uri="{386F3935-93C4-4BCD-93E2-E3B085C9AB24}">
-                <p16:designElem xmlns:p16="http://schemas.microsoft.com/office/powerpoint/2015/main" val="1"/>
-              </p:ext>
-            </p:extLst>
-          </p:nvPr>
-        </p:nvSpPr>
-        <p:spPr>
-          <a:xfrm>
-            <a:off x="0" y="651752"/>
-            <a:ext cx="12192000" cy="736551"/>
-          </a:xfrm>
-          <a:prstGeom prst="rect">
-            <a:avLst/>
-          </a:prstGeom>
-          <a:solidFill>
-            <a:schemeClr val="tx1"/>
-          </a:solidFill>
-          <a:ln>
-            <a:noFill/>
-          </a:ln>
-        </p:spPr>
-        <p:style>
-          <a:lnRef idx="2">
-            <a:schemeClr val="accent1">
-              <a:shade val="50000"/>
-            </a:schemeClr>
-          </a:lnRef>
-          <a:fillRef idx="1">
-            <a:schemeClr val="accent1"/>
-          </a:fillRef>
-          <a:effectRef idx="0">
-            <a:schemeClr val="accent1"/>
-          </a:effectRef>
-          <a:fontRef idx="minor">
-            <a:schemeClr val="lt1"/>
-          </a:fontRef>
-        </p:style>
-        <p:txBody>
-          <a:bodyPr rtlCol="0" anchor="ctr"/>
-          <a:lstStyle/>
-          <a:p>
-            <a:pPr algn="ctr"/>
-            <a:endParaRPr lang="en-US"/>
-          </a:p>
-        </p:txBody>
-      </p:sp>
-      <p:sp>
-        <p:nvSpPr>
-          <p:cNvPr id="2" name="Title 1">
-            <a:extLst>
-              <a:ext uri="{FF2B5EF4-FFF2-40B4-BE49-F238E27FC236}">
-                <a16:creationId xmlns:a16="http://schemas.microsoft.com/office/drawing/2014/main" id="{DDCAC141-6DE2-5642-8158-10A6567CF320}"/>
-              </a:ext>
-            </a:extLst>
-          </p:cNvPr>
-          <p:cNvSpPr>
-            <a:spLocks noGrp="1"/>
-          </p:cNvSpPr>
-          <p:nvPr>
-            <p:ph type="title"/>
-          </p:nvPr>
-        </p:nvSpPr>
-        <p:spPr>
-          <a:xfrm>
-            <a:off x="556532" y="643467"/>
-            <a:ext cx="11210925" cy="744836"/>
-          </a:xfrm>
-        </p:spPr>
-        <p:txBody>
-          <a:bodyPr vert="horz" lIns="91440" tIns="45720" rIns="91440" bIns="45720" rtlCol="0" anchor="ctr">
-            <a:normAutofit/>
-          </a:bodyPr>
-          <a:lstStyle/>
-          <a:p>
-            <a:pPr algn="ctr"/>
-            <a:r>
-              <a:rPr lang="en-US" sz="3200" dirty="0">
-                <a:solidFill>
-                  <a:schemeClr val="bg1"/>
-                </a:solidFill>
-              </a:rPr>
-              <a:t>How much did each patients paid</a:t>
-            </a:r>
-            <a:endParaRPr lang="en-US" sz="3200" kern="1200" dirty="0">
-              <a:solidFill>
-                <a:schemeClr val="bg1"/>
-              </a:solidFill>
-              <a:latin typeface="+mj-lt"/>
-              <a:ea typeface="+mj-ea"/>
-              <a:cs typeface="+mj-cs"/>
-            </a:endParaRPr>
-          </a:p>
-        </p:txBody>
-      </p:sp>
-      <p:pic>
-        <p:nvPicPr>
-          <p:cNvPr id="5" name="Content Placeholder 4" descr="Chart, scatter chart&#10;&#10;Description automatically generated">
-            <a:extLst>
-              <a:ext uri="{FF2B5EF4-FFF2-40B4-BE49-F238E27FC236}">
-                <a16:creationId xmlns:a16="http://schemas.microsoft.com/office/drawing/2014/main" id="{0D2A1117-E434-304E-BAD4-C0254412B868}"/>
-              </a:ext>
-            </a:extLst>
-          </p:cNvPr>
-          <p:cNvPicPr>
-            <a:picLocks noGrp="1" noChangeAspect="1"/>
-          </p:cNvPicPr>
-          <p:nvPr>
-            <p:ph idx="1"/>
-          </p:nvPr>
-        </p:nvPicPr>
-        <p:blipFill>
-          <a:blip r:embed="rId3"/>
-          <a:stretch>
-            <a:fillRect/>
-          </a:stretch>
-        </p:blipFill>
-        <p:spPr>
-          <a:xfrm>
-            <a:off x="1431821" y="1675227"/>
-            <a:ext cx="8869154" cy="4634133"/>
-          </a:xfrm>
-          <a:prstGeom prst="rect">
-            <a:avLst/>
-          </a:prstGeom>
-        </p:spPr>
-      </p:pic>
-      <p:sp>
-        <p:nvSpPr>
-          <p:cNvPr id="4" name="TextBox 3">
-            <a:extLst>
-              <a:ext uri="{FF2B5EF4-FFF2-40B4-BE49-F238E27FC236}">
-                <a16:creationId xmlns:a16="http://schemas.microsoft.com/office/drawing/2014/main" id="{9E07BDB8-5E3B-0E45-8934-E64BD2F1827A}"/>
-              </a:ext>
-            </a:extLst>
-          </p:cNvPr>
-          <p:cNvSpPr txBox="1"/>
-          <p:nvPr/>
-        </p:nvSpPr>
-        <p:spPr>
-          <a:xfrm>
-            <a:off x="5247594" y="6309360"/>
-            <a:ext cx="1828800" cy="369332"/>
-          </a:xfrm>
-          <a:prstGeom prst="rect">
-            <a:avLst/>
-          </a:prstGeom>
-          <a:noFill/>
-        </p:spPr>
-        <p:txBody>
-          <a:bodyPr wrap="square" rtlCol="0">
-            <a:spAutoFit/>
-          </a:bodyPr>
-          <a:lstStyle/>
-          <a:p>
-            <a:r>
-              <a:rPr lang="en-US" dirty="0"/>
-              <a:t>Age: 18-64</a:t>
-            </a:r>
-          </a:p>
-        </p:txBody>
-      </p:sp>
-    </p:spTree>
-    <p:extLst>
-      <p:ext uri="{BB962C8B-B14F-4D97-AF65-F5344CB8AC3E}">
-        <p14:creationId xmlns:p14="http://schemas.microsoft.com/office/powerpoint/2010/main" val="1464701513"/>
-      </p:ext>
-    </p:extLst>
-  </p:cSld>
-  <p:clrMapOvr>
-    <a:masterClrMapping/>
-  </p:clrMapOvr>
-</p:sld>
-</file>
-
-<file path=ppt/slides/slide8.xml><?xml version="1.0" encoding="utf-8"?>
 <p:sld xmlns:a="http://schemas.openxmlformats.org/drawingml/2006/main" xmlns:r="http://schemas.openxmlformats.org/officeDocument/2006/relationships" xmlns:p="http://schemas.openxmlformats.org/presentationml/2006/main">
   <p:cSld>
     <p:bg>
@@ -11117,7 +10520,7 @@
           <p:cNvPr id="2" name="Title 1">
             <a:extLst>
               <a:ext uri="{FF2B5EF4-FFF2-40B4-BE49-F238E27FC236}">
-                <a16:creationId xmlns:a16="http://schemas.microsoft.com/office/drawing/2014/main" id="{0A7CFF6E-0A19-8C4F-96D2-6AA2C536F131}"/>
+                <a16:creationId xmlns:a16="http://schemas.microsoft.com/office/drawing/2014/main" id="{7A1CA12C-33D1-9D44-8083-9313F91AD3CE}"/>
               </a:ext>
             </a:extLst>
           </p:cNvPr>
@@ -11141,12 +10544,12 @@
           <a:lstStyle/>
           <a:p>
             <a:r>
-              <a:rPr lang="en-US" sz="3300" dirty="0">
+              <a:rPr lang="en-US" sz="3600" dirty="0">
                 <a:solidFill>
                   <a:srgbClr val="FFFFFF"/>
                 </a:solidFill>
               </a:rPr>
-              <a:t>Sorry, the graph earlier was a bit misleading</a:t>
+              <a:t>Exploratory Data Analysis</a:t>
             </a:r>
           </a:p>
         </p:txBody>
@@ -11156,7 +10559,7 @@
           <p:cNvPr id="3" name="Content Placeholder 2">
             <a:extLst>
               <a:ext uri="{FF2B5EF4-FFF2-40B4-BE49-F238E27FC236}">
-                <a16:creationId xmlns:a16="http://schemas.microsoft.com/office/drawing/2014/main" id="{BD1E0ADF-BBFC-2F44-A20C-7F670AD90159}"/>
+                <a16:creationId xmlns:a16="http://schemas.microsoft.com/office/drawing/2014/main" id="{D9B260BE-F483-6640-91BF-982650EEC8D7}"/>
               </a:ext>
             </a:extLst>
           </p:cNvPr>
@@ -11169,43 +10572,81 @@
         </p:nvSpPr>
         <p:spPr>
           <a:xfrm>
-            <a:off x="1139635" y="2546161"/>
-            <a:ext cx="3200451" cy="2985929"/>
+            <a:off x="1139635" y="2469961"/>
+            <a:ext cx="3200451" cy="3062129"/>
           </a:xfrm>
         </p:spPr>
         <p:txBody>
           <a:bodyPr anchor="t">
-            <a:normAutofit lnSpcReduction="10000"/>
+            <a:normAutofit/>
           </a:bodyPr>
           <a:lstStyle/>
           <a:p>
-            <a:r>
-              <a:rPr lang="en-US" sz="2400" dirty="0">
+            <a:pPr marL="0" indent="0">
+              <a:buNone/>
+            </a:pPr>
+            <a:r>
+              <a:rPr lang="en-US" sz="2200" dirty="0">
                 <a:solidFill>
                   <a:srgbClr val="FEFFFF"/>
                 </a:solidFill>
               </a:rPr>
-              <a:t>The non-smokers were stacking together in the bottom thus can’t see them well, here’s are how much do each patients </a:t>
-            </a:r>
-          </a:p>
-          <a:p>
-            <a:r>
-              <a:rPr lang="en-US" sz="2400" dirty="0">
+              <a:t>Among the 1338 patients</a:t>
+            </a:r>
+          </a:p>
+          <a:p>
+            <a:r>
+              <a:rPr lang="en-US" sz="2200" dirty="0">
                 <a:solidFill>
                   <a:srgbClr val="FEFFFF"/>
                 </a:solidFill>
               </a:rPr>
-              <a:t>Most patients spent less than $20,000</a:t>
-            </a:r>
+              <a:t>676 male, 662 female</a:t>
+            </a:r>
+          </a:p>
+          <a:p>
+            <a:r>
+              <a:rPr lang="en-US" sz="2200" dirty="0">
+                <a:solidFill>
+                  <a:srgbClr val="FEFFFF"/>
+                </a:solidFill>
+              </a:rPr>
+              <a:t>364 of them are from SE, 325 from NW, 325 from SW, 324 from NE</a:t>
+            </a:r>
+          </a:p>
+          <a:p>
+            <a:r>
+              <a:rPr lang="en-US" sz="2200" dirty="0">
+                <a:solidFill>
+                  <a:srgbClr val="FEFFFF"/>
+                </a:solidFill>
+              </a:rPr>
+              <a:t>Highest correlation to the charges is smoking status, age and BMI</a:t>
+            </a:r>
+          </a:p>
+          <a:p>
+            <a:endParaRPr lang="en-US" sz="2200" dirty="0">
+              <a:solidFill>
+                <a:srgbClr val="FEFFFF"/>
+              </a:solidFill>
+            </a:endParaRPr>
+          </a:p>
+          <a:p>
+            <a:pPr lvl="1"/>
+            <a:endParaRPr lang="en-US" sz="2200" dirty="0">
+              <a:solidFill>
+                <a:srgbClr val="FEFFFF"/>
+              </a:solidFill>
+            </a:endParaRPr>
           </a:p>
         </p:txBody>
       </p:sp>
       <p:pic>
         <p:nvPicPr>
-          <p:cNvPr id="5" name="Picture 4" descr="A screenshot of a computer&#10;&#10;Description automatically generated with low confidence">
-            <a:extLst>
-              <a:ext uri="{FF2B5EF4-FFF2-40B4-BE49-F238E27FC236}">
-                <a16:creationId xmlns:a16="http://schemas.microsoft.com/office/drawing/2014/main" id="{BA9166E2-F8F8-C749-8F34-B3D64F05EA8C}"/>
+          <p:cNvPr id="5" name="Picture 4" descr="A picture containing text&#10;&#10;Description automatically generated">
+            <a:extLst>
+              <a:ext uri="{FF2B5EF4-FFF2-40B4-BE49-F238E27FC236}">
+                <a16:creationId xmlns:a16="http://schemas.microsoft.com/office/drawing/2014/main" id="{B8C4FF98-171A-8042-ABC4-B2171113DECF}"/>
               </a:ext>
             </a:extLst>
           </p:cNvPr>
@@ -11213,6 +10654,187 @@
             <a:picLocks noChangeAspect="1"/>
           </p:cNvPicPr>
           <p:nvPr/>
+        </p:nvPicPr>
+        <p:blipFill>
+          <a:blip r:embed="rId2"/>
+          <a:stretch>
+            <a:fillRect/>
+          </a:stretch>
+        </p:blipFill>
+        <p:spPr>
+          <a:xfrm>
+            <a:off x="4998268" y="1025711"/>
+            <a:ext cx="6539075" cy="4487158"/>
+          </a:xfrm>
+          <a:prstGeom prst="rect">
+            <a:avLst/>
+          </a:prstGeom>
+        </p:spPr>
+      </p:pic>
+    </p:spTree>
+    <p:extLst>
+      <p:ext uri="{BB962C8B-B14F-4D97-AF65-F5344CB8AC3E}">
+        <p14:creationId xmlns:p14="http://schemas.microsoft.com/office/powerpoint/2010/main" val="3197947439"/>
+      </p:ext>
+    </p:extLst>
+  </p:cSld>
+  <p:clrMapOvr>
+    <a:masterClrMapping/>
+  </p:clrMapOvr>
+</p:sld>
+</file>
+
+<file path=ppt/slides/slide8.xml><?xml version="1.0" encoding="utf-8"?>
+<p:sld xmlns:a="http://schemas.openxmlformats.org/drawingml/2006/main" xmlns:r="http://schemas.openxmlformats.org/officeDocument/2006/relationships" xmlns:p="http://schemas.openxmlformats.org/presentationml/2006/main">
+  <p:cSld>
+    <p:bg>
+      <p:bgPr>
+        <a:solidFill>
+          <a:schemeClr val="bg1"/>
+        </a:solidFill>
+        <a:effectLst/>
+      </p:bgPr>
+    </p:bg>
+    <p:spTree>
+      <p:nvGrpSpPr>
+        <p:cNvPr id="1" name=""/>
+        <p:cNvGrpSpPr/>
+        <p:nvPr/>
+      </p:nvGrpSpPr>
+      <p:grpSpPr>
+        <a:xfrm>
+          <a:off x="0" y="0"/>
+          <a:ext cx="0" cy="0"/>
+          <a:chOff x="0" y="0"/>
+          <a:chExt cx="0" cy="0"/>
+        </a:xfrm>
+      </p:grpSpPr>
+      <p:sp>
+        <p:nvSpPr>
+          <p:cNvPr id="10" name="Rectangle 9">
+            <a:extLst>
+              <a:ext uri="{FF2B5EF4-FFF2-40B4-BE49-F238E27FC236}">
+                <a16:creationId xmlns:a16="http://schemas.microsoft.com/office/drawing/2014/main" id="{A4AC5506-6312-4701-8D3C-40187889A947}"/>
+              </a:ext>
+              <a:ext uri="{C183D7F6-B498-43B3-948B-1728B52AA6E4}">
+                <adec:decorative xmlns:adec="http://schemas.microsoft.com/office/drawing/2017/decorative" val="1"/>
+              </a:ext>
+            </a:extLst>
+          </p:cNvPr>
+          <p:cNvSpPr>
+            <a:spLocks noGrp="1" noRot="1" noChangeAspect="1" noMove="1" noResize="1" noEditPoints="1" noAdjustHandles="1" noChangeArrowheads="1" noChangeShapeType="1" noTextEdit="1"/>
+          </p:cNvSpPr>
+          <p:nvPr>
+            <p:extLst>
+              <p:ext uri="{386F3935-93C4-4BCD-93E2-E3B085C9AB24}">
+                <p16:designElem xmlns:p16="http://schemas.microsoft.com/office/powerpoint/2015/main" val="1"/>
+              </p:ext>
+            </p:extLst>
+          </p:nvPr>
+        </p:nvSpPr>
+        <p:spPr>
+          <a:xfrm>
+            <a:off x="0" y="651752"/>
+            <a:ext cx="12192000" cy="736551"/>
+          </a:xfrm>
+          <a:prstGeom prst="rect">
+            <a:avLst/>
+          </a:prstGeom>
+          <a:solidFill>
+            <a:schemeClr val="tx1"/>
+          </a:solidFill>
+          <a:ln>
+            <a:noFill/>
+          </a:ln>
+        </p:spPr>
+        <p:style>
+          <a:lnRef idx="2">
+            <a:schemeClr val="accent1">
+              <a:shade val="50000"/>
+            </a:schemeClr>
+          </a:lnRef>
+          <a:fillRef idx="1">
+            <a:schemeClr val="accent1"/>
+          </a:fillRef>
+          <a:effectRef idx="0">
+            <a:schemeClr val="accent1"/>
+          </a:effectRef>
+          <a:fontRef idx="minor">
+            <a:schemeClr val="lt1"/>
+          </a:fontRef>
+        </p:style>
+        <p:txBody>
+          <a:bodyPr rtlCol="0" anchor="ctr"/>
+          <a:lstStyle/>
+          <a:p>
+            <a:pPr algn="ctr"/>
+            <a:endParaRPr lang="en-US"/>
+          </a:p>
+        </p:txBody>
+      </p:sp>
+      <p:sp>
+        <p:nvSpPr>
+          <p:cNvPr id="2" name="Title 1">
+            <a:extLst>
+              <a:ext uri="{FF2B5EF4-FFF2-40B4-BE49-F238E27FC236}">
+                <a16:creationId xmlns:a16="http://schemas.microsoft.com/office/drawing/2014/main" id="{DDCAC141-6DE2-5642-8158-10A6567CF320}"/>
+              </a:ext>
+            </a:extLst>
+          </p:cNvPr>
+          <p:cNvSpPr>
+            <a:spLocks noGrp="1"/>
+          </p:cNvSpPr>
+          <p:nvPr>
+            <p:ph type="title"/>
+          </p:nvPr>
+        </p:nvSpPr>
+        <p:spPr>
+          <a:xfrm>
+            <a:off x="556532" y="643467"/>
+            <a:ext cx="11210925" cy="744836"/>
+          </a:xfrm>
+        </p:spPr>
+        <p:txBody>
+          <a:bodyPr vert="horz" lIns="91440" tIns="45720" rIns="91440" bIns="45720" rtlCol="0" anchor="ctr">
+            <a:normAutofit/>
+          </a:bodyPr>
+          <a:lstStyle/>
+          <a:p>
+            <a:pPr algn="ctr"/>
+            <a:r>
+              <a:rPr lang="en-US" sz="3200" dirty="0">
+                <a:solidFill>
+                  <a:schemeClr val="bg1"/>
+                </a:solidFill>
+              </a:rPr>
+              <a:t>How much did each patients paid</a:t>
+            </a:r>
+            <a:endParaRPr lang="en-US" sz="3200" kern="1200" dirty="0">
+              <a:solidFill>
+                <a:schemeClr val="bg1"/>
+              </a:solidFill>
+              <a:latin typeface="+mj-lt"/>
+              <a:ea typeface="+mj-ea"/>
+              <a:cs typeface="+mj-cs"/>
+            </a:endParaRPr>
+          </a:p>
+        </p:txBody>
+      </p:sp>
+      <p:pic>
+        <p:nvPicPr>
+          <p:cNvPr id="5" name="Content Placeholder 4" descr="Chart, scatter chart&#10;&#10;Description automatically generated">
+            <a:extLst>
+              <a:ext uri="{FF2B5EF4-FFF2-40B4-BE49-F238E27FC236}">
+                <a16:creationId xmlns:a16="http://schemas.microsoft.com/office/drawing/2014/main" id="{0D2A1117-E434-304E-BAD4-C0254412B868}"/>
+              </a:ext>
+            </a:extLst>
+          </p:cNvPr>
+          <p:cNvPicPr>
+            <a:picLocks noGrp="1" noChangeAspect="1"/>
+          </p:cNvPicPr>
+          <p:nvPr>
+            <p:ph idx="1"/>
+          </p:nvPr>
         </p:nvPicPr>
         <p:blipFill>
           <a:blip r:embed="rId3"/>
@@ -11222,18 +10844,53 @@
         </p:blipFill>
         <p:spPr>
           <a:xfrm>
-            <a:off x="4759587" y="796834"/>
-            <a:ext cx="7341485" cy="4735256"/>
+            <a:off x="1431821" y="1675227"/>
+            <a:ext cx="8869154" cy="4634133"/>
           </a:xfrm>
           <a:prstGeom prst="rect">
             <a:avLst/>
           </a:prstGeom>
         </p:spPr>
       </p:pic>
+      <p:sp>
+        <p:nvSpPr>
+          <p:cNvPr id="4" name="TextBox 3">
+            <a:extLst>
+              <a:ext uri="{FF2B5EF4-FFF2-40B4-BE49-F238E27FC236}">
+                <a16:creationId xmlns:a16="http://schemas.microsoft.com/office/drawing/2014/main" id="{9E07BDB8-5E3B-0E45-8934-E64BD2F1827A}"/>
+              </a:ext>
+            </a:extLst>
+          </p:cNvPr>
+          <p:cNvSpPr txBox="1"/>
+          <p:nvPr/>
+        </p:nvSpPr>
+        <p:spPr>
+          <a:xfrm>
+            <a:off x="4815108" y="6309360"/>
+            <a:ext cx="1828800" cy="369332"/>
+          </a:xfrm>
+          <a:prstGeom prst="rect">
+            <a:avLst/>
+          </a:prstGeom>
+          <a:noFill/>
+        </p:spPr>
+        <p:txBody>
+          <a:bodyPr wrap="square" rtlCol="0">
+            <a:spAutoFit/>
+          </a:bodyPr>
+          <a:lstStyle/>
+          <a:p>
+            <a:r>
+              <a:rPr lang="en-US" dirty="0"/>
+              <a:t>Age: 18-64</a:t>
+            </a:r>
+          </a:p>
+        </p:txBody>
+      </p:sp>
     </p:spTree>
     <p:extLst>
       <p:ext uri="{BB962C8B-B14F-4D97-AF65-F5344CB8AC3E}">
-        <p14:creationId xmlns:p14="http://schemas.microsoft.com/office/powerpoint/2010/main" val="3953183027"/>
+        <p14:creationId xmlns:p14="http://schemas.microsoft.com/office/powerpoint/2010/main" val="1464701513"/>
       </p:ext>
     </p:extLst>
   </p:cSld>
@@ -11268,12 +10925,12 @@
           <a:chExt cx="0" cy="0"/>
         </a:xfrm>
       </p:grpSpPr>
-      <p:sp>
-        <p:nvSpPr>
-          <p:cNvPr id="10" name="Flowchart: Document 9">
-            <a:extLst>
-              <a:ext uri="{FF2B5EF4-FFF2-40B4-BE49-F238E27FC236}">
-                <a16:creationId xmlns:a16="http://schemas.microsoft.com/office/drawing/2014/main" id="{D12DDE76-C203-4047-9998-63900085B5E8}"/>
+      <p:sp useBgFill="1">
+        <p:nvSpPr>
+          <p:cNvPr id="10" name="Rectangle 9">
+            <a:extLst>
+              <a:ext uri="{FF2B5EF4-FFF2-40B4-BE49-F238E27FC236}">
+                <a16:creationId xmlns:a16="http://schemas.microsoft.com/office/drawing/2014/main" id="{B5FA7C47-B7C1-4D2E-AB49-ED23BA34BA83}"/>
               </a:ext>
               <a:ext uri="{C183D7F6-B498-43B3-948B-1728B52AA6E4}">
                 <adec:decorative xmlns:adec="http://schemas.microsoft.com/office/drawing/2017/decorative" val="1"/>
@@ -11293,15 +10950,12 @@
         </p:nvSpPr>
         <p:spPr>
           <a:xfrm>
-            <a:off x="638175" y="0"/>
-            <a:ext cx="3248025" cy="3400426"/>
-          </a:xfrm>
-          <a:prstGeom prst="flowChartDocument">
+            <a:off x="0" y="0"/>
+            <a:ext cx="12188952" cy="6858000"/>
+          </a:xfrm>
+          <a:prstGeom prst="rect">
             <a:avLst/>
           </a:prstGeom>
-          <a:solidFill>
-            <a:schemeClr val="accent1"/>
-          </a:solidFill>
           <a:ln>
             <a:noFill/>
           </a:ln>
@@ -11333,10 +10987,316 @@
       </p:sp>
       <p:sp>
         <p:nvSpPr>
+          <p:cNvPr id="12" name="Freeform 6">
+            <a:extLst>
+              <a:ext uri="{FF2B5EF4-FFF2-40B4-BE49-F238E27FC236}">
+                <a16:creationId xmlns:a16="http://schemas.microsoft.com/office/drawing/2014/main" id="{596EE156-ABF1-4329-A6BA-03B4254E0877}"/>
+              </a:ext>
+              <a:ext uri="{C183D7F6-B498-43B3-948B-1728B52AA6E4}">
+                <adec:decorative xmlns:adec="http://schemas.microsoft.com/office/drawing/2017/decorative" val="1"/>
+              </a:ext>
+            </a:extLst>
+          </p:cNvPr>
+          <p:cNvSpPr>
+            <a:spLocks noGrp="1" noRot="1" noChangeAspect="1" noMove="1" noResize="1" noEditPoints="1" noAdjustHandles="1" noChangeArrowheads="1" noChangeShapeType="1" noTextEdit="1"/>
+          </p:cNvSpPr>
+          <p:nvPr>
+            <p:extLst>
+              <p:ext uri="{386F3935-93C4-4BCD-93E2-E3B085C9AB24}">
+                <p16:designElem xmlns:p16="http://schemas.microsoft.com/office/powerpoint/2015/main" val="1"/>
+              </p:ext>
+            </p:extLst>
+          </p:nvPr>
+        </p:nvSpPr>
+        <p:spPr bwMode="auto">
+          <a:xfrm flipH="1">
+            <a:off x="521144" y="911116"/>
+            <a:ext cx="687754" cy="5710965"/>
+          </a:xfrm>
+          <a:custGeom>
+            <a:avLst/>
+            <a:gdLst>
+              <a:gd name="T0" fmla="*/ 414 w 414"/>
+              <a:gd name="T1" fmla="*/ 2447 h 2447"/>
+              <a:gd name="T2" fmla="*/ 0 w 414"/>
+              <a:gd name="T3" fmla="*/ 2247 h 2447"/>
+              <a:gd name="T4" fmla="*/ 0 w 414"/>
+              <a:gd name="T5" fmla="*/ 0 h 2447"/>
+              <a:gd name="T6" fmla="*/ 414 w 414"/>
+              <a:gd name="T7" fmla="*/ 200 h 2447"/>
+              <a:gd name="T8" fmla="*/ 414 w 414"/>
+              <a:gd name="T9" fmla="*/ 2447 h 2447"/>
+            </a:gdLst>
+            <a:ahLst/>
+            <a:cxnLst>
+              <a:cxn ang="0">
+                <a:pos x="T0" y="T1"/>
+              </a:cxn>
+              <a:cxn ang="0">
+                <a:pos x="T2" y="T3"/>
+              </a:cxn>
+              <a:cxn ang="0">
+                <a:pos x="T4" y="T5"/>
+              </a:cxn>
+              <a:cxn ang="0">
+                <a:pos x="T6" y="T7"/>
+              </a:cxn>
+              <a:cxn ang="0">
+                <a:pos x="T8" y="T9"/>
+              </a:cxn>
+            </a:cxnLst>
+            <a:rect l="0" t="0" r="r" b="b"/>
+            <a:pathLst>
+              <a:path w="414" h="2447">
+                <a:moveTo>
+                  <a:pt x="414" y="2447"/>
+                </a:moveTo>
+                <a:lnTo>
+                  <a:pt x="0" y="2247"/>
+                </a:lnTo>
+                <a:lnTo>
+                  <a:pt x="0" y="0"/>
+                </a:lnTo>
+                <a:lnTo>
+                  <a:pt x="414" y="200"/>
+                </a:lnTo>
+                <a:lnTo>
+                  <a:pt x="414" y="2447"/>
+                </a:lnTo>
+                <a:close/>
+              </a:path>
+            </a:pathLst>
+          </a:custGeom>
+          <a:solidFill>
+            <a:schemeClr val="accent1">
+              <a:lumMod val="75000"/>
+            </a:schemeClr>
+          </a:solidFill>
+          <a:ln>
+            <a:noFill/>
+          </a:ln>
+        </p:spPr>
+        <p:txBody>
+          <a:bodyPr vert="horz" wrap="square" lIns="91440" tIns="45720" rIns="91440" bIns="45720" numCol="1" anchor="t" anchorCtr="0" compatLnSpc="1">
+            <a:prstTxWarp prst="textNoShape">
+              <a:avLst/>
+            </a:prstTxWarp>
+          </a:bodyPr>
+          <a:lstStyle/>
+          <a:p>
+            <a:endParaRPr lang="en-US"/>
+          </a:p>
+        </p:txBody>
+      </p:sp>
+      <p:sp>
+        <p:nvSpPr>
+          <p:cNvPr id="14" name="Rectangle 8">
+            <a:extLst>
+              <a:ext uri="{FF2B5EF4-FFF2-40B4-BE49-F238E27FC236}">
+                <a16:creationId xmlns:a16="http://schemas.microsoft.com/office/drawing/2014/main" id="{19B9933F-AAB3-444A-8BB5-9CA194A8BC63}"/>
+              </a:ext>
+              <a:ext uri="{C183D7F6-B498-43B3-948B-1728B52AA6E4}">
+                <adec:decorative xmlns:adec="http://schemas.microsoft.com/office/drawing/2017/decorative" val="1"/>
+              </a:ext>
+            </a:extLst>
+          </p:cNvPr>
+          <p:cNvSpPr>
+            <a:spLocks noGrp="1" noRot="1" noChangeAspect="1" noMove="1" noResize="1" noEditPoints="1" noAdjustHandles="1" noChangeArrowheads="1" noChangeShapeType="1" noTextEdit="1"/>
+          </p:cNvSpPr>
+          <p:nvPr>
+            <p:extLst>
+              <p:ext uri="{386F3935-93C4-4BCD-93E2-E3B085C9AB24}">
+                <p16:designElem xmlns:p16="http://schemas.microsoft.com/office/powerpoint/2015/main" val="1"/>
+              </p:ext>
+            </p:extLst>
+          </p:nvPr>
+        </p:nvSpPr>
+        <p:spPr bwMode="auto">
+          <a:xfrm flipH="1">
+            <a:off x="0" y="1370435"/>
+            <a:ext cx="527226" cy="5251646"/>
+          </a:xfrm>
+          <a:prstGeom prst="rect">
+            <a:avLst/>
+          </a:prstGeom>
+          <a:solidFill>
+            <a:schemeClr val="accent1"/>
+          </a:solidFill>
+          <a:ln>
+            <a:noFill/>
+          </a:ln>
+        </p:spPr>
+        <p:txBody>
+          <a:bodyPr vert="horz" wrap="square" lIns="91440" tIns="45720" rIns="91440" bIns="45720" numCol="1" anchor="t" anchorCtr="0" compatLnSpc="1">
+            <a:prstTxWarp prst="textNoShape">
+              <a:avLst/>
+            </a:prstTxWarp>
+          </a:bodyPr>
+          <a:lstStyle/>
+          <a:p>
+            <a:endParaRPr lang="en-US"/>
+          </a:p>
+        </p:txBody>
+      </p:sp>
+      <p:sp>
+        <p:nvSpPr>
+          <p:cNvPr id="16" name="Freeform 7">
+            <a:extLst>
+              <a:ext uri="{FF2B5EF4-FFF2-40B4-BE49-F238E27FC236}">
+                <a16:creationId xmlns:a16="http://schemas.microsoft.com/office/drawing/2014/main" id="{7D20183A-0B1D-4A1F-89B1-ADBEDBC6E54E}"/>
+              </a:ext>
+              <a:ext uri="{C183D7F6-B498-43B3-948B-1728B52AA6E4}">
+                <adec:decorative xmlns:adec="http://schemas.microsoft.com/office/drawing/2017/decorative" val="1"/>
+              </a:ext>
+            </a:extLst>
+          </p:cNvPr>
+          <p:cNvSpPr>
+            <a:spLocks noGrp="1" noRot="1" noChangeAspect="1" noMove="1" noResize="1" noEditPoints="1" noAdjustHandles="1" noChangeArrowheads="1" noChangeShapeType="1" noTextEdit="1"/>
+          </p:cNvSpPr>
+          <p:nvPr>
+            <p:extLst>
+              <p:ext uri="{386F3935-93C4-4BCD-93E2-E3B085C9AB24}">
+                <p16:designElem xmlns:p16="http://schemas.microsoft.com/office/powerpoint/2015/main" val="1"/>
+              </p:ext>
+            </p:extLst>
+          </p:nvPr>
+        </p:nvSpPr>
+        <p:spPr bwMode="auto">
+          <a:xfrm flipH="1">
+            <a:off x="800164" y="643467"/>
+            <a:ext cx="409371" cy="5521414"/>
+          </a:xfrm>
+          <a:custGeom>
+            <a:avLst/>
+            <a:gdLst>
+              <a:gd name="T0" fmla="*/ 209 w 209"/>
+              <a:gd name="T1" fmla="*/ 2246 h 2358"/>
+              <a:gd name="T2" fmla="*/ 0 w 209"/>
+              <a:gd name="T3" fmla="*/ 2358 h 2358"/>
+              <a:gd name="T4" fmla="*/ 0 w 209"/>
+              <a:gd name="T5" fmla="*/ 111 h 2358"/>
+              <a:gd name="T6" fmla="*/ 209 w 209"/>
+              <a:gd name="T7" fmla="*/ 0 h 2358"/>
+              <a:gd name="T8" fmla="*/ 209 w 209"/>
+              <a:gd name="T9" fmla="*/ 2246 h 2358"/>
+            </a:gdLst>
+            <a:ahLst/>
+            <a:cxnLst>
+              <a:cxn ang="0">
+                <a:pos x="T0" y="T1"/>
+              </a:cxn>
+              <a:cxn ang="0">
+                <a:pos x="T2" y="T3"/>
+              </a:cxn>
+              <a:cxn ang="0">
+                <a:pos x="T4" y="T5"/>
+              </a:cxn>
+              <a:cxn ang="0">
+                <a:pos x="T6" y="T7"/>
+              </a:cxn>
+              <a:cxn ang="0">
+                <a:pos x="T8" y="T9"/>
+              </a:cxn>
+            </a:cxnLst>
+            <a:rect l="0" t="0" r="r" b="b"/>
+            <a:pathLst>
+              <a:path w="209" h="2358">
+                <a:moveTo>
+                  <a:pt x="209" y="2246"/>
+                </a:moveTo>
+                <a:lnTo>
+                  <a:pt x="0" y="2358"/>
+                </a:lnTo>
+                <a:lnTo>
+                  <a:pt x="0" y="111"/>
+                </a:lnTo>
+                <a:lnTo>
+                  <a:pt x="209" y="0"/>
+                </a:lnTo>
+                <a:lnTo>
+                  <a:pt x="209" y="2246"/>
+                </a:lnTo>
+                <a:close/>
+              </a:path>
+            </a:pathLst>
+          </a:custGeom>
+          <a:solidFill>
+            <a:schemeClr val="accent1">
+              <a:lumMod val="50000"/>
+            </a:schemeClr>
+          </a:solidFill>
+          <a:ln>
+            <a:noFill/>
+          </a:ln>
+        </p:spPr>
+        <p:txBody>
+          <a:bodyPr vert="horz" wrap="square" lIns="91440" tIns="45720" rIns="91440" bIns="45720" numCol="1" anchor="t" anchorCtr="0" compatLnSpc="1">
+            <a:prstTxWarp prst="textNoShape">
+              <a:avLst/>
+            </a:prstTxWarp>
+          </a:bodyPr>
+          <a:lstStyle/>
+          <a:p>
+            <a:endParaRPr lang="en-US"/>
+          </a:p>
+        </p:txBody>
+      </p:sp>
+      <p:sp>
+        <p:nvSpPr>
+          <p:cNvPr id="18" name="Rectangle 8">
+            <a:extLst>
+              <a:ext uri="{FF2B5EF4-FFF2-40B4-BE49-F238E27FC236}">
+                <a16:creationId xmlns:a16="http://schemas.microsoft.com/office/drawing/2014/main" id="{131031D3-26CD-4214-A9A4-5857EFA15A0C}"/>
+              </a:ext>
+              <a:ext uri="{C183D7F6-B498-43B3-948B-1728B52AA6E4}">
+                <adec:decorative xmlns:adec="http://schemas.microsoft.com/office/drawing/2017/decorative" val="1"/>
+              </a:ext>
+            </a:extLst>
+          </p:cNvPr>
+          <p:cNvSpPr>
+            <a:spLocks noGrp="1" noRot="1" noChangeAspect="1" noMove="1" noResize="1" noEditPoints="1" noAdjustHandles="1" noChangeArrowheads="1" noChangeShapeType="1" noTextEdit="1"/>
+          </p:cNvSpPr>
+          <p:nvPr>
+            <p:extLst>
+              <p:ext uri="{386F3935-93C4-4BCD-93E2-E3B085C9AB24}">
+                <p16:designElem xmlns:p16="http://schemas.microsoft.com/office/powerpoint/2015/main" val="1"/>
+              </p:ext>
+            </p:extLst>
+          </p:nvPr>
+        </p:nvSpPr>
+        <p:spPr bwMode="auto">
+          <a:xfrm>
+            <a:off x="795529" y="644382"/>
+            <a:ext cx="3856024" cy="5251646"/>
+          </a:xfrm>
+          <a:prstGeom prst="rect">
+            <a:avLst/>
+          </a:prstGeom>
+          <a:solidFill>
+            <a:schemeClr val="accent1"/>
+          </a:solidFill>
+          <a:ln>
+            <a:noFill/>
+          </a:ln>
+        </p:spPr>
+        <p:txBody>
+          <a:bodyPr vert="horz" wrap="square" lIns="91440" tIns="45720" rIns="91440" bIns="45720" numCol="1" anchor="t" anchorCtr="0" compatLnSpc="1">
+            <a:prstTxWarp prst="textNoShape">
+              <a:avLst/>
+            </a:prstTxWarp>
+          </a:bodyPr>
+          <a:lstStyle/>
+          <a:p>
+            <a:endParaRPr lang="en-US"/>
+          </a:p>
+        </p:txBody>
+      </p:sp>
+      <p:sp>
+        <p:nvSpPr>
           <p:cNvPr id="2" name="Title 1">
             <a:extLst>
               <a:ext uri="{FF2B5EF4-FFF2-40B4-BE49-F238E27FC236}">
-                <a16:creationId xmlns:a16="http://schemas.microsoft.com/office/drawing/2014/main" id="{DF1B751B-D55C-3344-88C7-FD5747AEF859}"/>
+                <a16:creationId xmlns:a16="http://schemas.microsoft.com/office/drawing/2014/main" id="{0A7CFF6E-0A19-8C4F-96D2-6AA2C536F131}"/>
               </a:ext>
             </a:extLst>
           </p:cNvPr>
@@ -11349,45 +11309,89 @@
         </p:nvSpPr>
         <p:spPr>
           <a:xfrm>
-            <a:off x="838200" y="171162"/>
-            <a:ext cx="2840182" cy="2371148"/>
+            <a:off x="1146879" y="998002"/>
+            <a:ext cx="3182940" cy="1471959"/>
           </a:xfrm>
         </p:spPr>
         <p:txBody>
-          <a:bodyPr vert="horz" lIns="91440" tIns="45720" rIns="91440" bIns="45720" rtlCol="0" anchor="ctr">
+          <a:bodyPr>
             <a:normAutofit/>
           </a:bodyPr>
           <a:lstStyle/>
           <a:p>
             <a:r>
-              <a:rPr lang="en-US" sz="3200" kern="1200">
+              <a:rPr lang="en-US" sz="3300" dirty="0">
                 <a:solidFill>
                   <a:srgbClr val="FFFFFF"/>
                 </a:solidFill>
-                <a:latin typeface="+mj-lt"/>
-                <a:ea typeface="+mj-ea"/>
-                <a:cs typeface="+mj-cs"/>
               </a:rPr>
-              <a:t>Smoker vs non-smokers in boxplot</a:t>
+              <a:t>Sorry, the graph earlier was a bit misleading</a:t>
+            </a:r>
+          </a:p>
+        </p:txBody>
+      </p:sp>
+      <p:sp>
+        <p:nvSpPr>
+          <p:cNvPr id="3" name="Content Placeholder 2">
+            <a:extLst>
+              <a:ext uri="{FF2B5EF4-FFF2-40B4-BE49-F238E27FC236}">
+                <a16:creationId xmlns:a16="http://schemas.microsoft.com/office/drawing/2014/main" id="{BD1E0ADF-BBFC-2F44-A20C-7F670AD90159}"/>
+              </a:ext>
+            </a:extLst>
+          </p:cNvPr>
+          <p:cNvSpPr>
+            <a:spLocks noGrp="1"/>
+          </p:cNvSpPr>
+          <p:nvPr>
+            <p:ph idx="1"/>
+          </p:nvPr>
+        </p:nvSpPr>
+        <p:spPr>
+          <a:xfrm>
+            <a:off x="1139635" y="2546161"/>
+            <a:ext cx="3200451" cy="2985929"/>
+          </a:xfrm>
+        </p:spPr>
+        <p:txBody>
+          <a:bodyPr anchor="t">
+            <a:normAutofit lnSpcReduction="10000"/>
+          </a:bodyPr>
+          <a:lstStyle/>
+          <a:p>
+            <a:r>
+              <a:rPr lang="en-US" sz="2400" dirty="0">
+                <a:solidFill>
+                  <a:srgbClr val="FEFFFF"/>
+                </a:solidFill>
+              </a:rPr>
+              <a:t>The non-smokers were stacking together in the bottom thus can’t see them well, here’s are how much do each patients </a:t>
+            </a:r>
+          </a:p>
+          <a:p>
+            <a:r>
+              <a:rPr lang="en-US" sz="2400" dirty="0">
+                <a:solidFill>
+                  <a:srgbClr val="FEFFFF"/>
+                </a:solidFill>
+              </a:rPr>
+              <a:t>Most patients spent less than $20,000</a:t>
             </a:r>
           </a:p>
         </p:txBody>
       </p:sp>
       <p:pic>
         <p:nvPicPr>
-          <p:cNvPr id="5" name="Content Placeholder 4" descr="Chart, box and whisker chart&#10;&#10;Description automatically generated">
-            <a:extLst>
-              <a:ext uri="{FF2B5EF4-FFF2-40B4-BE49-F238E27FC236}">
-                <a16:creationId xmlns:a16="http://schemas.microsoft.com/office/drawing/2014/main" id="{9B141376-63A3-374D-A175-48A45929A76F}"/>
+          <p:cNvPr id="5" name="Picture 4" descr="A screenshot of a computer&#10;&#10;Description automatically generated with low confidence">
+            <a:extLst>
+              <a:ext uri="{FF2B5EF4-FFF2-40B4-BE49-F238E27FC236}">
+                <a16:creationId xmlns:a16="http://schemas.microsoft.com/office/drawing/2014/main" id="{BA9166E2-F8F8-C749-8F34-B3D64F05EA8C}"/>
               </a:ext>
             </a:extLst>
           </p:cNvPr>
           <p:cNvPicPr>
-            <a:picLocks noGrp="1" noChangeAspect="1"/>
+            <a:picLocks noChangeAspect="1"/>
           </p:cNvPicPr>
-          <p:nvPr>
-            <p:ph idx="1"/>
-          </p:nvPr>
+          <p:nvPr/>
         </p:nvPicPr>
         <p:blipFill>
           <a:blip r:embed="rId3"/>
@@ -11397,8 +11401,8 @@
         </p:blipFill>
         <p:spPr>
           <a:xfrm>
-            <a:off x="4312840" y="418638"/>
-            <a:ext cx="7240985" cy="6020724"/>
+            <a:off x="4759587" y="796834"/>
+            <a:ext cx="7341485" cy="4735256"/>
           </a:xfrm>
           <a:prstGeom prst="rect">
             <a:avLst/>
@@ -11408,7 +11412,7 @@
     </p:spTree>
     <p:extLst>
       <p:ext uri="{BB962C8B-B14F-4D97-AF65-F5344CB8AC3E}">
-        <p14:creationId xmlns:p14="http://schemas.microsoft.com/office/powerpoint/2010/main" val="1875943029"/>
+        <p14:creationId xmlns:p14="http://schemas.microsoft.com/office/powerpoint/2010/main" val="3953183027"/>
       </p:ext>
     </p:extLst>
   </p:cSld>
